--- a/report/overview_diagrams.pptx
+++ b/report/overview_diagrams.pptx
@@ -7,7 +7,8 @@
   <p:sldIdLst>
     <p:sldId id="257" r:id="rId2"/>
     <p:sldId id="258" r:id="rId3"/>
-    <p:sldId id="260" r:id="rId4"/>
+    <p:sldId id="261" r:id="rId4"/>
+    <p:sldId id="260" r:id="rId5"/>
   </p:sldIdLst>
   <p:sldSz cx="9144000" cy="6858000" type="screen4x3"/>
   <p:notesSz cx="6858000" cy="9144000"/>
@@ -290,7 +291,7 @@
           <a:p>
             <a:fld id="{E60D2AC5-1717-184A-BDAF-E3EF29711C32}" type="datetimeFigureOut">
               <a:rPr lang="en-US" smtClean="0"/>
-              <a:t>05/08/2014</a:t>
+              <a:t>13/08/2014</a:t>
             </a:fld>
             <a:endParaRPr lang="en-US"/>
           </a:p>
@@ -460,7 +461,7 @@
           <a:p>
             <a:fld id="{E60D2AC5-1717-184A-BDAF-E3EF29711C32}" type="datetimeFigureOut">
               <a:rPr lang="en-US" smtClean="0"/>
-              <a:t>05/08/2014</a:t>
+              <a:t>13/08/2014</a:t>
             </a:fld>
             <a:endParaRPr lang="en-US"/>
           </a:p>
@@ -640,7 +641,7 @@
           <a:p>
             <a:fld id="{E60D2AC5-1717-184A-BDAF-E3EF29711C32}" type="datetimeFigureOut">
               <a:rPr lang="en-US" smtClean="0"/>
-              <a:t>05/08/2014</a:t>
+              <a:t>13/08/2014</a:t>
             </a:fld>
             <a:endParaRPr lang="en-US"/>
           </a:p>
@@ -810,7 +811,7 @@
           <a:p>
             <a:fld id="{E60D2AC5-1717-184A-BDAF-E3EF29711C32}" type="datetimeFigureOut">
               <a:rPr lang="en-US" smtClean="0"/>
-              <a:t>05/08/2014</a:t>
+              <a:t>13/08/2014</a:t>
             </a:fld>
             <a:endParaRPr lang="en-US"/>
           </a:p>
@@ -1056,7 +1057,7 @@
           <a:p>
             <a:fld id="{E60D2AC5-1717-184A-BDAF-E3EF29711C32}" type="datetimeFigureOut">
               <a:rPr lang="en-US" smtClean="0"/>
-              <a:t>05/08/2014</a:t>
+              <a:t>13/08/2014</a:t>
             </a:fld>
             <a:endParaRPr lang="en-US"/>
           </a:p>
@@ -1344,7 +1345,7 @@
           <a:p>
             <a:fld id="{E60D2AC5-1717-184A-BDAF-E3EF29711C32}" type="datetimeFigureOut">
               <a:rPr lang="en-US" smtClean="0"/>
-              <a:t>05/08/2014</a:t>
+              <a:t>13/08/2014</a:t>
             </a:fld>
             <a:endParaRPr lang="en-US"/>
           </a:p>
@@ -1766,7 +1767,7 @@
           <a:p>
             <a:fld id="{E60D2AC5-1717-184A-BDAF-E3EF29711C32}" type="datetimeFigureOut">
               <a:rPr lang="en-US" smtClean="0"/>
-              <a:t>05/08/2014</a:t>
+              <a:t>13/08/2014</a:t>
             </a:fld>
             <a:endParaRPr lang="en-US"/>
           </a:p>
@@ -1884,7 +1885,7 @@
           <a:p>
             <a:fld id="{E60D2AC5-1717-184A-BDAF-E3EF29711C32}" type="datetimeFigureOut">
               <a:rPr lang="en-US" smtClean="0"/>
-              <a:t>05/08/2014</a:t>
+              <a:t>13/08/2014</a:t>
             </a:fld>
             <a:endParaRPr lang="en-US"/>
           </a:p>
@@ -1979,7 +1980,7 @@
           <a:p>
             <a:fld id="{E60D2AC5-1717-184A-BDAF-E3EF29711C32}" type="datetimeFigureOut">
               <a:rPr lang="en-US" smtClean="0"/>
-              <a:t>05/08/2014</a:t>
+              <a:t>13/08/2014</a:t>
             </a:fld>
             <a:endParaRPr lang="en-US"/>
           </a:p>
@@ -2256,7 +2257,7 @@
           <a:p>
             <a:fld id="{E60D2AC5-1717-184A-BDAF-E3EF29711C32}" type="datetimeFigureOut">
               <a:rPr lang="en-US" smtClean="0"/>
-              <a:t>05/08/2014</a:t>
+              <a:t>13/08/2014</a:t>
             </a:fld>
             <a:endParaRPr lang="en-US"/>
           </a:p>
@@ -2509,7 +2510,7 @@
           <a:p>
             <a:fld id="{E60D2AC5-1717-184A-BDAF-E3EF29711C32}" type="datetimeFigureOut">
               <a:rPr lang="en-US" smtClean="0"/>
-              <a:t>05/08/2014</a:t>
+              <a:t>13/08/2014</a:t>
             </a:fld>
             <a:endParaRPr lang="en-US"/>
           </a:p>
@@ -2722,7 +2723,7 @@
           <a:p>
             <a:fld id="{E60D2AC5-1717-184A-BDAF-E3EF29711C32}" type="datetimeFigureOut">
               <a:rPr lang="en-US" smtClean="0"/>
-              <a:t>05/08/2014</a:t>
+              <a:t>13/08/2014</a:t>
             </a:fld>
             <a:endParaRPr lang="en-US"/>
           </a:p>
@@ -7194,6 +7195,1326 @@
       </p:grpSpPr>
       <p:sp>
         <p:nvSpPr>
+          <p:cNvPr id="143" name="Rectangle 142"/>
+          <p:cNvSpPr/>
+          <p:nvPr/>
+        </p:nvSpPr>
+        <p:spPr>
+          <a:xfrm rot="16200000">
+            <a:off x="-2028022" y="3723149"/>
+            <a:ext cx="4591948" cy="345750"/>
+          </a:xfrm>
+          <a:prstGeom prst="rect">
+            <a:avLst/>
+          </a:prstGeom>
+          <a:solidFill>
+            <a:schemeClr val="accent6">
+              <a:lumMod val="20000"/>
+              <a:lumOff val="80000"/>
+            </a:schemeClr>
+          </a:solidFill>
+          <a:ln w="19050" cmpd="sng">
+            <a:solidFill>
+              <a:schemeClr val="tx1"/>
+            </a:solidFill>
+          </a:ln>
+        </p:spPr>
+        <p:style>
+          <a:lnRef idx="1">
+            <a:schemeClr val="accent1"/>
+          </a:lnRef>
+          <a:fillRef idx="3">
+            <a:schemeClr val="accent1"/>
+          </a:fillRef>
+          <a:effectRef idx="2">
+            <a:schemeClr val="accent1"/>
+          </a:effectRef>
+          <a:fontRef idx="minor">
+            <a:schemeClr val="lt1"/>
+          </a:fontRef>
+        </p:style>
+        <p:txBody>
+          <a:bodyPr rtlCol="0" anchor="ctr"/>
+          <a:lstStyle/>
+          <a:p>
+            <a:pPr algn="ctr"/>
+            <a:r>
+              <a:rPr lang="en-US" sz="1100" dirty="0" smtClean="0">
+                <a:solidFill>
+                  <a:schemeClr val="tx1"/>
+                </a:solidFill>
+                <a:latin typeface="Helvetica"/>
+                <a:cs typeface="Helvetica"/>
+              </a:rPr>
+              <a:t>Client</a:t>
+            </a:r>
+            <a:endParaRPr lang="en-US" sz="1100" dirty="0">
+              <a:solidFill>
+                <a:schemeClr val="tx1"/>
+              </a:solidFill>
+              <a:latin typeface="Helvetica"/>
+              <a:cs typeface="Helvetica"/>
+            </a:endParaRPr>
+          </a:p>
+        </p:txBody>
+      </p:sp>
+      <p:sp>
+        <p:nvSpPr>
+          <p:cNvPr id="149" name="Rectangle 148"/>
+          <p:cNvSpPr/>
+          <p:nvPr/>
+        </p:nvSpPr>
+        <p:spPr>
+          <a:xfrm>
+            <a:off x="440827" y="2311159"/>
+            <a:ext cx="853689" cy="311676"/>
+          </a:xfrm>
+          <a:prstGeom prst="rect">
+            <a:avLst/>
+          </a:prstGeom>
+          <a:noFill/>
+          <a:ln w="19050" cmpd="sng">
+            <a:noFill/>
+          </a:ln>
+        </p:spPr>
+        <p:style>
+          <a:lnRef idx="1">
+            <a:schemeClr val="accent1"/>
+          </a:lnRef>
+          <a:fillRef idx="3">
+            <a:schemeClr val="accent1"/>
+          </a:fillRef>
+          <a:effectRef idx="2">
+            <a:schemeClr val="accent1"/>
+          </a:effectRef>
+          <a:fontRef idx="minor">
+            <a:schemeClr val="lt1"/>
+          </a:fontRef>
+        </p:style>
+        <p:txBody>
+          <a:bodyPr rtlCol="0" anchor="ctr"/>
+          <a:lstStyle/>
+          <a:p>
+            <a:r>
+              <a:rPr lang="en-US" sz="1100" dirty="0" smtClean="0">
+                <a:solidFill>
+                  <a:schemeClr val="tx1"/>
+                </a:solidFill>
+                <a:latin typeface="Helvetica"/>
+                <a:cs typeface="Helvetica"/>
+              </a:rPr>
+              <a:t>Connect</a:t>
+            </a:r>
+            <a:endParaRPr lang="en-US" sz="1100" dirty="0" smtClean="0">
+              <a:solidFill>
+                <a:schemeClr val="tx1"/>
+              </a:solidFill>
+              <a:latin typeface="Helvetica"/>
+              <a:cs typeface="Helvetica"/>
+            </a:endParaRPr>
+          </a:p>
+        </p:txBody>
+      </p:sp>
+      <p:cxnSp>
+        <p:nvCxnSpPr>
+          <p:cNvPr id="150" name="Straight Arrow Connector 149"/>
+          <p:cNvCxnSpPr>
+            <a:cxnSpLocks/>
+          </p:cNvCxnSpPr>
+          <p:nvPr/>
+        </p:nvCxnSpPr>
+        <p:spPr>
+          <a:xfrm>
+            <a:off x="449990" y="2622835"/>
+            <a:ext cx="900000" cy="1"/>
+          </a:xfrm>
+          <a:prstGeom prst="straightConnector1">
+            <a:avLst/>
+          </a:prstGeom>
+          <a:ln w="19050" cmpd="sng">
+            <a:tailEnd type="arrow"/>
+          </a:ln>
+        </p:spPr>
+        <p:style>
+          <a:lnRef idx="2">
+            <a:schemeClr val="dk1"/>
+          </a:lnRef>
+          <a:fillRef idx="0">
+            <a:schemeClr val="dk1"/>
+          </a:fillRef>
+          <a:effectRef idx="1">
+            <a:schemeClr val="dk1"/>
+          </a:effectRef>
+          <a:fontRef idx="minor">
+            <a:schemeClr val="tx1"/>
+          </a:fontRef>
+        </p:style>
+      </p:cxnSp>
+      <p:sp>
+        <p:nvSpPr>
+          <p:cNvPr id="159" name="Rectangle 158"/>
+          <p:cNvSpPr/>
+          <p:nvPr/>
+        </p:nvSpPr>
+        <p:spPr>
+          <a:xfrm rot="16200000">
+            <a:off x="6569151" y="3719493"/>
+            <a:ext cx="4591948" cy="345750"/>
+          </a:xfrm>
+          <a:prstGeom prst="rect">
+            <a:avLst/>
+          </a:prstGeom>
+          <a:solidFill>
+            <a:schemeClr val="accent6">
+              <a:lumMod val="20000"/>
+              <a:lumOff val="80000"/>
+            </a:schemeClr>
+          </a:solidFill>
+          <a:ln w="19050" cmpd="sng">
+            <a:solidFill>
+              <a:schemeClr val="tx1"/>
+            </a:solidFill>
+          </a:ln>
+        </p:spPr>
+        <p:style>
+          <a:lnRef idx="1">
+            <a:schemeClr val="accent1"/>
+          </a:lnRef>
+          <a:fillRef idx="3">
+            <a:schemeClr val="accent1"/>
+          </a:fillRef>
+          <a:effectRef idx="2">
+            <a:schemeClr val="accent1"/>
+          </a:effectRef>
+          <a:fontRef idx="minor">
+            <a:schemeClr val="lt1"/>
+          </a:fontRef>
+        </p:style>
+        <p:txBody>
+          <a:bodyPr rtlCol="0" anchor="ctr"/>
+          <a:lstStyle/>
+          <a:p>
+            <a:pPr algn="ctr"/>
+            <a:r>
+              <a:rPr lang="en-US" sz="1100" dirty="0" smtClean="0">
+                <a:solidFill>
+                  <a:schemeClr val="tx1"/>
+                </a:solidFill>
+                <a:latin typeface="Helvetica"/>
+                <a:cs typeface="Helvetica"/>
+              </a:rPr>
+              <a:t>Cluster</a:t>
+            </a:r>
+            <a:endParaRPr lang="en-US" sz="1100" dirty="0">
+              <a:solidFill>
+                <a:schemeClr val="tx1"/>
+              </a:solidFill>
+              <a:latin typeface="Helvetica"/>
+              <a:cs typeface="Helvetica"/>
+            </a:endParaRPr>
+          </a:p>
+        </p:txBody>
+      </p:sp>
+      <p:sp>
+        <p:nvSpPr>
+          <p:cNvPr id="167" name="Rectangle 166"/>
+          <p:cNvSpPr/>
+          <p:nvPr/>
+        </p:nvSpPr>
+        <p:spPr>
+          <a:xfrm>
+            <a:off x="7649770" y="3708869"/>
+            <a:ext cx="693384" cy="311676"/>
+          </a:xfrm>
+          <a:prstGeom prst="rect">
+            <a:avLst/>
+          </a:prstGeom>
+          <a:noFill/>
+          <a:ln w="19050" cmpd="sng">
+            <a:noFill/>
+          </a:ln>
+        </p:spPr>
+        <p:style>
+          <a:lnRef idx="1">
+            <a:schemeClr val="accent1"/>
+          </a:lnRef>
+          <a:fillRef idx="3">
+            <a:schemeClr val="accent1"/>
+          </a:fillRef>
+          <a:effectRef idx="2">
+            <a:schemeClr val="accent1"/>
+          </a:effectRef>
+          <a:fontRef idx="minor">
+            <a:schemeClr val="lt1"/>
+          </a:fontRef>
+        </p:style>
+        <p:txBody>
+          <a:bodyPr rtlCol="0" anchor="ctr"/>
+          <a:lstStyle/>
+          <a:p>
+            <a:pPr algn="r"/>
+            <a:r>
+              <a:rPr lang="en-US" sz="1100" dirty="0" smtClean="0">
+                <a:solidFill>
+                  <a:schemeClr val="tx1"/>
+                </a:solidFill>
+                <a:latin typeface="Helvetica"/>
+                <a:cs typeface="Helvetica"/>
+              </a:rPr>
+              <a:t>Read</a:t>
+            </a:r>
+            <a:endParaRPr lang="en-US" sz="1100" dirty="0" smtClean="0">
+              <a:solidFill>
+                <a:schemeClr val="tx1"/>
+              </a:solidFill>
+              <a:latin typeface="Helvetica"/>
+              <a:cs typeface="Helvetica"/>
+            </a:endParaRPr>
+          </a:p>
+        </p:txBody>
+      </p:sp>
+      <p:cxnSp>
+        <p:nvCxnSpPr>
+          <p:cNvPr id="168" name="Straight Arrow Connector 167"/>
+          <p:cNvCxnSpPr>
+            <a:cxnSpLocks/>
+          </p:cNvCxnSpPr>
+          <p:nvPr/>
+        </p:nvCxnSpPr>
+        <p:spPr>
+          <a:xfrm flipV="1">
+            <a:off x="7621870" y="4514343"/>
+            <a:ext cx="900000" cy="1"/>
+          </a:xfrm>
+          <a:prstGeom prst="straightConnector1">
+            <a:avLst/>
+          </a:prstGeom>
+          <a:ln w="19050" cmpd="sng">
+            <a:headEnd type="arrow"/>
+            <a:tailEnd type="none"/>
+          </a:ln>
+        </p:spPr>
+        <p:style>
+          <a:lnRef idx="2">
+            <a:schemeClr val="dk1"/>
+          </a:lnRef>
+          <a:fillRef idx="0">
+            <a:schemeClr val="dk1"/>
+          </a:fillRef>
+          <a:effectRef idx="1">
+            <a:schemeClr val="dk1"/>
+          </a:effectRef>
+          <a:fontRef idx="minor">
+            <a:schemeClr val="tx1"/>
+          </a:fontRef>
+        </p:style>
+      </p:cxnSp>
+      <p:sp>
+        <p:nvSpPr>
+          <p:cNvPr id="99" name="Rectangle 98"/>
+          <p:cNvSpPr/>
+          <p:nvPr/>
+        </p:nvSpPr>
+        <p:spPr>
+          <a:xfrm>
+            <a:off x="3100219" y="3060700"/>
+            <a:ext cx="4424344" cy="2114667"/>
+          </a:xfrm>
+          <a:prstGeom prst="rect">
+            <a:avLst/>
+          </a:prstGeom>
+          <a:solidFill>
+            <a:schemeClr val="bg2"/>
+          </a:solidFill>
+          <a:ln w="19050" cmpd="sng">
+            <a:solidFill>
+              <a:schemeClr val="tx1"/>
+            </a:solidFill>
+          </a:ln>
+        </p:spPr>
+        <p:style>
+          <a:lnRef idx="1">
+            <a:schemeClr val="accent1"/>
+          </a:lnRef>
+          <a:fillRef idx="3">
+            <a:schemeClr val="accent1"/>
+          </a:fillRef>
+          <a:effectRef idx="2">
+            <a:schemeClr val="accent1"/>
+          </a:effectRef>
+          <a:fontRef idx="minor">
+            <a:schemeClr val="lt1"/>
+          </a:fontRef>
+        </p:style>
+        <p:txBody>
+          <a:bodyPr rtlCol="0" anchor="t" anchorCtr="0"/>
+          <a:lstStyle/>
+          <a:p>
+            <a:pPr algn="ctr"/>
+            <a:endParaRPr lang="en-US" sz="1000" dirty="0">
+              <a:solidFill>
+                <a:schemeClr val="tx1"/>
+              </a:solidFill>
+              <a:latin typeface="Helvetica"/>
+              <a:cs typeface="Helvetica"/>
+            </a:endParaRPr>
+          </a:p>
+        </p:txBody>
+      </p:sp>
+      <p:sp>
+        <p:nvSpPr>
+          <p:cNvPr id="100" name="Rectangle 99"/>
+          <p:cNvSpPr/>
+          <p:nvPr/>
+        </p:nvSpPr>
+        <p:spPr>
+          <a:xfrm>
+            <a:off x="3239919" y="3775807"/>
+            <a:ext cx="1038844" cy="525103"/>
+          </a:xfrm>
+          <a:prstGeom prst="rect">
+            <a:avLst/>
+          </a:prstGeom>
+          <a:solidFill>
+            <a:schemeClr val="accent5">
+              <a:lumMod val="20000"/>
+              <a:lumOff val="80000"/>
+            </a:schemeClr>
+          </a:solidFill>
+          <a:ln w="19050" cmpd="sng">
+            <a:solidFill>
+              <a:schemeClr val="tx1"/>
+            </a:solidFill>
+          </a:ln>
+        </p:spPr>
+        <p:style>
+          <a:lnRef idx="1">
+            <a:schemeClr val="accent1"/>
+          </a:lnRef>
+          <a:fillRef idx="3">
+            <a:schemeClr val="accent1"/>
+          </a:fillRef>
+          <a:effectRef idx="2">
+            <a:schemeClr val="accent1"/>
+          </a:effectRef>
+          <a:fontRef idx="minor">
+            <a:schemeClr val="lt1"/>
+          </a:fontRef>
+        </p:style>
+        <p:txBody>
+          <a:bodyPr rtlCol="0" anchor="ctr"/>
+          <a:lstStyle/>
+          <a:p>
+            <a:pPr algn="ctr"/>
+            <a:r>
+              <a:rPr lang="en-US" sz="1100" dirty="0" smtClean="0">
+                <a:solidFill>
+                  <a:schemeClr val="tx1"/>
+                </a:solidFill>
+                <a:latin typeface="Helvetica"/>
+                <a:cs typeface="Helvetica"/>
+              </a:rPr>
+              <a:t>R</a:t>
+            </a:r>
+            <a:r>
+              <a:rPr lang="en-US" sz="1100" dirty="0" smtClean="0">
+                <a:solidFill>
+                  <a:schemeClr val="tx1"/>
+                </a:solidFill>
+                <a:latin typeface="Helvetica"/>
+                <a:cs typeface="Helvetica"/>
+              </a:rPr>
+              <a:t>outing</a:t>
+            </a:r>
+            <a:endParaRPr lang="en-US" sz="1100" dirty="0">
+              <a:solidFill>
+                <a:schemeClr val="tx1"/>
+              </a:solidFill>
+              <a:latin typeface="Helvetica"/>
+              <a:cs typeface="Helvetica"/>
+            </a:endParaRPr>
+          </a:p>
+        </p:txBody>
+      </p:sp>
+      <p:sp>
+        <p:nvSpPr>
+          <p:cNvPr id="101" name="Circular Arrow 100"/>
+          <p:cNvSpPr/>
+          <p:nvPr/>
+        </p:nvSpPr>
+        <p:spPr>
+          <a:xfrm rot="10800000">
+            <a:off x="1349991" y="1531567"/>
+            <a:ext cx="935999" cy="2196000"/>
+          </a:xfrm>
+          <a:prstGeom prst="circularArrow">
+            <a:avLst>
+              <a:gd name="adj1" fmla="val 12500"/>
+              <a:gd name="adj2" fmla="val 1142319"/>
+              <a:gd name="adj3" fmla="val 20457681"/>
+              <a:gd name="adj4" fmla="val 1198896"/>
+              <a:gd name="adj5" fmla="val 12500"/>
+            </a:avLst>
+          </a:prstGeom>
+          <a:noFill/>
+          <a:ln w="19050" cmpd="sng">
+            <a:solidFill>
+              <a:schemeClr val="tx1"/>
+            </a:solidFill>
+          </a:ln>
+        </p:spPr>
+        <p:style>
+          <a:lnRef idx="1">
+            <a:schemeClr val="accent1"/>
+          </a:lnRef>
+          <a:fillRef idx="3">
+            <a:schemeClr val="accent1"/>
+          </a:fillRef>
+          <a:effectRef idx="2">
+            <a:schemeClr val="accent1"/>
+          </a:effectRef>
+          <a:fontRef idx="minor">
+            <a:schemeClr val="lt1"/>
+          </a:fontRef>
+        </p:style>
+        <p:txBody>
+          <a:bodyPr rtlCol="0" anchor="ctr"/>
+          <a:lstStyle/>
+          <a:p>
+            <a:pPr algn="ctr"/>
+            <a:endParaRPr lang="en-US" sz="1000" dirty="0" smtClean="0">
+              <a:solidFill>
+                <a:schemeClr val="tx1"/>
+              </a:solidFill>
+              <a:latin typeface="Helvetica"/>
+              <a:cs typeface="Helvetica"/>
+            </a:endParaRPr>
+          </a:p>
+        </p:txBody>
+      </p:sp>
+      <p:sp>
+        <p:nvSpPr>
+          <p:cNvPr id="102" name="Rectangle 101"/>
+          <p:cNvSpPr/>
+          <p:nvPr/>
+        </p:nvSpPr>
+        <p:spPr>
+          <a:xfrm>
+            <a:off x="1294517" y="2345821"/>
+            <a:ext cx="991473" cy="426052"/>
+          </a:xfrm>
+          <a:prstGeom prst="rect">
+            <a:avLst/>
+          </a:prstGeom>
+          <a:noFill/>
+          <a:ln w="19050" cmpd="sng">
+            <a:noFill/>
+          </a:ln>
+        </p:spPr>
+        <p:style>
+          <a:lnRef idx="1">
+            <a:schemeClr val="accent1"/>
+          </a:lnRef>
+          <a:fillRef idx="3">
+            <a:schemeClr val="accent1"/>
+          </a:fillRef>
+          <a:effectRef idx="2">
+            <a:schemeClr val="accent1"/>
+          </a:effectRef>
+          <a:fontRef idx="minor">
+            <a:schemeClr val="lt1"/>
+          </a:fontRef>
+        </p:style>
+        <p:txBody>
+          <a:bodyPr rtlCol="0" anchor="ctr"/>
+          <a:lstStyle/>
+          <a:p>
+            <a:pPr algn="ctr"/>
+            <a:r>
+              <a:rPr lang="en-US" sz="1100" dirty="0" smtClean="0">
+                <a:solidFill>
+                  <a:schemeClr val="tx1"/>
+                </a:solidFill>
+                <a:latin typeface="Helvetica"/>
+                <a:cs typeface="Helvetica"/>
+              </a:rPr>
+              <a:t>Accept </a:t>
+            </a:r>
+            <a:endParaRPr lang="en-US" sz="1100" dirty="0" smtClean="0">
+              <a:solidFill>
+                <a:schemeClr val="tx1"/>
+              </a:solidFill>
+              <a:latin typeface="Helvetica"/>
+              <a:cs typeface="Helvetica"/>
+            </a:endParaRPr>
+          </a:p>
+          <a:p>
+            <a:pPr algn="ctr"/>
+            <a:r>
+              <a:rPr lang="en-US" sz="1100" dirty="0" smtClean="0">
+                <a:solidFill>
+                  <a:schemeClr val="tx1"/>
+                </a:solidFill>
+                <a:latin typeface="Helvetica"/>
+                <a:cs typeface="Helvetica"/>
+              </a:rPr>
+              <a:t>Loop</a:t>
+            </a:r>
+            <a:endParaRPr lang="en-US" sz="1100" dirty="0" smtClean="0">
+              <a:solidFill>
+                <a:schemeClr val="tx1"/>
+              </a:solidFill>
+              <a:latin typeface="Helvetica"/>
+              <a:cs typeface="Helvetica"/>
+            </a:endParaRPr>
+          </a:p>
+        </p:txBody>
+      </p:sp>
+      <p:sp>
+        <p:nvSpPr>
+          <p:cNvPr id="103" name="Circular Arrow 102"/>
+          <p:cNvSpPr/>
+          <p:nvPr/>
+        </p:nvSpPr>
+        <p:spPr>
+          <a:xfrm rot="10800000">
+            <a:off x="4842017" y="3166733"/>
+            <a:ext cx="792000" cy="1800000"/>
+          </a:xfrm>
+          <a:prstGeom prst="circularArrow">
+            <a:avLst>
+              <a:gd name="adj1" fmla="val 12500"/>
+              <a:gd name="adj2" fmla="val 1142319"/>
+              <a:gd name="adj3" fmla="val 20457681"/>
+              <a:gd name="adj4" fmla="val 1198896"/>
+              <a:gd name="adj5" fmla="val 12500"/>
+            </a:avLst>
+          </a:prstGeom>
+          <a:noFill/>
+          <a:ln w="19050" cmpd="sng">
+            <a:solidFill>
+              <a:schemeClr val="tx1"/>
+            </a:solidFill>
+          </a:ln>
+        </p:spPr>
+        <p:style>
+          <a:lnRef idx="1">
+            <a:schemeClr val="accent1"/>
+          </a:lnRef>
+          <a:fillRef idx="3">
+            <a:schemeClr val="accent1"/>
+          </a:fillRef>
+          <a:effectRef idx="2">
+            <a:schemeClr val="accent1"/>
+          </a:effectRef>
+          <a:fontRef idx="minor">
+            <a:schemeClr val="lt1"/>
+          </a:fontRef>
+        </p:style>
+        <p:txBody>
+          <a:bodyPr rtlCol="0" anchor="ctr"/>
+          <a:lstStyle/>
+          <a:p>
+            <a:pPr algn="ctr"/>
+            <a:endParaRPr lang="en-US" sz="1000" dirty="0" smtClean="0">
+              <a:solidFill>
+                <a:schemeClr val="tx1"/>
+              </a:solidFill>
+              <a:latin typeface="Helvetica"/>
+              <a:cs typeface="Helvetica"/>
+            </a:endParaRPr>
+          </a:p>
+        </p:txBody>
+      </p:sp>
+      <p:sp>
+        <p:nvSpPr>
+          <p:cNvPr id="105" name="Rectangle 104"/>
+          <p:cNvSpPr/>
+          <p:nvPr/>
+        </p:nvSpPr>
+        <p:spPr>
+          <a:xfrm>
+            <a:off x="4736217" y="3806321"/>
+            <a:ext cx="991473" cy="426052"/>
+          </a:xfrm>
+          <a:prstGeom prst="rect">
+            <a:avLst/>
+          </a:prstGeom>
+          <a:noFill/>
+          <a:ln w="19050" cmpd="sng">
+            <a:noFill/>
+          </a:ln>
+        </p:spPr>
+        <p:style>
+          <a:lnRef idx="1">
+            <a:schemeClr val="accent1"/>
+          </a:lnRef>
+          <a:fillRef idx="3">
+            <a:schemeClr val="accent1"/>
+          </a:fillRef>
+          <a:effectRef idx="2">
+            <a:schemeClr val="accent1"/>
+          </a:effectRef>
+          <a:fontRef idx="minor">
+            <a:schemeClr val="lt1"/>
+          </a:fontRef>
+        </p:style>
+        <p:txBody>
+          <a:bodyPr rtlCol="0" anchor="ctr"/>
+          <a:lstStyle/>
+          <a:p>
+            <a:pPr algn="ctr"/>
+            <a:r>
+              <a:rPr lang="en-US" sz="1100" dirty="0">
+                <a:solidFill>
+                  <a:schemeClr val="tx1"/>
+                </a:solidFill>
+                <a:latin typeface="Helvetica"/>
+                <a:cs typeface="Helvetica"/>
+              </a:rPr>
+              <a:t>R</a:t>
+            </a:r>
+            <a:r>
+              <a:rPr lang="en-US" sz="1100" dirty="0" smtClean="0">
+                <a:solidFill>
+                  <a:schemeClr val="tx1"/>
+                </a:solidFill>
+                <a:latin typeface="Helvetica"/>
+                <a:cs typeface="Helvetica"/>
+              </a:rPr>
+              <a:t>ead</a:t>
+            </a:r>
+          </a:p>
+          <a:p>
+            <a:pPr algn="ctr"/>
+            <a:r>
+              <a:rPr lang="en-US" sz="1100" dirty="0" smtClean="0">
+                <a:solidFill>
+                  <a:schemeClr val="tx1"/>
+                </a:solidFill>
+                <a:latin typeface="Helvetica"/>
+                <a:cs typeface="Helvetica"/>
+              </a:rPr>
+              <a:t>Loop</a:t>
+            </a:r>
+            <a:endParaRPr lang="en-US" sz="1100" dirty="0" smtClean="0">
+              <a:solidFill>
+                <a:schemeClr val="tx1"/>
+              </a:solidFill>
+              <a:latin typeface="Helvetica"/>
+              <a:cs typeface="Helvetica"/>
+            </a:endParaRPr>
+          </a:p>
+        </p:txBody>
+      </p:sp>
+      <p:sp>
+        <p:nvSpPr>
+          <p:cNvPr id="106" name="Rectangle 105"/>
+          <p:cNvSpPr/>
+          <p:nvPr/>
+        </p:nvSpPr>
+        <p:spPr>
+          <a:xfrm>
+            <a:off x="6326019" y="3775807"/>
+            <a:ext cx="1038844" cy="525103"/>
+          </a:xfrm>
+          <a:prstGeom prst="rect">
+            <a:avLst/>
+          </a:prstGeom>
+          <a:solidFill>
+            <a:schemeClr val="accent5">
+              <a:lumMod val="20000"/>
+              <a:lumOff val="80000"/>
+            </a:schemeClr>
+          </a:solidFill>
+          <a:ln w="19050" cmpd="sng">
+            <a:solidFill>
+              <a:schemeClr val="tx1"/>
+            </a:solidFill>
+          </a:ln>
+        </p:spPr>
+        <p:style>
+          <a:lnRef idx="1">
+            <a:schemeClr val="accent1"/>
+          </a:lnRef>
+          <a:fillRef idx="3">
+            <a:schemeClr val="accent1"/>
+          </a:fillRef>
+          <a:effectRef idx="2">
+            <a:schemeClr val="accent1"/>
+          </a:effectRef>
+          <a:fontRef idx="minor">
+            <a:schemeClr val="lt1"/>
+          </a:fontRef>
+        </p:style>
+        <p:txBody>
+          <a:bodyPr rtlCol="0" anchor="ctr"/>
+          <a:lstStyle/>
+          <a:p>
+            <a:pPr algn="ctr"/>
+            <a:r>
+              <a:rPr lang="en-US" sz="1100" dirty="0">
+                <a:solidFill>
+                  <a:schemeClr val="tx1"/>
+                </a:solidFill>
+                <a:latin typeface="Helvetica"/>
+                <a:cs typeface="Helvetica"/>
+              </a:rPr>
+              <a:t>W</a:t>
+            </a:r>
+            <a:r>
+              <a:rPr lang="en-US" sz="1100" dirty="0" smtClean="0">
+                <a:solidFill>
+                  <a:schemeClr val="tx1"/>
+                </a:solidFill>
+                <a:latin typeface="Helvetica"/>
+                <a:cs typeface="Helvetica"/>
+              </a:rPr>
+              <a:t>rite</a:t>
+            </a:r>
+            <a:endParaRPr lang="en-US" sz="1100" dirty="0">
+              <a:solidFill>
+                <a:schemeClr val="tx1"/>
+              </a:solidFill>
+              <a:latin typeface="Helvetica"/>
+              <a:cs typeface="Helvetica"/>
+            </a:endParaRPr>
+          </a:p>
+        </p:txBody>
+      </p:sp>
+      <p:cxnSp>
+        <p:nvCxnSpPr>
+          <p:cNvPr id="107" name="Straight Arrow Connector 106"/>
+          <p:cNvCxnSpPr>
+            <a:cxnSpLocks/>
+          </p:cNvCxnSpPr>
+          <p:nvPr/>
+        </p:nvCxnSpPr>
+        <p:spPr>
+          <a:xfrm flipV="1">
+            <a:off x="5669245" y="4064571"/>
+            <a:ext cx="462480" cy="8797"/>
+          </a:xfrm>
+          <a:prstGeom prst="straightConnector1">
+            <a:avLst/>
+          </a:prstGeom>
+          <a:ln w="19050" cmpd="sng">
+            <a:tailEnd type="arrow"/>
+          </a:ln>
+        </p:spPr>
+        <p:style>
+          <a:lnRef idx="2">
+            <a:schemeClr val="dk1"/>
+          </a:lnRef>
+          <a:fillRef idx="0">
+            <a:schemeClr val="dk1"/>
+          </a:fillRef>
+          <a:effectRef idx="1">
+            <a:schemeClr val="dk1"/>
+          </a:effectRef>
+          <a:fontRef idx="minor">
+            <a:schemeClr val="tx1"/>
+          </a:fontRef>
+        </p:style>
+      </p:cxnSp>
+      <p:cxnSp>
+        <p:nvCxnSpPr>
+          <p:cNvPr id="108" name="Straight Arrow Connector 107"/>
+          <p:cNvCxnSpPr>
+            <a:cxnSpLocks/>
+          </p:cNvCxnSpPr>
+          <p:nvPr/>
+        </p:nvCxnSpPr>
+        <p:spPr>
+          <a:xfrm flipV="1">
+            <a:off x="4381782" y="4055774"/>
+            <a:ext cx="462480" cy="8797"/>
+          </a:xfrm>
+          <a:prstGeom prst="straightConnector1">
+            <a:avLst/>
+          </a:prstGeom>
+          <a:ln w="19050" cmpd="sng">
+            <a:tailEnd type="arrow"/>
+          </a:ln>
+        </p:spPr>
+        <p:style>
+          <a:lnRef idx="2">
+            <a:schemeClr val="dk1"/>
+          </a:lnRef>
+          <a:fillRef idx="0">
+            <a:schemeClr val="dk1"/>
+          </a:fillRef>
+          <a:effectRef idx="1">
+            <a:schemeClr val="dk1"/>
+          </a:effectRef>
+          <a:fontRef idx="minor">
+            <a:schemeClr val="tx1"/>
+          </a:fontRef>
+        </p:style>
+      </p:cxnSp>
+      <p:cxnSp>
+        <p:nvCxnSpPr>
+          <p:cNvPr id="110" name="Straight Arrow Connector 109"/>
+          <p:cNvCxnSpPr>
+            <a:cxnSpLocks/>
+          </p:cNvCxnSpPr>
+          <p:nvPr/>
+        </p:nvCxnSpPr>
+        <p:spPr>
+          <a:xfrm>
+            <a:off x="7621870" y="4055773"/>
+            <a:ext cx="900000" cy="1"/>
+          </a:xfrm>
+          <a:prstGeom prst="straightConnector1">
+            <a:avLst/>
+          </a:prstGeom>
+          <a:ln w="19050" cmpd="sng">
+            <a:tailEnd type="arrow"/>
+          </a:ln>
+        </p:spPr>
+        <p:style>
+          <a:lnRef idx="2">
+            <a:schemeClr val="dk1"/>
+          </a:lnRef>
+          <a:fillRef idx="0">
+            <a:schemeClr val="dk1"/>
+          </a:fillRef>
+          <a:effectRef idx="1">
+            <a:schemeClr val="dk1"/>
+          </a:effectRef>
+          <a:fontRef idx="minor">
+            <a:schemeClr val="tx1"/>
+          </a:fontRef>
+        </p:style>
+      </p:cxnSp>
+      <p:sp>
+        <p:nvSpPr>
+          <p:cNvPr id="111" name="Rectangle 110"/>
+          <p:cNvSpPr/>
+          <p:nvPr/>
+        </p:nvSpPr>
+        <p:spPr>
+          <a:xfrm>
+            <a:off x="7649770" y="4189967"/>
+            <a:ext cx="693384" cy="311676"/>
+          </a:xfrm>
+          <a:prstGeom prst="rect">
+            <a:avLst/>
+          </a:prstGeom>
+          <a:noFill/>
+          <a:ln w="19050" cmpd="sng">
+            <a:noFill/>
+          </a:ln>
+        </p:spPr>
+        <p:style>
+          <a:lnRef idx="1">
+            <a:schemeClr val="accent1"/>
+          </a:lnRef>
+          <a:fillRef idx="3">
+            <a:schemeClr val="accent1"/>
+          </a:fillRef>
+          <a:effectRef idx="2">
+            <a:schemeClr val="accent1"/>
+          </a:effectRef>
+          <a:fontRef idx="minor">
+            <a:schemeClr val="lt1"/>
+          </a:fontRef>
+        </p:style>
+        <p:txBody>
+          <a:bodyPr rtlCol="0" anchor="ctr"/>
+          <a:lstStyle/>
+          <a:p>
+            <a:pPr algn="r"/>
+            <a:r>
+              <a:rPr lang="en-US" sz="1100" dirty="0" smtClean="0">
+                <a:solidFill>
+                  <a:schemeClr val="tx1"/>
+                </a:solidFill>
+                <a:latin typeface="Helvetica"/>
+                <a:cs typeface="Helvetica"/>
+              </a:rPr>
+              <a:t>Write</a:t>
+            </a:r>
+            <a:endParaRPr lang="en-US" sz="1100" dirty="0" smtClean="0">
+              <a:solidFill>
+                <a:schemeClr val="tx1"/>
+              </a:solidFill>
+              <a:latin typeface="Helvetica"/>
+              <a:cs typeface="Helvetica"/>
+            </a:endParaRPr>
+          </a:p>
+        </p:txBody>
+      </p:sp>
+      <p:cxnSp>
+        <p:nvCxnSpPr>
+          <p:cNvPr id="12" name="Elbow Connector 11"/>
+          <p:cNvCxnSpPr/>
+          <p:nvPr/>
+        </p:nvCxnSpPr>
+        <p:spPr>
+          <a:xfrm>
+            <a:off x="2311400" y="2853110"/>
+            <a:ext cx="720000" cy="720000"/>
+          </a:xfrm>
+          <a:prstGeom prst="bentConnector3">
+            <a:avLst/>
+          </a:prstGeom>
+          <a:ln>
+            <a:tailEnd type="arrow"/>
+          </a:ln>
+        </p:spPr>
+        <p:style>
+          <a:lnRef idx="2">
+            <a:schemeClr val="dk1"/>
+          </a:lnRef>
+          <a:fillRef idx="0">
+            <a:schemeClr val="dk1"/>
+          </a:fillRef>
+          <a:effectRef idx="1">
+            <a:schemeClr val="dk1"/>
+          </a:effectRef>
+          <a:fontRef idx="minor">
+            <a:schemeClr val="tx1"/>
+          </a:fontRef>
+        </p:style>
+      </p:cxnSp>
+      <p:sp>
+        <p:nvSpPr>
+          <p:cNvPr id="112" name="Rectangle 111"/>
+          <p:cNvSpPr/>
+          <p:nvPr/>
+        </p:nvSpPr>
+        <p:spPr>
+          <a:xfrm>
+            <a:off x="1219320" y="3888692"/>
+            <a:ext cx="693384" cy="311676"/>
+          </a:xfrm>
+          <a:prstGeom prst="rect">
+            <a:avLst/>
+          </a:prstGeom>
+          <a:noFill/>
+          <a:ln w="19050" cmpd="sng">
+            <a:noFill/>
+          </a:ln>
+        </p:spPr>
+        <p:style>
+          <a:lnRef idx="1">
+            <a:schemeClr val="accent1"/>
+          </a:lnRef>
+          <a:fillRef idx="3">
+            <a:schemeClr val="accent1"/>
+          </a:fillRef>
+          <a:effectRef idx="2">
+            <a:schemeClr val="accent1"/>
+          </a:effectRef>
+          <a:fontRef idx="minor">
+            <a:schemeClr val="lt1"/>
+          </a:fontRef>
+        </p:style>
+        <p:txBody>
+          <a:bodyPr rtlCol="0" anchor="ctr"/>
+          <a:lstStyle/>
+          <a:p>
+            <a:pPr algn="r"/>
+            <a:r>
+              <a:rPr lang="en-US" sz="1100" dirty="0" smtClean="0">
+                <a:solidFill>
+                  <a:schemeClr val="tx1"/>
+                </a:solidFill>
+                <a:latin typeface="Helvetica"/>
+                <a:cs typeface="Helvetica"/>
+              </a:rPr>
+              <a:t>Write</a:t>
+            </a:r>
+            <a:endParaRPr lang="en-US" sz="1100" dirty="0" smtClean="0">
+              <a:solidFill>
+                <a:schemeClr val="tx1"/>
+              </a:solidFill>
+              <a:latin typeface="Helvetica"/>
+              <a:cs typeface="Helvetica"/>
+            </a:endParaRPr>
+          </a:p>
+        </p:txBody>
+      </p:sp>
+      <p:cxnSp>
+        <p:nvCxnSpPr>
+          <p:cNvPr id="113" name="Straight Arrow Connector 112"/>
+          <p:cNvCxnSpPr>
+            <a:cxnSpLocks/>
+          </p:cNvCxnSpPr>
+          <p:nvPr/>
+        </p:nvCxnSpPr>
+        <p:spPr>
+          <a:xfrm flipV="1">
+            <a:off x="645320" y="4694166"/>
+            <a:ext cx="2160000" cy="1"/>
+          </a:xfrm>
+          <a:prstGeom prst="straightConnector1">
+            <a:avLst/>
+          </a:prstGeom>
+          <a:ln w="19050" cmpd="sng">
+            <a:headEnd type="arrow"/>
+            <a:tailEnd type="none"/>
+          </a:ln>
+        </p:spPr>
+        <p:style>
+          <a:lnRef idx="2">
+            <a:schemeClr val="dk1"/>
+          </a:lnRef>
+          <a:fillRef idx="0">
+            <a:schemeClr val="dk1"/>
+          </a:fillRef>
+          <a:effectRef idx="1">
+            <a:schemeClr val="dk1"/>
+          </a:effectRef>
+          <a:fontRef idx="minor">
+            <a:schemeClr val="tx1"/>
+          </a:fontRef>
+        </p:style>
+      </p:cxnSp>
+      <p:cxnSp>
+        <p:nvCxnSpPr>
+          <p:cNvPr id="114" name="Straight Arrow Connector 113"/>
+          <p:cNvCxnSpPr>
+            <a:cxnSpLocks/>
+          </p:cNvCxnSpPr>
+          <p:nvPr/>
+        </p:nvCxnSpPr>
+        <p:spPr>
+          <a:xfrm>
+            <a:off x="696120" y="4235596"/>
+            <a:ext cx="2160000" cy="1"/>
+          </a:xfrm>
+          <a:prstGeom prst="straightConnector1">
+            <a:avLst/>
+          </a:prstGeom>
+          <a:ln w="19050" cmpd="sng">
+            <a:tailEnd type="arrow"/>
+          </a:ln>
+        </p:spPr>
+        <p:style>
+          <a:lnRef idx="2">
+            <a:schemeClr val="dk1"/>
+          </a:lnRef>
+          <a:fillRef idx="0">
+            <a:schemeClr val="dk1"/>
+          </a:fillRef>
+          <a:effectRef idx="1">
+            <a:schemeClr val="dk1"/>
+          </a:effectRef>
+          <a:fontRef idx="minor">
+            <a:schemeClr val="tx1"/>
+          </a:fontRef>
+        </p:style>
+      </p:cxnSp>
+      <p:sp>
+        <p:nvSpPr>
+          <p:cNvPr id="118" name="Rectangle 117"/>
+          <p:cNvSpPr/>
+          <p:nvPr/>
+        </p:nvSpPr>
+        <p:spPr>
+          <a:xfrm>
+            <a:off x="1232020" y="4345892"/>
+            <a:ext cx="693384" cy="311676"/>
+          </a:xfrm>
+          <a:prstGeom prst="rect">
+            <a:avLst/>
+          </a:prstGeom>
+          <a:noFill/>
+          <a:ln w="19050" cmpd="sng">
+            <a:noFill/>
+          </a:ln>
+        </p:spPr>
+        <p:style>
+          <a:lnRef idx="1">
+            <a:schemeClr val="accent1"/>
+          </a:lnRef>
+          <a:fillRef idx="3">
+            <a:schemeClr val="accent1"/>
+          </a:fillRef>
+          <a:effectRef idx="2">
+            <a:schemeClr val="accent1"/>
+          </a:effectRef>
+          <a:fontRef idx="minor">
+            <a:schemeClr val="lt1"/>
+          </a:fontRef>
+        </p:style>
+        <p:txBody>
+          <a:bodyPr rtlCol="0" anchor="ctr"/>
+          <a:lstStyle/>
+          <a:p>
+            <a:pPr algn="r"/>
+            <a:r>
+              <a:rPr lang="en-US" sz="1100" dirty="0" smtClean="0">
+                <a:solidFill>
+                  <a:schemeClr val="tx1"/>
+                </a:solidFill>
+                <a:latin typeface="Helvetica"/>
+                <a:cs typeface="Helvetica"/>
+              </a:rPr>
+              <a:t>Read</a:t>
+            </a:r>
+            <a:endParaRPr lang="en-US" sz="1100" dirty="0" smtClean="0">
+              <a:solidFill>
+                <a:schemeClr val="tx1"/>
+              </a:solidFill>
+              <a:latin typeface="Helvetica"/>
+              <a:cs typeface="Helvetica"/>
+            </a:endParaRPr>
+          </a:p>
+        </p:txBody>
+      </p:sp>
+      <p:sp>
+        <p:nvSpPr>
+          <p:cNvPr id="120" name="Left Brace 119"/>
+          <p:cNvSpPr/>
+          <p:nvPr/>
+        </p:nvSpPr>
+        <p:spPr>
+          <a:xfrm rot="5400000">
+            <a:off x="4317681" y="-1873561"/>
+            <a:ext cx="391437" cy="6264000"/>
+          </a:xfrm>
+          <a:prstGeom prst="leftBrace">
+            <a:avLst>
+              <a:gd name="adj1" fmla="val 39261"/>
+              <a:gd name="adj2" fmla="val 49197"/>
+            </a:avLst>
+          </a:prstGeom>
+          <a:noFill/>
+          <a:ln w="19050" cmpd="sng">
+            <a:solidFill>
+              <a:schemeClr val="tx1"/>
+            </a:solidFill>
+          </a:ln>
+        </p:spPr>
+        <p:style>
+          <a:lnRef idx="1">
+            <a:schemeClr val="accent1"/>
+          </a:lnRef>
+          <a:fillRef idx="3">
+            <a:schemeClr val="accent1"/>
+          </a:fillRef>
+          <a:effectRef idx="2">
+            <a:schemeClr val="accent1"/>
+          </a:effectRef>
+          <a:fontRef idx="minor">
+            <a:schemeClr val="lt1"/>
+          </a:fontRef>
+        </p:style>
+        <p:txBody>
+          <a:bodyPr rtlCol="0" anchor="ctr"/>
+          <a:lstStyle/>
+          <a:p>
+            <a:pPr algn="ctr"/>
+            <a:endParaRPr lang="en-US" sz="1600">
+              <a:latin typeface="Helvetica"/>
+              <a:cs typeface="Helvetica"/>
+            </a:endParaRPr>
+          </a:p>
+        </p:txBody>
+      </p:sp>
+      <p:sp>
+        <p:nvSpPr>
+          <p:cNvPr id="121" name="TextBox 120"/>
+          <p:cNvSpPr txBox="1"/>
+          <p:nvPr/>
+        </p:nvSpPr>
+        <p:spPr>
+          <a:xfrm>
+            <a:off x="3079338" y="427546"/>
+            <a:ext cx="2965861" cy="584776"/>
+          </a:xfrm>
+          <a:prstGeom prst="rect">
+            <a:avLst/>
+          </a:prstGeom>
+          <a:noFill/>
+          <a:ln w="19050" cmpd="sng">
+            <a:noFill/>
+          </a:ln>
+        </p:spPr>
+        <p:txBody>
+          <a:bodyPr wrap="square" rtlCol="0">
+            <a:spAutoFit/>
+          </a:bodyPr>
+          <a:lstStyle/>
+          <a:p>
+            <a:pPr algn="ctr"/>
+            <a:r>
+              <a:rPr lang="en-US" sz="1600" dirty="0" smtClean="0">
+                <a:latin typeface="Helvetica"/>
+                <a:cs typeface="Helvetica"/>
+              </a:rPr>
+              <a:t>Load Balancing Proxy </a:t>
+            </a:r>
+            <a:r>
+              <a:rPr lang="en-US" sz="1600" dirty="0">
+                <a:latin typeface="Helvetica"/>
+                <a:cs typeface="Helvetica"/>
+              </a:rPr>
+              <a:t>W</a:t>
+            </a:r>
+            <a:r>
+              <a:rPr lang="en-US" sz="1600" dirty="0" smtClean="0">
+                <a:latin typeface="Helvetica"/>
+                <a:cs typeface="Helvetica"/>
+              </a:rPr>
+              <a:t>ith </a:t>
+            </a:r>
+            <a:r>
+              <a:rPr lang="en-US" sz="1600" dirty="0">
+                <a:latin typeface="Helvetica"/>
+                <a:cs typeface="Helvetica"/>
+              </a:rPr>
+              <a:t>Content Counting</a:t>
+            </a:r>
+            <a:endParaRPr lang="en-US" sz="1600" dirty="0">
+              <a:latin typeface="Helvetica"/>
+              <a:cs typeface="Helvetica"/>
+            </a:endParaRPr>
+          </a:p>
+        </p:txBody>
+      </p:sp>
+    </p:spTree>
+    <p:extLst>
+      <p:ext uri="{BB962C8B-B14F-4D97-AF65-F5344CB8AC3E}">
+        <p14:creationId xmlns:p14="http://schemas.microsoft.com/office/powerpoint/2010/main" val="3730522394"/>
+      </p:ext>
+    </p:extLst>
+  </p:cSld>
+  <p:clrMapOvr>
+    <a:masterClrMapping/>
+  </p:clrMapOvr>
+  <p:timing>
+    <p:tnLst>
+      <p:par>
+        <p:cTn xmlns:p14="http://schemas.microsoft.com/office/powerpoint/2010/main" id="1" dur="indefinite" restart="never" nodeType="tmRoot"/>
+      </p:par>
+    </p:tnLst>
+  </p:timing>
+</p:sld>
+</file>
+
+<file path=ppt/slides/slide4.xml><?xml version="1.0" encoding="utf-8"?>
+<p:sld xmlns:a="http://schemas.openxmlformats.org/drawingml/2006/main" xmlns:r="http://schemas.openxmlformats.org/officeDocument/2006/relationships" xmlns:p="http://schemas.openxmlformats.org/presentationml/2006/main">
+  <p:cSld>
+    <p:spTree>
+      <p:nvGrpSpPr>
+        <p:cNvPr id="1" name=""/>
+        <p:cNvGrpSpPr/>
+        <p:nvPr/>
+      </p:nvGrpSpPr>
+      <p:grpSpPr>
+        <a:xfrm>
+          <a:off x="0" y="0"/>
+          <a:ext cx="0" cy="0"/>
+          <a:chOff x="0" y="0"/>
+          <a:chExt cx="0" cy="0"/>
+        </a:xfrm>
+      </p:grpSpPr>
+      <p:sp>
+        <p:nvSpPr>
           <p:cNvPr id="126" name="Rectangle 125"/>
           <p:cNvSpPr/>
           <p:nvPr/>
@@ -7444,13 +8765,6 @@
               </a:rPr>
               <a:t>Accept Loop</a:t>
             </a:r>
-            <a:endParaRPr lang="en-US" sz="1000" dirty="0" smtClean="0">
-              <a:solidFill>
-                <a:schemeClr val="tx1"/>
-              </a:solidFill>
-              <a:latin typeface="Helvetica"/>
-              <a:cs typeface="Helvetica"/>
-            </a:endParaRPr>
           </a:p>
         </p:txBody>
       </p:sp>
@@ -8305,13 +9619,6 @@
               </a:rPr>
               <a:t>Configuration</a:t>
             </a:r>
-            <a:endParaRPr lang="en-US" sz="1000" dirty="0" smtClean="0">
-              <a:solidFill>
-                <a:schemeClr val="tx1"/>
-              </a:solidFill>
-              <a:latin typeface="Helvetica"/>
-              <a:cs typeface="Helvetica"/>
-            </a:endParaRPr>
           </a:p>
         </p:txBody>
       </p:sp>
@@ -8962,13 +10269,6 @@
               </a:rPr>
               <a:t>Connect</a:t>
             </a:r>
-            <a:endParaRPr lang="en-US" sz="1000" dirty="0" smtClean="0">
-              <a:solidFill>
-                <a:schemeClr val="tx1"/>
-              </a:solidFill>
-              <a:latin typeface="Helvetica"/>
-              <a:cs typeface="Helvetica"/>
-            </a:endParaRPr>
           </a:p>
         </p:txBody>
       </p:sp>
@@ -9019,13 +10319,6 @@
               </a:rPr>
               <a:t>Write</a:t>
             </a:r>
-            <a:endParaRPr lang="en-US" sz="1000" dirty="0" smtClean="0">
-              <a:solidFill>
-                <a:schemeClr val="tx1"/>
-              </a:solidFill>
-              <a:latin typeface="Helvetica"/>
-              <a:cs typeface="Helvetica"/>
-            </a:endParaRPr>
           </a:p>
         </p:txBody>
       </p:sp>
@@ -9147,13 +10440,6 @@
               </a:rPr>
               <a:t>Read</a:t>
             </a:r>
-            <a:endParaRPr lang="en-US" sz="1000" dirty="0" smtClean="0">
-              <a:solidFill>
-                <a:schemeClr val="tx1"/>
-              </a:solidFill>
-              <a:latin typeface="Helvetica"/>
-              <a:cs typeface="Helvetica"/>
-            </a:endParaRPr>
           </a:p>
         </p:txBody>
       </p:sp>
@@ -9304,13 +10590,6 @@
               </a:rPr>
               <a:t>Connect</a:t>
             </a:r>
-            <a:endParaRPr lang="en-US" sz="1000" dirty="0" smtClean="0">
-              <a:solidFill>
-                <a:schemeClr val="tx1"/>
-              </a:solidFill>
-              <a:latin typeface="Helvetica"/>
-              <a:cs typeface="Helvetica"/>
-            </a:endParaRPr>
           </a:p>
         </p:txBody>
       </p:sp>
@@ -9397,13 +10676,6 @@
               </a:rPr>
               <a:t>Read</a:t>
             </a:r>
-            <a:endParaRPr lang="en-US" sz="1000" dirty="0" smtClean="0">
-              <a:solidFill>
-                <a:schemeClr val="tx1"/>
-              </a:solidFill>
-              <a:latin typeface="Helvetica"/>
-              <a:cs typeface="Helvetica"/>
-            </a:endParaRPr>
           </a:p>
         </p:txBody>
       </p:sp>
@@ -9491,13 +10763,6 @@
               </a:rPr>
               <a:t>Write</a:t>
             </a:r>
-            <a:endParaRPr lang="en-US" sz="1000" dirty="0" smtClean="0">
-              <a:solidFill>
-                <a:schemeClr val="tx1"/>
-              </a:solidFill>
-              <a:latin typeface="Helvetica"/>
-              <a:cs typeface="Helvetica"/>
-            </a:endParaRPr>
           </a:p>
         </p:txBody>
       </p:sp>

--- a/report/overview_diagrams.pptx
+++ b/report/overview_diagrams.pptx
@@ -6,8 +6,8 @@
   </p:sldMasterIdLst>
   <p:sldIdLst>
     <p:sldId id="257" r:id="rId2"/>
-    <p:sldId id="258" r:id="rId3"/>
-    <p:sldId id="261" r:id="rId4"/>
+    <p:sldId id="261" r:id="rId3"/>
+    <p:sldId id="262" r:id="rId4"/>
     <p:sldId id="260" r:id="rId5"/>
   </p:sldIdLst>
   <p:sldSz cx="9144000" cy="6858000" type="screen4x3"/>
@@ -291,7 +291,7 @@
           <a:p>
             <a:fld id="{E60D2AC5-1717-184A-BDAF-E3EF29711C32}" type="datetimeFigureOut">
               <a:rPr lang="en-US" smtClean="0"/>
-              <a:t>13/08/2014</a:t>
+              <a:t>25/08/2014</a:t>
             </a:fld>
             <a:endParaRPr lang="en-US"/>
           </a:p>
@@ -461,7 +461,7 @@
           <a:p>
             <a:fld id="{E60D2AC5-1717-184A-BDAF-E3EF29711C32}" type="datetimeFigureOut">
               <a:rPr lang="en-US" smtClean="0"/>
-              <a:t>13/08/2014</a:t>
+              <a:t>25/08/2014</a:t>
             </a:fld>
             <a:endParaRPr lang="en-US"/>
           </a:p>
@@ -641,7 +641,7 @@
           <a:p>
             <a:fld id="{E60D2AC5-1717-184A-BDAF-E3EF29711C32}" type="datetimeFigureOut">
               <a:rPr lang="en-US" smtClean="0"/>
-              <a:t>13/08/2014</a:t>
+              <a:t>25/08/2014</a:t>
             </a:fld>
             <a:endParaRPr lang="en-US"/>
           </a:p>
@@ -811,7 +811,7 @@
           <a:p>
             <a:fld id="{E60D2AC5-1717-184A-BDAF-E3EF29711C32}" type="datetimeFigureOut">
               <a:rPr lang="en-US" smtClean="0"/>
-              <a:t>13/08/2014</a:t>
+              <a:t>25/08/2014</a:t>
             </a:fld>
             <a:endParaRPr lang="en-US"/>
           </a:p>
@@ -1057,7 +1057,7 @@
           <a:p>
             <a:fld id="{E60D2AC5-1717-184A-BDAF-E3EF29711C32}" type="datetimeFigureOut">
               <a:rPr lang="en-US" smtClean="0"/>
-              <a:t>13/08/2014</a:t>
+              <a:t>25/08/2014</a:t>
             </a:fld>
             <a:endParaRPr lang="en-US"/>
           </a:p>
@@ -1345,7 +1345,7 @@
           <a:p>
             <a:fld id="{E60D2AC5-1717-184A-BDAF-E3EF29711C32}" type="datetimeFigureOut">
               <a:rPr lang="en-US" smtClean="0"/>
-              <a:t>13/08/2014</a:t>
+              <a:t>25/08/2014</a:t>
             </a:fld>
             <a:endParaRPr lang="en-US"/>
           </a:p>
@@ -1767,7 +1767,7 @@
           <a:p>
             <a:fld id="{E60D2AC5-1717-184A-BDAF-E3EF29711C32}" type="datetimeFigureOut">
               <a:rPr lang="en-US" smtClean="0"/>
-              <a:t>13/08/2014</a:t>
+              <a:t>25/08/2014</a:t>
             </a:fld>
             <a:endParaRPr lang="en-US"/>
           </a:p>
@@ -1885,7 +1885,7 @@
           <a:p>
             <a:fld id="{E60D2AC5-1717-184A-BDAF-E3EF29711C32}" type="datetimeFigureOut">
               <a:rPr lang="en-US" smtClean="0"/>
-              <a:t>13/08/2014</a:t>
+              <a:t>25/08/2014</a:t>
             </a:fld>
             <a:endParaRPr lang="en-US"/>
           </a:p>
@@ -1980,7 +1980,7 @@
           <a:p>
             <a:fld id="{E60D2AC5-1717-184A-BDAF-E3EF29711C32}" type="datetimeFigureOut">
               <a:rPr lang="en-US" smtClean="0"/>
-              <a:t>13/08/2014</a:t>
+              <a:t>25/08/2014</a:t>
             </a:fld>
             <a:endParaRPr lang="en-US"/>
           </a:p>
@@ -2257,7 +2257,7 @@
           <a:p>
             <a:fld id="{E60D2AC5-1717-184A-BDAF-E3EF29711C32}" type="datetimeFigureOut">
               <a:rPr lang="en-US" smtClean="0"/>
-              <a:t>13/08/2014</a:t>
+              <a:t>25/08/2014</a:t>
             </a:fld>
             <a:endParaRPr lang="en-US"/>
           </a:p>
@@ -2510,7 +2510,7 @@
           <a:p>
             <a:fld id="{E60D2AC5-1717-184A-BDAF-E3EF29711C32}" type="datetimeFigureOut">
               <a:rPr lang="en-US" smtClean="0"/>
-              <a:t>13/08/2014</a:t>
+              <a:t>25/08/2014</a:t>
             </a:fld>
             <a:endParaRPr lang="en-US"/>
           </a:p>
@@ -2723,7 +2723,7 @@
           <a:p>
             <a:fld id="{E60D2AC5-1717-184A-BDAF-E3EF29711C32}" type="datetimeFigureOut">
               <a:rPr lang="en-US" smtClean="0"/>
-              <a:t>13/08/2014</a:t>
+              <a:t>25/08/2014</a:t>
             </a:fld>
             <a:endParaRPr lang="en-US"/>
           </a:p>
@@ -4994,20 +4994,20 @@
       </p:grpSpPr>
       <p:sp>
         <p:nvSpPr>
-          <p:cNvPr id="86" name="Rectangle 85"/>
+          <p:cNvPr id="143" name="Rectangle 142"/>
           <p:cNvSpPr/>
           <p:nvPr/>
         </p:nvSpPr>
         <p:spPr>
-          <a:xfrm>
-            <a:off x="5083423" y="3489702"/>
-            <a:ext cx="2276006" cy="3299060"/>
+          <a:xfrm rot="16200000">
+            <a:off x="-2028022" y="3723149"/>
+            <a:ext cx="4591948" cy="345750"/>
           </a:xfrm>
           <a:prstGeom prst="rect">
             <a:avLst/>
           </a:prstGeom>
           <a:solidFill>
-            <a:schemeClr val="accent2">
+            <a:schemeClr val="accent6">
               <a:lumMod val="20000"/>
               <a:lumOff val="80000"/>
             </a:schemeClr>
@@ -5033,21 +5033,21 @@
           </a:fontRef>
         </p:style>
         <p:txBody>
-          <a:bodyPr rtlCol="0" anchor="t" anchorCtr="0"/>
+          <a:bodyPr rtlCol="0" anchor="ctr"/>
           <a:lstStyle/>
           <a:p>
             <a:pPr algn="ctr"/>
             <a:r>
-              <a:rPr lang="en-US" sz="1000" dirty="0" smtClean="0">
+              <a:rPr lang="en-US" sz="1100" dirty="0" smtClean="0">
                 <a:solidFill>
                   <a:schemeClr val="tx1"/>
                 </a:solidFill>
                 <a:latin typeface="Helvetica"/>
                 <a:cs typeface="Helvetica"/>
               </a:rPr>
-              <a:t>Version 1.0 Cluster</a:t>
-            </a:r>
-            <a:endParaRPr lang="en-US" sz="1000" dirty="0">
+              <a:t>Client</a:t>
+            </a:r>
+            <a:endParaRPr lang="en-US" sz="1100" dirty="0">
               <a:solidFill>
                 <a:schemeClr val="tx1"/>
               </a:solidFill>
@@ -5059,25 +5059,21 @@
       </p:sp>
       <p:sp>
         <p:nvSpPr>
-          <p:cNvPr id="126" name="Rectangle 125"/>
+          <p:cNvPr id="149" name="Rectangle 148"/>
           <p:cNvSpPr/>
           <p:nvPr/>
         </p:nvSpPr>
         <p:spPr>
           <a:xfrm>
-            <a:off x="5078636" y="59793"/>
-            <a:ext cx="2276006" cy="3299060"/>
+            <a:off x="440827" y="2311159"/>
+            <a:ext cx="853689" cy="311676"/>
           </a:xfrm>
           <a:prstGeom prst="rect">
             <a:avLst/>
           </a:prstGeom>
-          <a:solidFill>
-            <a:schemeClr val="bg2"/>
-          </a:solidFill>
+          <a:noFill/>
           <a:ln w="19050" cmpd="sng">
-            <a:solidFill>
-              <a:schemeClr val="tx1"/>
-            </a:solidFill>
+            <a:noFill/>
           </a:ln>
         </p:spPr>
         <p:style>
@@ -5095,582 +5091,73 @@
           </a:fontRef>
         </p:style>
         <p:txBody>
-          <a:bodyPr rtlCol="0" anchor="t" anchorCtr="0"/>
-          <a:lstStyle/>
-          <a:p>
-            <a:pPr algn="ctr"/>
-            <a:r>
-              <a:rPr lang="en-US" sz="1000" dirty="0" smtClean="0">
+          <a:bodyPr rtlCol="0" anchor="ctr"/>
+          <a:lstStyle/>
+          <a:p>
+            <a:r>
+              <a:rPr lang="en-US" sz="1100" dirty="0" smtClean="0">
                 <a:solidFill>
                   <a:schemeClr val="tx1"/>
                 </a:solidFill>
                 <a:latin typeface="Helvetica"/>
                 <a:cs typeface="Helvetica"/>
               </a:rPr>
-              <a:t>Version 1.1 Cluster</a:t>
-            </a:r>
-            <a:endParaRPr lang="en-US" sz="1000" dirty="0">
-              <a:solidFill>
-                <a:schemeClr val="tx1"/>
-              </a:solidFill>
-              <a:latin typeface="Helvetica"/>
-              <a:cs typeface="Helvetica"/>
-            </a:endParaRPr>
-          </a:p>
-        </p:txBody>
-      </p:sp>
-      <p:sp>
-        <p:nvSpPr>
-          <p:cNvPr id="117" name="Rectangle 116"/>
+              <a:t>Connect</a:t>
+            </a:r>
+          </a:p>
+        </p:txBody>
+      </p:sp>
+      <p:cxnSp>
+        <p:nvCxnSpPr>
+          <p:cNvPr id="150" name="Straight Arrow Connector 149"/>
+          <p:cNvCxnSpPr>
+            <a:cxnSpLocks/>
+          </p:cNvCxnSpPr>
+          <p:nvPr/>
+        </p:nvCxnSpPr>
+        <p:spPr>
+          <a:xfrm>
+            <a:off x="449990" y="2622835"/>
+            <a:ext cx="900000" cy="1"/>
+          </a:xfrm>
+          <a:prstGeom prst="straightConnector1">
+            <a:avLst/>
+          </a:prstGeom>
+          <a:ln w="19050" cmpd="sng">
+            <a:tailEnd type="arrow"/>
+          </a:ln>
+        </p:spPr>
+        <p:style>
+          <a:lnRef idx="2">
+            <a:schemeClr val="dk1"/>
+          </a:lnRef>
+          <a:fillRef idx="0">
+            <a:schemeClr val="dk1"/>
+          </a:fillRef>
+          <a:effectRef idx="1">
+            <a:schemeClr val="dk1"/>
+          </a:effectRef>
+          <a:fontRef idx="minor">
+            <a:schemeClr val="tx1"/>
+          </a:fontRef>
+        </p:style>
+      </p:cxnSp>
+      <p:sp>
+        <p:nvSpPr>
+          <p:cNvPr id="159" name="Rectangle 158"/>
           <p:cNvSpPr/>
           <p:nvPr/>
         </p:nvSpPr>
         <p:spPr>
-          <a:xfrm>
-            <a:off x="5590709" y="5355189"/>
-            <a:ext cx="1277771" cy="892848"/>
+          <a:xfrm rot="16200000">
+            <a:off x="6569151" y="3719493"/>
+            <a:ext cx="4591948" cy="345750"/>
           </a:xfrm>
           <a:prstGeom prst="rect">
             <a:avLst/>
           </a:prstGeom>
           <a:solidFill>
-            <a:schemeClr val="bg1"/>
-          </a:solidFill>
-          <a:ln w="19050" cmpd="sng">
-            <a:solidFill>
-              <a:schemeClr val="tx1"/>
-            </a:solidFill>
-          </a:ln>
-        </p:spPr>
-        <p:style>
-          <a:lnRef idx="1">
-            <a:schemeClr val="accent1"/>
-          </a:lnRef>
-          <a:fillRef idx="3">
-            <a:schemeClr val="accent1"/>
-          </a:fillRef>
-          <a:effectRef idx="2">
-            <a:schemeClr val="accent1"/>
-          </a:effectRef>
-          <a:fontRef idx="minor">
-            <a:schemeClr val="lt1"/>
-          </a:fontRef>
-        </p:style>
-        <p:txBody>
-          <a:bodyPr rtlCol="0" anchor="t" anchorCtr="0"/>
-          <a:lstStyle/>
-          <a:p>
-            <a:pPr algn="ctr"/>
-            <a:r>
-              <a:rPr lang="en-US" sz="1000" dirty="0" err="1" smtClean="0">
-                <a:solidFill>
-                  <a:schemeClr val="tx1"/>
-                </a:solidFill>
-                <a:latin typeface="Helvetica"/>
-                <a:cs typeface="Helvetica"/>
-              </a:rPr>
-              <a:t>Docker</a:t>
-            </a:r>
-            <a:r>
-              <a:rPr lang="en-US" sz="1000" dirty="0" smtClean="0">
-                <a:solidFill>
-                  <a:schemeClr val="tx1"/>
-                </a:solidFill>
-                <a:latin typeface="Helvetica"/>
-                <a:cs typeface="Helvetica"/>
-              </a:rPr>
-              <a:t> Container</a:t>
-            </a:r>
-            <a:endParaRPr lang="en-US" sz="1000" dirty="0">
-              <a:solidFill>
-                <a:schemeClr val="tx1"/>
-              </a:solidFill>
-              <a:latin typeface="Helvetica"/>
-              <a:cs typeface="Helvetica"/>
-            </a:endParaRPr>
-          </a:p>
-        </p:txBody>
-      </p:sp>
-      <p:sp>
-        <p:nvSpPr>
-          <p:cNvPr id="118" name="Rectangle 117"/>
-          <p:cNvSpPr/>
-          <p:nvPr/>
-        </p:nvSpPr>
-        <p:spPr>
-          <a:xfrm>
-            <a:off x="5590709" y="6286522"/>
-            <a:ext cx="1277771" cy="336840"/>
-          </a:xfrm>
-          <a:prstGeom prst="rect">
-            <a:avLst/>
-          </a:prstGeom>
-          <a:solidFill>
-            <a:schemeClr val="bg1"/>
-          </a:solidFill>
-          <a:ln w="19050" cmpd="sng">
-            <a:solidFill>
-              <a:schemeClr val="tx1"/>
-            </a:solidFill>
-          </a:ln>
-        </p:spPr>
-        <p:style>
-          <a:lnRef idx="1">
-            <a:schemeClr val="accent1"/>
-          </a:lnRef>
-          <a:fillRef idx="3">
-            <a:schemeClr val="accent1"/>
-          </a:fillRef>
-          <a:effectRef idx="2">
-            <a:schemeClr val="accent1"/>
-          </a:effectRef>
-          <a:fontRef idx="minor">
-            <a:schemeClr val="lt1"/>
-          </a:fontRef>
-        </p:style>
-        <p:txBody>
-          <a:bodyPr rtlCol="0" anchor="ctr" anchorCtr="0"/>
-          <a:lstStyle/>
-          <a:p>
-            <a:pPr algn="ctr"/>
-            <a:r>
-              <a:rPr lang="en-US" sz="1000" dirty="0" err="1" smtClean="0">
-                <a:solidFill>
-                  <a:schemeClr val="tx1"/>
-                </a:solidFill>
-                <a:latin typeface="Helvetica"/>
-                <a:cs typeface="Helvetica"/>
-              </a:rPr>
-              <a:t>CoreOS</a:t>
-            </a:r>
-            <a:endParaRPr lang="en-US" sz="1000" dirty="0">
-              <a:solidFill>
-                <a:schemeClr val="tx1"/>
-              </a:solidFill>
-              <a:latin typeface="Helvetica"/>
-              <a:cs typeface="Helvetica"/>
-            </a:endParaRPr>
-          </a:p>
-        </p:txBody>
-      </p:sp>
-      <p:sp>
-        <p:nvSpPr>
-          <p:cNvPr id="123" name="Rectangle 122"/>
-          <p:cNvSpPr/>
-          <p:nvPr/>
-        </p:nvSpPr>
-        <p:spPr>
-          <a:xfrm>
-            <a:off x="5590709" y="3901726"/>
-            <a:ext cx="1277771" cy="892848"/>
-          </a:xfrm>
-          <a:prstGeom prst="rect">
-            <a:avLst/>
-          </a:prstGeom>
-          <a:solidFill>
-            <a:schemeClr val="bg1"/>
-          </a:solidFill>
-          <a:ln w="19050" cmpd="sng">
-            <a:solidFill>
-              <a:schemeClr val="tx1"/>
-            </a:solidFill>
-          </a:ln>
-        </p:spPr>
-        <p:style>
-          <a:lnRef idx="1">
-            <a:schemeClr val="accent1"/>
-          </a:lnRef>
-          <a:fillRef idx="3">
-            <a:schemeClr val="accent1"/>
-          </a:fillRef>
-          <a:effectRef idx="2">
-            <a:schemeClr val="accent1"/>
-          </a:effectRef>
-          <a:fontRef idx="minor">
-            <a:schemeClr val="lt1"/>
-          </a:fontRef>
-        </p:style>
-        <p:txBody>
-          <a:bodyPr rtlCol="0" anchor="t" anchorCtr="0"/>
-          <a:lstStyle/>
-          <a:p>
-            <a:pPr algn="ctr"/>
-            <a:r>
-              <a:rPr lang="en-US" sz="1000" dirty="0" err="1" smtClean="0">
-                <a:solidFill>
-                  <a:schemeClr val="tx1"/>
-                </a:solidFill>
-                <a:latin typeface="Helvetica"/>
-                <a:cs typeface="Helvetica"/>
-              </a:rPr>
-              <a:t>Docker</a:t>
-            </a:r>
-            <a:r>
-              <a:rPr lang="en-US" sz="1000" dirty="0" smtClean="0">
-                <a:solidFill>
-                  <a:schemeClr val="tx1"/>
-                </a:solidFill>
-                <a:latin typeface="Helvetica"/>
-                <a:cs typeface="Helvetica"/>
-              </a:rPr>
-              <a:t> Container</a:t>
-            </a:r>
-            <a:endParaRPr lang="en-US" sz="1000" dirty="0">
-              <a:solidFill>
-                <a:schemeClr val="tx1"/>
-              </a:solidFill>
-              <a:latin typeface="Helvetica"/>
-              <a:cs typeface="Helvetica"/>
-            </a:endParaRPr>
-          </a:p>
-        </p:txBody>
-      </p:sp>
-      <p:sp>
-        <p:nvSpPr>
-          <p:cNvPr id="124" name="Rectangle 123"/>
-          <p:cNvSpPr/>
-          <p:nvPr/>
-        </p:nvSpPr>
-        <p:spPr>
-          <a:xfrm>
-            <a:off x="5590709" y="4833059"/>
-            <a:ext cx="1277771" cy="336840"/>
-          </a:xfrm>
-          <a:prstGeom prst="rect">
-            <a:avLst/>
-          </a:prstGeom>
-          <a:solidFill>
-            <a:schemeClr val="bg1"/>
-          </a:solidFill>
-          <a:ln w="19050" cmpd="sng">
-            <a:solidFill>
-              <a:schemeClr val="tx1"/>
-            </a:solidFill>
-          </a:ln>
-        </p:spPr>
-        <p:style>
-          <a:lnRef idx="1">
-            <a:schemeClr val="accent1"/>
-          </a:lnRef>
-          <a:fillRef idx="3">
-            <a:schemeClr val="accent1"/>
-          </a:fillRef>
-          <a:effectRef idx="2">
-            <a:schemeClr val="accent1"/>
-          </a:effectRef>
-          <a:fontRef idx="minor">
-            <a:schemeClr val="lt1"/>
-          </a:fontRef>
-        </p:style>
-        <p:txBody>
-          <a:bodyPr rtlCol="0" anchor="ctr" anchorCtr="0"/>
-          <a:lstStyle/>
-          <a:p>
-            <a:pPr algn="ctr"/>
-            <a:r>
-              <a:rPr lang="en-US" sz="1000" dirty="0" err="1" smtClean="0">
-                <a:solidFill>
-                  <a:schemeClr val="tx1"/>
-                </a:solidFill>
-                <a:latin typeface="Helvetica"/>
-                <a:cs typeface="Helvetica"/>
-              </a:rPr>
-              <a:t>CoreOS</a:t>
-            </a:r>
-            <a:endParaRPr lang="en-US" sz="1000" dirty="0">
-              <a:solidFill>
-                <a:schemeClr val="tx1"/>
-              </a:solidFill>
-              <a:latin typeface="Helvetica"/>
-              <a:cs typeface="Helvetica"/>
-            </a:endParaRPr>
-          </a:p>
-        </p:txBody>
-      </p:sp>
-      <p:sp>
-        <p:nvSpPr>
-          <p:cNvPr id="133" name="Rectangle 132"/>
-          <p:cNvSpPr/>
-          <p:nvPr/>
-        </p:nvSpPr>
-        <p:spPr>
-          <a:xfrm>
-            <a:off x="5585922" y="1925280"/>
-            <a:ext cx="1277771" cy="892848"/>
-          </a:xfrm>
-          <a:prstGeom prst="rect">
-            <a:avLst/>
-          </a:prstGeom>
-          <a:solidFill>
-            <a:schemeClr val="bg1"/>
-          </a:solidFill>
-          <a:ln w="19050" cmpd="sng">
-            <a:solidFill>
-              <a:schemeClr val="tx1"/>
-            </a:solidFill>
-          </a:ln>
-        </p:spPr>
-        <p:style>
-          <a:lnRef idx="1">
-            <a:schemeClr val="accent1"/>
-          </a:lnRef>
-          <a:fillRef idx="3">
-            <a:schemeClr val="accent1"/>
-          </a:fillRef>
-          <a:effectRef idx="2">
-            <a:schemeClr val="accent1"/>
-          </a:effectRef>
-          <a:fontRef idx="minor">
-            <a:schemeClr val="lt1"/>
-          </a:fontRef>
-        </p:style>
-        <p:txBody>
-          <a:bodyPr rtlCol="0" anchor="t" anchorCtr="0"/>
-          <a:lstStyle/>
-          <a:p>
-            <a:pPr algn="ctr"/>
-            <a:r>
-              <a:rPr lang="en-US" sz="1000" dirty="0" err="1" smtClean="0">
-                <a:solidFill>
-                  <a:schemeClr val="tx1"/>
-                </a:solidFill>
-                <a:latin typeface="Helvetica"/>
-                <a:cs typeface="Helvetica"/>
-              </a:rPr>
-              <a:t>Docker</a:t>
-            </a:r>
-            <a:r>
-              <a:rPr lang="en-US" sz="1000" dirty="0" smtClean="0">
-                <a:solidFill>
-                  <a:schemeClr val="tx1"/>
-                </a:solidFill>
-                <a:latin typeface="Helvetica"/>
-                <a:cs typeface="Helvetica"/>
-              </a:rPr>
-              <a:t> Container</a:t>
-            </a:r>
-            <a:endParaRPr lang="en-US" sz="1000" dirty="0">
-              <a:solidFill>
-                <a:schemeClr val="tx1"/>
-              </a:solidFill>
-              <a:latin typeface="Helvetica"/>
-              <a:cs typeface="Helvetica"/>
-            </a:endParaRPr>
-          </a:p>
-        </p:txBody>
-      </p:sp>
-      <p:sp>
-        <p:nvSpPr>
-          <p:cNvPr id="134" name="Rectangle 133"/>
-          <p:cNvSpPr/>
-          <p:nvPr/>
-        </p:nvSpPr>
-        <p:spPr>
-          <a:xfrm>
-            <a:off x="5585922" y="2856613"/>
-            <a:ext cx="1277771" cy="336840"/>
-          </a:xfrm>
-          <a:prstGeom prst="rect">
-            <a:avLst/>
-          </a:prstGeom>
-          <a:solidFill>
-            <a:schemeClr val="bg1"/>
-          </a:solidFill>
-          <a:ln w="19050" cmpd="sng">
-            <a:solidFill>
-              <a:schemeClr val="tx1"/>
-            </a:solidFill>
-          </a:ln>
-        </p:spPr>
-        <p:style>
-          <a:lnRef idx="1">
-            <a:schemeClr val="accent1"/>
-          </a:lnRef>
-          <a:fillRef idx="3">
-            <a:schemeClr val="accent1"/>
-          </a:fillRef>
-          <a:effectRef idx="2">
-            <a:schemeClr val="accent1"/>
-          </a:effectRef>
-          <a:fontRef idx="minor">
-            <a:schemeClr val="lt1"/>
-          </a:fontRef>
-        </p:style>
-        <p:txBody>
-          <a:bodyPr rtlCol="0" anchor="ctr" anchorCtr="0"/>
-          <a:lstStyle/>
-          <a:p>
-            <a:pPr algn="ctr"/>
-            <a:r>
-              <a:rPr lang="en-US" sz="1000" dirty="0" err="1" smtClean="0">
-                <a:solidFill>
-                  <a:schemeClr val="tx1"/>
-                </a:solidFill>
-                <a:latin typeface="Helvetica"/>
-                <a:cs typeface="Helvetica"/>
-              </a:rPr>
-              <a:t>CoreOS</a:t>
-            </a:r>
-            <a:endParaRPr lang="en-US" sz="1000" dirty="0">
-              <a:solidFill>
-                <a:schemeClr val="tx1"/>
-              </a:solidFill>
-              <a:latin typeface="Helvetica"/>
-              <a:cs typeface="Helvetica"/>
-            </a:endParaRPr>
-          </a:p>
-        </p:txBody>
-      </p:sp>
-      <p:sp>
-        <p:nvSpPr>
-          <p:cNvPr id="130" name="Rectangle 129"/>
-          <p:cNvSpPr/>
-          <p:nvPr/>
-        </p:nvSpPr>
-        <p:spPr>
-          <a:xfrm>
-            <a:off x="5585922" y="471817"/>
-            <a:ext cx="1277771" cy="892848"/>
-          </a:xfrm>
-          <a:prstGeom prst="rect">
-            <a:avLst/>
-          </a:prstGeom>
-          <a:solidFill>
-            <a:schemeClr val="bg1"/>
-          </a:solidFill>
-          <a:ln w="19050" cmpd="sng">
-            <a:solidFill>
-              <a:schemeClr val="tx1"/>
-            </a:solidFill>
-          </a:ln>
-        </p:spPr>
-        <p:style>
-          <a:lnRef idx="1">
-            <a:schemeClr val="accent1"/>
-          </a:lnRef>
-          <a:fillRef idx="3">
-            <a:schemeClr val="accent1"/>
-          </a:fillRef>
-          <a:effectRef idx="2">
-            <a:schemeClr val="accent1"/>
-          </a:effectRef>
-          <a:fontRef idx="minor">
-            <a:schemeClr val="lt1"/>
-          </a:fontRef>
-        </p:style>
-        <p:txBody>
-          <a:bodyPr rtlCol="0" anchor="t" anchorCtr="0"/>
-          <a:lstStyle/>
-          <a:p>
-            <a:pPr algn="ctr"/>
-            <a:r>
-              <a:rPr lang="en-US" sz="1000" dirty="0" err="1" smtClean="0">
-                <a:solidFill>
-                  <a:schemeClr val="tx1"/>
-                </a:solidFill>
-                <a:latin typeface="Helvetica"/>
-                <a:cs typeface="Helvetica"/>
-              </a:rPr>
-              <a:t>Docker</a:t>
-            </a:r>
-            <a:r>
-              <a:rPr lang="en-US" sz="1000" dirty="0" smtClean="0">
-                <a:solidFill>
-                  <a:schemeClr val="tx1"/>
-                </a:solidFill>
-                <a:latin typeface="Helvetica"/>
-                <a:cs typeface="Helvetica"/>
-              </a:rPr>
-              <a:t> Container</a:t>
-            </a:r>
-            <a:endParaRPr lang="en-US" sz="1000" dirty="0">
-              <a:solidFill>
-                <a:schemeClr val="tx1"/>
-              </a:solidFill>
-              <a:latin typeface="Helvetica"/>
-              <a:cs typeface="Helvetica"/>
-            </a:endParaRPr>
-          </a:p>
-        </p:txBody>
-      </p:sp>
-      <p:sp>
-        <p:nvSpPr>
-          <p:cNvPr id="131" name="Rectangle 130"/>
-          <p:cNvSpPr/>
-          <p:nvPr/>
-        </p:nvSpPr>
-        <p:spPr>
-          <a:xfrm>
-            <a:off x="5585922" y="1403150"/>
-            <a:ext cx="1277771" cy="336840"/>
-          </a:xfrm>
-          <a:prstGeom prst="rect">
-            <a:avLst/>
-          </a:prstGeom>
-          <a:solidFill>
-            <a:schemeClr val="bg1"/>
-          </a:solidFill>
-          <a:ln w="19050" cmpd="sng">
-            <a:solidFill>
-              <a:schemeClr val="tx1"/>
-            </a:solidFill>
-          </a:ln>
-        </p:spPr>
-        <p:style>
-          <a:lnRef idx="1">
-            <a:schemeClr val="accent1"/>
-          </a:lnRef>
-          <a:fillRef idx="3">
-            <a:schemeClr val="accent1"/>
-          </a:fillRef>
-          <a:effectRef idx="2">
-            <a:schemeClr val="accent1"/>
-          </a:effectRef>
-          <a:fontRef idx="minor">
-            <a:schemeClr val="lt1"/>
-          </a:fontRef>
-        </p:style>
-        <p:txBody>
-          <a:bodyPr rtlCol="0" anchor="ctr" anchorCtr="0"/>
-          <a:lstStyle/>
-          <a:p>
-            <a:pPr algn="ctr"/>
-            <a:r>
-              <a:rPr lang="en-US" sz="1000" dirty="0" err="1" smtClean="0">
-                <a:solidFill>
-                  <a:schemeClr val="tx1"/>
-                </a:solidFill>
-                <a:latin typeface="Helvetica"/>
-                <a:cs typeface="Helvetica"/>
-              </a:rPr>
-              <a:t>CoreOS</a:t>
-            </a:r>
-            <a:endParaRPr lang="en-US" sz="1000" dirty="0">
-              <a:solidFill>
-                <a:schemeClr val="tx1"/>
-              </a:solidFill>
-              <a:latin typeface="Helvetica"/>
-              <a:cs typeface="Helvetica"/>
-            </a:endParaRPr>
-          </a:p>
-        </p:txBody>
-      </p:sp>
-      <p:sp>
-        <p:nvSpPr>
-          <p:cNvPr id="2" name="Rectangle 1"/>
-          <p:cNvSpPr/>
-          <p:nvPr/>
-        </p:nvSpPr>
-        <p:spPr>
-          <a:xfrm>
-            <a:off x="1117672" y="3299492"/>
-            <a:ext cx="726513" cy="384137"/>
-          </a:xfrm>
-          <a:prstGeom prst="rect">
-            <a:avLst/>
-          </a:prstGeom>
-          <a:solidFill>
-            <a:schemeClr val="accent5">
+            <a:schemeClr val="accent6">
               <a:lumMod val="20000"/>
               <a:lumOff val="80000"/>
             </a:schemeClr>
@@ -5701,15 +5188,70 @@
           <a:p>
             <a:pPr algn="ctr"/>
             <a:r>
-              <a:rPr lang="en-US" sz="1000" dirty="0" smtClean="0">
+              <a:rPr lang="en-US" sz="1100" dirty="0" smtClean="0">
                 <a:solidFill>
                   <a:schemeClr val="tx1"/>
                 </a:solidFill>
                 <a:latin typeface="Helvetica"/>
                 <a:cs typeface="Helvetica"/>
               </a:rPr>
-              <a:t>upstream</a:t>
-            </a:r>
+              <a:t>Cluster</a:t>
+            </a:r>
+            <a:endParaRPr lang="en-US" sz="1100" dirty="0">
+              <a:solidFill>
+                <a:schemeClr val="tx1"/>
+              </a:solidFill>
+              <a:latin typeface="Helvetica"/>
+              <a:cs typeface="Helvetica"/>
+            </a:endParaRPr>
+          </a:p>
+        </p:txBody>
+      </p:sp>
+      <p:sp>
+        <p:nvSpPr>
+          <p:cNvPr id="99" name="Rectangle 98"/>
+          <p:cNvSpPr/>
+          <p:nvPr/>
+        </p:nvSpPr>
+        <p:spPr>
+          <a:xfrm>
+            <a:off x="3079338" y="3436801"/>
+            <a:ext cx="4424344" cy="2114667"/>
+          </a:xfrm>
+          <a:prstGeom prst="rect">
+            <a:avLst/>
+          </a:prstGeom>
+          <a:solidFill>
+            <a:schemeClr val="bg2">
+              <a:alpha val="50000"/>
+            </a:schemeClr>
+          </a:solidFill>
+          <a:ln w="19050" cmpd="sng">
+            <a:solidFill>
+              <a:schemeClr val="tx1"/>
+            </a:solidFill>
+          </a:ln>
+          <a:effectLst/>
+        </p:spPr>
+        <p:style>
+          <a:lnRef idx="1">
+            <a:schemeClr val="accent1"/>
+          </a:lnRef>
+          <a:fillRef idx="3">
+            <a:schemeClr val="accent1"/>
+          </a:fillRef>
+          <a:effectRef idx="2">
+            <a:schemeClr val="accent1"/>
+          </a:effectRef>
+          <a:fontRef idx="minor">
+            <a:schemeClr val="lt1"/>
+          </a:fontRef>
+        </p:style>
+        <p:txBody>
+          <a:bodyPr rtlCol="0" anchor="t" anchorCtr="0"/>
+          <a:lstStyle/>
+          <a:p>
+            <a:pPr algn="ctr"/>
             <a:endParaRPr lang="en-US" sz="1000" dirty="0">
               <a:solidFill>
                 <a:schemeClr val="tx1"/>
@@ -5722,928 +5264,23 @@
       </p:sp>
       <p:sp>
         <p:nvSpPr>
-          <p:cNvPr id="3" name="Rectangle 2"/>
+          <p:cNvPr id="101" name="Circular Arrow 100"/>
           <p:cNvSpPr/>
           <p:nvPr/>
         </p:nvSpPr>
         <p:spPr>
-          <a:xfrm>
-            <a:off x="2214280" y="3180476"/>
-            <a:ext cx="799124" cy="625280"/>
-          </a:xfrm>
-          <a:prstGeom prst="rect">
-            <a:avLst/>
-          </a:prstGeom>
-          <a:solidFill>
-            <a:schemeClr val="accent5">
-              <a:lumMod val="20000"/>
-              <a:lumOff val="80000"/>
-            </a:schemeClr>
-          </a:solidFill>
-          <a:ln w="19050" cmpd="sng">
-            <a:solidFill>
-              <a:schemeClr val="tx1"/>
-            </a:solidFill>
-          </a:ln>
-        </p:spPr>
-        <p:style>
-          <a:lnRef idx="1">
-            <a:schemeClr val="accent1"/>
-          </a:lnRef>
-          <a:fillRef idx="3">
-            <a:schemeClr val="accent1"/>
-          </a:fillRef>
-          <a:effectRef idx="2">
-            <a:schemeClr val="accent1"/>
-          </a:effectRef>
-          <a:fontRef idx="minor">
-            <a:schemeClr val="lt1"/>
-          </a:fontRef>
-        </p:style>
-        <p:txBody>
-          <a:bodyPr rtlCol="0" anchor="ctr"/>
-          <a:lstStyle/>
-          <a:p>
-            <a:pPr algn="ctr"/>
-            <a:r>
-              <a:rPr lang="en-US" sz="1000" dirty="0">
-                <a:solidFill>
-                  <a:schemeClr val="tx1"/>
-                </a:solidFill>
-                <a:latin typeface="Helvetica"/>
-                <a:cs typeface="Helvetica"/>
-              </a:rPr>
-              <a:t>r</a:t>
-            </a:r>
-            <a:r>
-              <a:rPr lang="en-US" sz="1000" dirty="0" smtClean="0">
-                <a:solidFill>
-                  <a:schemeClr val="tx1"/>
-                </a:solidFill>
-                <a:latin typeface="Helvetica"/>
-                <a:cs typeface="Helvetica"/>
-              </a:rPr>
-              <a:t>outing</a:t>
-            </a:r>
-          </a:p>
-          <a:p>
-            <a:pPr algn="ctr"/>
-            <a:r>
-              <a:rPr lang="en-US" sz="1000" dirty="0" smtClean="0">
-                <a:solidFill>
-                  <a:schemeClr val="tx1"/>
-                </a:solidFill>
-                <a:latin typeface="Helvetica"/>
-                <a:cs typeface="Helvetica"/>
-              </a:rPr>
-              <a:t>&amp; monitoring</a:t>
-            </a:r>
-            <a:endParaRPr lang="en-US" sz="1000" dirty="0">
-              <a:solidFill>
-                <a:schemeClr val="tx1"/>
-              </a:solidFill>
-              <a:latin typeface="Helvetica"/>
-              <a:cs typeface="Helvetica"/>
-            </a:endParaRPr>
-          </a:p>
-        </p:txBody>
-      </p:sp>
-      <p:sp>
-        <p:nvSpPr>
-          <p:cNvPr id="4" name="Rectangle 3"/>
-          <p:cNvSpPr/>
-          <p:nvPr/>
-        </p:nvSpPr>
-        <p:spPr>
-          <a:xfrm>
-            <a:off x="3472956" y="2356165"/>
-            <a:ext cx="940561" cy="384137"/>
-          </a:xfrm>
-          <a:prstGeom prst="rect">
-            <a:avLst/>
-          </a:prstGeom>
-          <a:solidFill>
-            <a:schemeClr val="accent5">
-              <a:lumMod val="20000"/>
-              <a:lumOff val="80000"/>
-            </a:schemeClr>
-          </a:solidFill>
-          <a:ln w="19050" cmpd="sng">
-            <a:solidFill>
-              <a:schemeClr val="tx1"/>
-            </a:solidFill>
-          </a:ln>
-        </p:spPr>
-        <p:style>
-          <a:lnRef idx="1">
-            <a:schemeClr val="accent1"/>
-          </a:lnRef>
-          <a:fillRef idx="3">
-            <a:schemeClr val="accent1"/>
-          </a:fillRef>
-          <a:effectRef idx="2">
-            <a:schemeClr val="accent1"/>
-          </a:effectRef>
-          <a:fontRef idx="minor">
-            <a:schemeClr val="lt1"/>
-          </a:fontRef>
-        </p:style>
-        <p:txBody>
-          <a:bodyPr rtlCol="0" anchor="ctr"/>
-          <a:lstStyle/>
-          <a:p>
-            <a:pPr algn="ctr"/>
-            <a:r>
-              <a:rPr lang="en-US" sz="1000" dirty="0" smtClean="0">
-                <a:solidFill>
-                  <a:schemeClr val="tx1"/>
-                </a:solidFill>
-                <a:latin typeface="Helvetica"/>
-                <a:cs typeface="Helvetica"/>
-              </a:rPr>
-              <a:t>downstream</a:t>
-            </a:r>
-            <a:endParaRPr lang="en-US" sz="1000" dirty="0">
-              <a:solidFill>
-                <a:schemeClr val="tx1"/>
-              </a:solidFill>
-              <a:latin typeface="Helvetica"/>
-              <a:cs typeface="Helvetica"/>
-            </a:endParaRPr>
-          </a:p>
-        </p:txBody>
-      </p:sp>
-      <p:sp>
-        <p:nvSpPr>
-          <p:cNvPr id="5" name="Rectangle 4"/>
-          <p:cNvSpPr/>
-          <p:nvPr/>
-        </p:nvSpPr>
-        <p:spPr>
-          <a:xfrm>
-            <a:off x="3472956" y="2872298"/>
-            <a:ext cx="940561" cy="384137"/>
-          </a:xfrm>
-          <a:prstGeom prst="rect">
-            <a:avLst/>
-          </a:prstGeom>
-          <a:solidFill>
-            <a:schemeClr val="accent5">
-              <a:lumMod val="20000"/>
-              <a:lumOff val="80000"/>
-            </a:schemeClr>
-          </a:solidFill>
-          <a:ln w="19050" cmpd="sng">
-            <a:solidFill>
-              <a:schemeClr val="tx1"/>
-            </a:solidFill>
-          </a:ln>
-        </p:spPr>
-        <p:style>
-          <a:lnRef idx="1">
-            <a:schemeClr val="accent1"/>
-          </a:lnRef>
-          <a:fillRef idx="3">
-            <a:schemeClr val="accent1"/>
-          </a:fillRef>
-          <a:effectRef idx="2">
-            <a:schemeClr val="accent1"/>
-          </a:effectRef>
-          <a:fontRef idx="minor">
-            <a:schemeClr val="lt1"/>
-          </a:fontRef>
-        </p:style>
-        <p:txBody>
-          <a:bodyPr rtlCol="0" anchor="ctr"/>
-          <a:lstStyle/>
-          <a:p>
-            <a:pPr algn="ctr"/>
-            <a:r>
-              <a:rPr lang="en-US" sz="1000" dirty="0" smtClean="0">
-                <a:solidFill>
-                  <a:schemeClr val="tx1"/>
-                </a:solidFill>
-                <a:latin typeface="Helvetica"/>
-                <a:cs typeface="Helvetica"/>
-              </a:rPr>
-              <a:t>downstream</a:t>
-            </a:r>
-            <a:endParaRPr lang="en-US" sz="1000" dirty="0">
-              <a:solidFill>
-                <a:schemeClr val="tx1"/>
-              </a:solidFill>
-              <a:latin typeface="Helvetica"/>
-              <a:cs typeface="Helvetica"/>
-            </a:endParaRPr>
-          </a:p>
-        </p:txBody>
-      </p:sp>
-      <p:sp>
-        <p:nvSpPr>
-          <p:cNvPr id="6" name="Rectangle 5"/>
-          <p:cNvSpPr/>
-          <p:nvPr/>
-        </p:nvSpPr>
-        <p:spPr>
-          <a:xfrm>
-            <a:off x="3472956" y="3732950"/>
-            <a:ext cx="940561" cy="384137"/>
-          </a:xfrm>
-          <a:prstGeom prst="rect">
-            <a:avLst/>
-          </a:prstGeom>
-          <a:solidFill>
-            <a:schemeClr val="accent5">
-              <a:lumMod val="20000"/>
-              <a:lumOff val="80000"/>
-            </a:schemeClr>
-          </a:solidFill>
-          <a:ln w="19050" cmpd="sng">
-            <a:solidFill>
-              <a:schemeClr val="tx1"/>
-            </a:solidFill>
-          </a:ln>
-        </p:spPr>
-        <p:style>
-          <a:lnRef idx="1">
-            <a:schemeClr val="accent1"/>
-          </a:lnRef>
-          <a:fillRef idx="3">
-            <a:schemeClr val="accent1"/>
-          </a:fillRef>
-          <a:effectRef idx="2">
-            <a:schemeClr val="accent1"/>
-          </a:effectRef>
-          <a:fontRef idx="minor">
-            <a:schemeClr val="lt1"/>
-          </a:fontRef>
-        </p:style>
-        <p:txBody>
-          <a:bodyPr rtlCol="0" anchor="ctr"/>
-          <a:lstStyle/>
-          <a:p>
-            <a:pPr algn="ctr"/>
-            <a:r>
-              <a:rPr lang="en-US" sz="1000" dirty="0" smtClean="0">
-                <a:solidFill>
-                  <a:schemeClr val="tx1"/>
-                </a:solidFill>
-                <a:latin typeface="Helvetica"/>
-                <a:cs typeface="Helvetica"/>
-              </a:rPr>
-              <a:t>downstream</a:t>
-            </a:r>
-            <a:endParaRPr lang="en-US" sz="1000" dirty="0">
-              <a:solidFill>
-                <a:schemeClr val="tx1"/>
-              </a:solidFill>
-              <a:latin typeface="Helvetica"/>
-              <a:cs typeface="Helvetica"/>
-            </a:endParaRPr>
-          </a:p>
-        </p:txBody>
-      </p:sp>
-      <p:sp>
-        <p:nvSpPr>
-          <p:cNvPr id="7" name="Rectangle 6"/>
-          <p:cNvSpPr/>
-          <p:nvPr/>
-        </p:nvSpPr>
-        <p:spPr>
-          <a:xfrm>
-            <a:off x="3472956" y="4249083"/>
-            <a:ext cx="940561" cy="384137"/>
-          </a:xfrm>
-          <a:prstGeom prst="rect">
-            <a:avLst/>
-          </a:prstGeom>
-          <a:solidFill>
-            <a:schemeClr val="accent5">
-              <a:lumMod val="20000"/>
-              <a:lumOff val="80000"/>
-            </a:schemeClr>
-          </a:solidFill>
-          <a:ln w="19050" cmpd="sng">
-            <a:solidFill>
-              <a:schemeClr val="tx1"/>
-            </a:solidFill>
-          </a:ln>
-        </p:spPr>
-        <p:style>
-          <a:lnRef idx="1">
-            <a:schemeClr val="accent1"/>
-          </a:lnRef>
-          <a:fillRef idx="3">
-            <a:schemeClr val="accent1"/>
-          </a:fillRef>
-          <a:effectRef idx="2">
-            <a:schemeClr val="accent1"/>
-          </a:effectRef>
-          <a:fontRef idx="minor">
-            <a:schemeClr val="lt1"/>
-          </a:fontRef>
-        </p:style>
-        <p:txBody>
-          <a:bodyPr rtlCol="0" anchor="ctr"/>
-          <a:lstStyle/>
-          <a:p>
-            <a:pPr algn="ctr"/>
-            <a:r>
-              <a:rPr lang="en-US" sz="1000" dirty="0" smtClean="0">
-                <a:solidFill>
-                  <a:schemeClr val="tx1"/>
-                </a:solidFill>
-                <a:latin typeface="Helvetica"/>
-                <a:cs typeface="Helvetica"/>
-              </a:rPr>
-              <a:t>downstream</a:t>
-            </a:r>
-            <a:endParaRPr lang="en-US" sz="1000" dirty="0">
-              <a:solidFill>
-                <a:schemeClr val="tx1"/>
-              </a:solidFill>
-              <a:latin typeface="Helvetica"/>
-              <a:cs typeface="Helvetica"/>
-            </a:endParaRPr>
-          </a:p>
-        </p:txBody>
-      </p:sp>
-      <p:cxnSp>
-        <p:nvCxnSpPr>
-          <p:cNvPr id="13" name="Straight Arrow Connector 12"/>
-          <p:cNvCxnSpPr>
-            <a:stCxn id="4" idx="3"/>
-            <a:endCxn id="129" idx="1"/>
-          </p:cNvCxnSpPr>
-          <p:nvPr/>
-        </p:nvCxnSpPr>
-        <p:spPr>
-          <a:xfrm flipV="1">
-            <a:off x="4413517" y="988157"/>
-            <a:ext cx="1357215" cy="1560077"/>
-          </a:xfrm>
-          <a:prstGeom prst="straightConnector1">
-            <a:avLst/>
-          </a:prstGeom>
-          <a:noFill/>
-          <a:ln w="19050" cmpd="sng">
-            <a:solidFill>
-              <a:schemeClr val="tx1"/>
-            </a:solidFill>
-            <a:headEnd type="arrow"/>
-            <a:tailEnd type="arrow"/>
-          </a:ln>
-        </p:spPr>
-        <p:style>
-          <a:lnRef idx="1">
-            <a:schemeClr val="accent1"/>
-          </a:lnRef>
-          <a:fillRef idx="3">
-            <a:schemeClr val="accent1"/>
-          </a:fillRef>
-          <a:effectRef idx="2">
-            <a:schemeClr val="accent1"/>
-          </a:effectRef>
-          <a:fontRef idx="minor">
-            <a:schemeClr val="lt1"/>
-          </a:fontRef>
-        </p:style>
-      </p:cxnSp>
-      <p:cxnSp>
-        <p:nvCxnSpPr>
-          <p:cNvPr id="15" name="Straight Arrow Connector 14"/>
-          <p:cNvCxnSpPr>
-            <a:stCxn id="5" idx="3"/>
-            <a:endCxn id="132" idx="1"/>
-          </p:cNvCxnSpPr>
-          <p:nvPr/>
-        </p:nvCxnSpPr>
-        <p:spPr>
-          <a:xfrm flipV="1">
-            <a:off x="4413517" y="2441620"/>
-            <a:ext cx="1357215" cy="622747"/>
-          </a:xfrm>
-          <a:prstGeom prst="straightConnector1">
-            <a:avLst/>
-          </a:prstGeom>
-          <a:noFill/>
-          <a:ln w="19050" cmpd="sng">
-            <a:solidFill>
-              <a:schemeClr val="tx1"/>
-            </a:solidFill>
-            <a:headEnd type="arrow"/>
-            <a:tailEnd type="arrow"/>
-          </a:ln>
-        </p:spPr>
-        <p:style>
-          <a:lnRef idx="1">
-            <a:schemeClr val="accent1"/>
-          </a:lnRef>
-          <a:fillRef idx="3">
-            <a:schemeClr val="accent1"/>
-          </a:fillRef>
-          <a:effectRef idx="2">
-            <a:schemeClr val="accent1"/>
-          </a:effectRef>
-          <a:fontRef idx="minor">
-            <a:schemeClr val="lt1"/>
-          </a:fontRef>
-        </p:style>
-      </p:cxnSp>
-      <p:cxnSp>
-        <p:nvCxnSpPr>
-          <p:cNvPr id="20" name="Straight Arrow Connector 19"/>
-          <p:cNvCxnSpPr>
-            <a:stCxn id="6" idx="3"/>
-            <a:endCxn id="122" idx="1"/>
-          </p:cNvCxnSpPr>
-          <p:nvPr/>
-        </p:nvCxnSpPr>
-        <p:spPr>
-          <a:xfrm>
-            <a:off x="4413517" y="3925019"/>
-            <a:ext cx="1362002" cy="493047"/>
-          </a:xfrm>
-          <a:prstGeom prst="straightConnector1">
-            <a:avLst/>
-          </a:prstGeom>
-          <a:noFill/>
-          <a:ln w="19050" cmpd="sng">
-            <a:solidFill>
-              <a:schemeClr val="tx1"/>
-            </a:solidFill>
-            <a:headEnd type="arrow"/>
-            <a:tailEnd type="arrow"/>
-          </a:ln>
-        </p:spPr>
-        <p:style>
-          <a:lnRef idx="1">
-            <a:schemeClr val="accent1"/>
-          </a:lnRef>
-          <a:fillRef idx="3">
-            <a:schemeClr val="accent1"/>
-          </a:fillRef>
-          <a:effectRef idx="2">
-            <a:schemeClr val="accent1"/>
-          </a:effectRef>
-          <a:fontRef idx="minor">
-            <a:schemeClr val="lt1"/>
-          </a:fontRef>
-        </p:style>
-      </p:cxnSp>
-      <p:cxnSp>
-        <p:nvCxnSpPr>
-          <p:cNvPr id="23" name="Straight Arrow Connector 22"/>
-          <p:cNvCxnSpPr>
-            <a:stCxn id="7" idx="3"/>
-            <a:endCxn id="116" idx="1"/>
-          </p:cNvCxnSpPr>
-          <p:nvPr/>
-        </p:nvCxnSpPr>
-        <p:spPr>
-          <a:xfrm>
-            <a:off x="4413517" y="4441152"/>
-            <a:ext cx="1362002" cy="1430377"/>
-          </a:xfrm>
-          <a:prstGeom prst="straightConnector1">
-            <a:avLst/>
-          </a:prstGeom>
-          <a:noFill/>
-          <a:ln w="19050" cmpd="sng">
-            <a:solidFill>
-              <a:schemeClr val="tx1"/>
-            </a:solidFill>
-            <a:headEnd type="arrow"/>
-            <a:tailEnd type="arrow"/>
-          </a:ln>
-        </p:spPr>
-        <p:style>
-          <a:lnRef idx="1">
-            <a:schemeClr val="accent1"/>
-          </a:lnRef>
-          <a:fillRef idx="3">
-            <a:schemeClr val="accent1"/>
-          </a:fillRef>
-          <a:effectRef idx="2">
-            <a:schemeClr val="accent1"/>
-          </a:effectRef>
-          <a:fontRef idx="minor">
-            <a:schemeClr val="lt1"/>
-          </a:fontRef>
-        </p:style>
-      </p:cxnSp>
-      <p:cxnSp>
-        <p:nvCxnSpPr>
-          <p:cNvPr id="26" name="Straight Arrow Connector 25"/>
-          <p:cNvCxnSpPr>
-            <a:stCxn id="3" idx="3"/>
-            <a:endCxn id="4" idx="1"/>
-          </p:cNvCxnSpPr>
-          <p:nvPr/>
-        </p:nvCxnSpPr>
-        <p:spPr>
-          <a:xfrm flipV="1">
-            <a:off x="3013405" y="2548234"/>
-            <a:ext cx="459551" cy="944883"/>
-          </a:xfrm>
-          <a:prstGeom prst="straightConnector1">
-            <a:avLst/>
-          </a:prstGeom>
-          <a:noFill/>
-          <a:ln w="19050" cmpd="sng">
-            <a:solidFill>
-              <a:schemeClr val="tx1"/>
-            </a:solidFill>
-            <a:headEnd type="arrow"/>
-            <a:tailEnd type="arrow"/>
-          </a:ln>
-        </p:spPr>
-        <p:style>
-          <a:lnRef idx="1">
-            <a:schemeClr val="accent1"/>
-          </a:lnRef>
-          <a:fillRef idx="3">
-            <a:schemeClr val="accent1"/>
-          </a:fillRef>
-          <a:effectRef idx="2">
-            <a:schemeClr val="accent1"/>
-          </a:effectRef>
-          <a:fontRef idx="minor">
-            <a:schemeClr val="lt1"/>
-          </a:fontRef>
-        </p:style>
-      </p:cxnSp>
-      <p:cxnSp>
-        <p:nvCxnSpPr>
-          <p:cNvPr id="29" name="Straight Arrow Connector 28"/>
-          <p:cNvCxnSpPr>
-            <a:stCxn id="3" idx="3"/>
-            <a:endCxn id="5" idx="1"/>
-          </p:cNvCxnSpPr>
-          <p:nvPr/>
-        </p:nvCxnSpPr>
-        <p:spPr>
-          <a:xfrm flipV="1">
-            <a:off x="3013405" y="3064367"/>
-            <a:ext cx="459551" cy="428750"/>
-          </a:xfrm>
-          <a:prstGeom prst="straightConnector1">
-            <a:avLst/>
-          </a:prstGeom>
-          <a:noFill/>
-          <a:ln w="19050" cmpd="sng">
-            <a:solidFill>
-              <a:schemeClr val="tx1"/>
-            </a:solidFill>
-            <a:headEnd type="arrow"/>
-            <a:tailEnd type="arrow"/>
-          </a:ln>
-        </p:spPr>
-        <p:style>
-          <a:lnRef idx="1">
-            <a:schemeClr val="accent1"/>
-          </a:lnRef>
-          <a:fillRef idx="3">
-            <a:schemeClr val="accent1"/>
-          </a:fillRef>
-          <a:effectRef idx="2">
-            <a:schemeClr val="accent1"/>
-          </a:effectRef>
-          <a:fontRef idx="minor">
-            <a:schemeClr val="lt1"/>
-          </a:fontRef>
-        </p:style>
-      </p:cxnSp>
-      <p:cxnSp>
-        <p:nvCxnSpPr>
-          <p:cNvPr id="32" name="Straight Arrow Connector 31"/>
-          <p:cNvCxnSpPr>
-            <a:stCxn id="3" idx="3"/>
-            <a:endCxn id="6" idx="1"/>
-          </p:cNvCxnSpPr>
-          <p:nvPr/>
-        </p:nvCxnSpPr>
-        <p:spPr>
-          <a:xfrm>
-            <a:off x="3013405" y="3493117"/>
-            <a:ext cx="459551" cy="431902"/>
-          </a:xfrm>
-          <a:prstGeom prst="straightConnector1">
-            <a:avLst/>
-          </a:prstGeom>
-          <a:noFill/>
-          <a:ln w="19050" cmpd="sng">
-            <a:solidFill>
-              <a:schemeClr val="tx1"/>
-            </a:solidFill>
-            <a:headEnd type="arrow"/>
-            <a:tailEnd type="arrow"/>
-          </a:ln>
-        </p:spPr>
-        <p:style>
-          <a:lnRef idx="1">
-            <a:schemeClr val="accent1"/>
-          </a:lnRef>
-          <a:fillRef idx="3">
-            <a:schemeClr val="accent1"/>
-          </a:fillRef>
-          <a:effectRef idx="2">
-            <a:schemeClr val="accent1"/>
-          </a:effectRef>
-          <a:fontRef idx="minor">
-            <a:schemeClr val="lt1"/>
-          </a:fontRef>
-        </p:style>
-      </p:cxnSp>
-      <p:cxnSp>
-        <p:nvCxnSpPr>
-          <p:cNvPr id="35" name="Straight Arrow Connector 34"/>
-          <p:cNvCxnSpPr>
-            <a:stCxn id="3" idx="3"/>
-            <a:endCxn id="7" idx="1"/>
-          </p:cNvCxnSpPr>
-          <p:nvPr/>
-        </p:nvCxnSpPr>
-        <p:spPr>
-          <a:xfrm>
-            <a:off x="3013405" y="3493117"/>
-            <a:ext cx="459551" cy="948035"/>
-          </a:xfrm>
-          <a:prstGeom prst="straightConnector1">
-            <a:avLst/>
-          </a:prstGeom>
-          <a:noFill/>
-          <a:ln w="19050" cmpd="sng">
-            <a:solidFill>
-              <a:schemeClr val="tx1"/>
-            </a:solidFill>
-            <a:headEnd type="arrow"/>
-            <a:tailEnd type="arrow"/>
-          </a:ln>
-        </p:spPr>
-        <p:style>
-          <a:lnRef idx="1">
-            <a:schemeClr val="accent1"/>
-          </a:lnRef>
-          <a:fillRef idx="3">
-            <a:schemeClr val="accent1"/>
-          </a:fillRef>
-          <a:effectRef idx="2">
-            <a:schemeClr val="accent1"/>
-          </a:effectRef>
-          <a:fontRef idx="minor">
-            <a:schemeClr val="lt1"/>
-          </a:fontRef>
-        </p:style>
-      </p:cxnSp>
-      <p:cxnSp>
-        <p:nvCxnSpPr>
-          <p:cNvPr id="38" name="Straight Arrow Connector 37"/>
-          <p:cNvCxnSpPr>
-            <a:stCxn id="2" idx="3"/>
-            <a:endCxn id="3" idx="1"/>
-          </p:cNvCxnSpPr>
-          <p:nvPr/>
-        </p:nvCxnSpPr>
-        <p:spPr>
-          <a:xfrm>
-            <a:off x="1844185" y="3491561"/>
-            <a:ext cx="370096" cy="1556"/>
-          </a:xfrm>
-          <a:prstGeom prst="straightConnector1">
-            <a:avLst/>
-          </a:prstGeom>
-          <a:noFill/>
-          <a:ln w="19050" cmpd="sng">
-            <a:solidFill>
-              <a:schemeClr val="tx1"/>
-            </a:solidFill>
-            <a:headEnd type="arrow"/>
-            <a:tailEnd type="arrow"/>
-          </a:ln>
-        </p:spPr>
-        <p:style>
-          <a:lnRef idx="1">
-            <a:schemeClr val="accent1"/>
-          </a:lnRef>
-          <a:fillRef idx="3">
-            <a:schemeClr val="accent1"/>
-          </a:fillRef>
-          <a:effectRef idx="2">
-            <a:schemeClr val="accent1"/>
-          </a:effectRef>
-          <a:fontRef idx="minor">
-            <a:schemeClr val="lt1"/>
-          </a:fontRef>
-        </p:style>
-      </p:cxnSp>
-      <p:cxnSp>
-        <p:nvCxnSpPr>
-          <p:cNvPr id="51" name="Straight Arrow Connector 50"/>
-          <p:cNvCxnSpPr>
-            <a:stCxn id="73" idx="3"/>
-            <a:endCxn id="2" idx="1"/>
-          </p:cNvCxnSpPr>
-          <p:nvPr/>
-        </p:nvCxnSpPr>
-        <p:spPr>
-          <a:xfrm>
-            <a:off x="616035" y="3491561"/>
-            <a:ext cx="501637" cy="0"/>
-          </a:xfrm>
-          <a:prstGeom prst="straightConnector1">
-            <a:avLst/>
-          </a:prstGeom>
-          <a:noFill/>
-          <a:ln w="19050" cmpd="sng">
-            <a:solidFill>
-              <a:schemeClr val="tx1"/>
-            </a:solidFill>
-            <a:headEnd type="arrow"/>
-            <a:tailEnd type="arrow"/>
-          </a:ln>
-        </p:spPr>
-        <p:style>
-          <a:lnRef idx="1">
-            <a:schemeClr val="accent1"/>
-          </a:lnRef>
-          <a:fillRef idx="3">
-            <a:schemeClr val="accent1"/>
-          </a:fillRef>
-          <a:effectRef idx="2">
-            <a:schemeClr val="accent1"/>
-          </a:effectRef>
-          <a:fontRef idx="minor">
-            <a:schemeClr val="lt1"/>
-          </a:fontRef>
-        </p:style>
-      </p:cxnSp>
-      <p:sp>
-        <p:nvSpPr>
-          <p:cNvPr id="73" name="Rectangle 72"/>
-          <p:cNvSpPr/>
-          <p:nvPr/>
-        </p:nvSpPr>
-        <p:spPr>
-          <a:xfrm>
-            <a:off x="67139" y="3299492"/>
-            <a:ext cx="548896" cy="384137"/>
-          </a:xfrm>
-          <a:prstGeom prst="rect">
-            <a:avLst/>
-          </a:prstGeom>
-          <a:noFill/>
-          <a:ln w="19050" cmpd="sng">
-            <a:solidFill>
-              <a:schemeClr val="tx1"/>
-            </a:solidFill>
-          </a:ln>
-        </p:spPr>
-        <p:style>
-          <a:lnRef idx="1">
-            <a:schemeClr val="accent1"/>
-          </a:lnRef>
-          <a:fillRef idx="3">
-            <a:schemeClr val="accent1"/>
-          </a:fillRef>
-          <a:effectRef idx="2">
-            <a:schemeClr val="accent1"/>
-          </a:effectRef>
-          <a:fontRef idx="minor">
-            <a:schemeClr val="lt1"/>
-          </a:fontRef>
-        </p:style>
-        <p:txBody>
-          <a:bodyPr rtlCol="0" anchor="ctr"/>
-          <a:lstStyle/>
-          <a:p>
-            <a:pPr algn="ctr"/>
-            <a:r>
-              <a:rPr lang="en-US" sz="1000" dirty="0" smtClean="0">
-                <a:solidFill>
-                  <a:schemeClr val="tx1"/>
-                </a:solidFill>
-                <a:latin typeface="Helvetica"/>
-                <a:cs typeface="Helvetica"/>
-              </a:rPr>
-              <a:t>client</a:t>
-            </a:r>
-            <a:endParaRPr lang="en-US" sz="1000" dirty="0">
-              <a:solidFill>
-                <a:schemeClr val="tx1"/>
-              </a:solidFill>
-              <a:latin typeface="Helvetica"/>
-              <a:cs typeface="Helvetica"/>
-            </a:endParaRPr>
-          </a:p>
-        </p:txBody>
-      </p:sp>
-      <p:sp>
-        <p:nvSpPr>
-          <p:cNvPr id="80" name="Rectangle 79"/>
-          <p:cNvSpPr/>
-          <p:nvPr/>
-        </p:nvSpPr>
-        <p:spPr>
-          <a:xfrm>
-            <a:off x="903624" y="1925280"/>
-            <a:ext cx="3753279" cy="2870802"/>
-          </a:xfrm>
-          <a:prstGeom prst="rect">
-            <a:avLst/>
-          </a:prstGeom>
-          <a:noFill/>
-          <a:ln w="19050" cmpd="sng">
-            <a:solidFill>
-              <a:schemeClr val="tx1"/>
-            </a:solidFill>
-          </a:ln>
-        </p:spPr>
-        <p:style>
-          <a:lnRef idx="1">
-            <a:schemeClr val="accent1"/>
-          </a:lnRef>
-          <a:fillRef idx="3">
-            <a:schemeClr val="accent1"/>
-          </a:fillRef>
-          <a:effectRef idx="2">
-            <a:schemeClr val="accent1"/>
-          </a:effectRef>
-          <a:fontRef idx="minor">
-            <a:schemeClr val="lt1"/>
-          </a:fontRef>
-        </p:style>
-        <p:txBody>
-          <a:bodyPr rtlCol="0" anchor="t" anchorCtr="0"/>
-          <a:lstStyle/>
-          <a:p>
-            <a:pPr algn="ctr"/>
-            <a:r>
-              <a:rPr lang="en-US" sz="1000" dirty="0" smtClean="0">
-                <a:solidFill>
-                  <a:schemeClr val="tx1"/>
-                </a:solidFill>
-                <a:latin typeface="Helvetica"/>
-                <a:cs typeface="Helvetica"/>
-              </a:rPr>
-              <a:t>Content Switching Load Balancer</a:t>
-            </a:r>
-          </a:p>
-          <a:p>
-            <a:pPr algn="ctr"/>
-            <a:r>
-              <a:rPr lang="en-US" sz="1000" dirty="0" smtClean="0">
-                <a:solidFill>
-                  <a:schemeClr val="tx1"/>
-                </a:solidFill>
-                <a:latin typeface="Helvetica"/>
-                <a:cs typeface="Helvetica"/>
-              </a:rPr>
-              <a:t>(</a:t>
-            </a:r>
-            <a:r>
-              <a:rPr lang="en-US" sz="1000" dirty="0" err="1" smtClean="0">
-                <a:solidFill>
-                  <a:schemeClr val="tx1"/>
-                </a:solidFill>
-                <a:latin typeface="Helvetica"/>
-                <a:cs typeface="Helvetica"/>
-              </a:rPr>
-              <a:t>Docker</a:t>
-            </a:r>
-            <a:r>
-              <a:rPr lang="en-US" sz="1000" dirty="0" smtClean="0">
-                <a:solidFill>
-                  <a:schemeClr val="tx1"/>
-                </a:solidFill>
-                <a:latin typeface="Helvetica"/>
-                <a:cs typeface="Helvetica"/>
-              </a:rPr>
-              <a:t> Container)</a:t>
-            </a:r>
-            <a:endParaRPr lang="en-US" sz="1000" dirty="0">
-              <a:solidFill>
-                <a:schemeClr val="tx1"/>
-              </a:solidFill>
-              <a:latin typeface="Helvetica"/>
-              <a:cs typeface="Helvetica"/>
-            </a:endParaRPr>
-          </a:p>
-        </p:txBody>
-      </p:sp>
-      <p:sp>
-        <p:nvSpPr>
-          <p:cNvPr id="46" name="Curved Right Arrow 45"/>
-          <p:cNvSpPr/>
-          <p:nvPr/>
-        </p:nvSpPr>
-        <p:spPr>
           <a:xfrm rot="10800000">
-            <a:off x="7509579" y="2090266"/>
-            <a:ext cx="841631" cy="2668022"/>
-          </a:xfrm>
-          <a:prstGeom prst="curvedRightArrow">
-            <a:avLst/>
+            <a:off x="1349991" y="1531567"/>
+            <a:ext cx="935999" cy="2196000"/>
+          </a:xfrm>
+          <a:prstGeom prst="circularArrow">
+            <a:avLst>
+              <a:gd name="adj1" fmla="val 12500"/>
+              <a:gd name="adj2" fmla="val 1142319"/>
+              <a:gd name="adj3" fmla="val 20457681"/>
+              <a:gd name="adj4" fmla="val 1198896"/>
+              <a:gd name="adj5" fmla="val 12500"/>
+            </a:avLst>
           </a:prstGeom>
           <a:noFill/>
           <a:ln w="19050" cmpd="sng">
@@ -6683,14 +5320,14 @@
       </p:sp>
       <p:sp>
         <p:nvSpPr>
-          <p:cNvPr id="96" name="Rectangle 95"/>
+          <p:cNvPr id="102" name="Rectangle 101"/>
           <p:cNvSpPr/>
           <p:nvPr/>
         </p:nvSpPr>
         <p:spPr>
           <a:xfrm>
-            <a:off x="8351210" y="3233440"/>
-            <a:ext cx="822647" cy="384137"/>
+            <a:off x="1294517" y="2345821"/>
+            <a:ext cx="991473" cy="426052"/>
           </a:xfrm>
           <a:prstGeom prst="rect">
             <a:avLst/>
@@ -6720,46 +5357,48 @@
           <a:p>
             <a:pPr algn="ctr"/>
             <a:r>
-              <a:rPr lang="en-US" sz="1000" dirty="0" smtClean="0">
+              <a:rPr lang="en-US" sz="1100" dirty="0" smtClean="0">
                 <a:solidFill>
                   <a:schemeClr val="tx1"/>
                 </a:solidFill>
                 <a:latin typeface="Helvetica"/>
                 <a:cs typeface="Helvetica"/>
               </a:rPr>
-              <a:t>Application</a:t>
+              <a:t>Accept </a:t>
             </a:r>
           </a:p>
           <a:p>
             <a:pPr algn="ctr"/>
             <a:r>
-              <a:rPr lang="en-US" sz="1000" dirty="0" smtClean="0">
+              <a:rPr lang="en-US" sz="1100" dirty="0" smtClean="0">
                 <a:solidFill>
                   <a:schemeClr val="tx1"/>
                 </a:solidFill>
                 <a:latin typeface="Helvetica"/>
                 <a:cs typeface="Helvetica"/>
               </a:rPr>
-              <a:t>Update</a:t>
-            </a:r>
-          </a:p>
-        </p:txBody>
-      </p:sp>
-      <p:sp>
-        <p:nvSpPr>
-          <p:cNvPr id="110" name="Rectangle 109"/>
+              <a:t>Loop</a:t>
+            </a:r>
+          </a:p>
+        </p:txBody>
+      </p:sp>
+      <p:sp>
+        <p:nvSpPr>
+          <p:cNvPr id="100" name="Rectangle 99"/>
           <p:cNvSpPr/>
           <p:nvPr/>
         </p:nvSpPr>
         <p:spPr>
           <a:xfrm>
-            <a:off x="1283992" y="5088913"/>
-            <a:ext cx="560193" cy="301100"/>
+            <a:off x="3239919" y="4235982"/>
+            <a:ext cx="1038844" cy="525103"/>
           </a:xfrm>
           <a:prstGeom prst="rect">
             <a:avLst/>
           </a:prstGeom>
-          <a:noFill/>
+          <a:solidFill>
+            <a:schemeClr val="accent3"/>
+          </a:solidFill>
           <a:ln w="19050" cmpd="sng">
             <a:solidFill>
               <a:schemeClr val="tx1"/>
@@ -6786,14 +5425,14 @@
           <a:p>
             <a:pPr algn="ctr"/>
             <a:r>
-              <a:rPr lang="en-US" sz="1000" dirty="0" err="1" smtClean="0">
+              <a:rPr lang="en-US" sz="1000" dirty="0">
                 <a:solidFill>
                   <a:schemeClr val="tx1"/>
                 </a:solidFill>
                 <a:latin typeface="Helvetica"/>
                 <a:cs typeface="Helvetica"/>
               </a:rPr>
-              <a:t>etcd</a:t>
+              <a:t>Routing</a:t>
             </a:r>
             <a:endParaRPr lang="en-US" sz="1000" dirty="0">
               <a:solidFill>
@@ -6805,65 +5444,28 @@
           </a:p>
         </p:txBody>
       </p:sp>
-      <p:cxnSp>
-        <p:nvCxnSpPr>
-          <p:cNvPr id="111" name="Straight Arrow Connector 110"/>
-          <p:cNvCxnSpPr>
-            <a:stCxn id="3" idx="2"/>
-            <a:endCxn id="110" idx="0"/>
-          </p:cNvCxnSpPr>
-          <p:nvPr/>
-        </p:nvCxnSpPr>
-        <p:spPr>
-          <a:xfrm rot="5400000">
-            <a:off x="1447388" y="3922458"/>
-            <a:ext cx="1283157" cy="1049753"/>
-          </a:xfrm>
-          <a:prstGeom prst="bentConnector3">
+      <p:sp>
+        <p:nvSpPr>
+          <p:cNvPr id="103" name="Circular Arrow 102"/>
+          <p:cNvSpPr/>
+          <p:nvPr/>
+        </p:nvSpPr>
+        <p:spPr>
+          <a:xfrm rot="10800000">
+            <a:off x="4842017" y="3598533"/>
+            <a:ext cx="792000" cy="1800000"/>
+          </a:xfrm>
+          <a:prstGeom prst="circularArrow">
             <a:avLst>
-              <a:gd name="adj1" fmla="val 50000"/>
+              <a:gd name="adj1" fmla="val 12500"/>
+              <a:gd name="adj2" fmla="val 1142319"/>
+              <a:gd name="adj3" fmla="val 20457681"/>
+              <a:gd name="adj4" fmla="val 1198896"/>
+              <a:gd name="adj5" fmla="val 12500"/>
             </a:avLst>
           </a:prstGeom>
-          <a:noFill/>
-          <a:ln w="19050" cmpd="sng">
-            <a:solidFill>
-              <a:schemeClr val="tx1"/>
-            </a:solidFill>
-            <a:headEnd type="arrow"/>
-            <a:tailEnd type="arrow"/>
-          </a:ln>
-        </p:spPr>
-        <p:style>
-          <a:lnRef idx="1">
-            <a:schemeClr val="accent1"/>
-          </a:lnRef>
-          <a:fillRef idx="3">
-            <a:schemeClr val="accent1"/>
-          </a:fillRef>
-          <a:effectRef idx="2">
-            <a:schemeClr val="accent1"/>
-          </a:effectRef>
-          <a:fontRef idx="minor">
-            <a:schemeClr val="lt1"/>
-          </a:fontRef>
-        </p:style>
-      </p:cxnSp>
-      <p:sp>
-        <p:nvSpPr>
-          <p:cNvPr id="116" name="Rectangle 115"/>
-          <p:cNvSpPr/>
-          <p:nvPr/>
-        </p:nvSpPr>
-        <p:spPr>
-          <a:xfrm>
-            <a:off x="5775519" y="5679460"/>
-            <a:ext cx="940561" cy="384137"/>
-          </a:xfrm>
-          <a:prstGeom prst="rect">
-            <a:avLst/>
-          </a:prstGeom>
           <a:solidFill>
-            <a:schemeClr val="accent2"/>
+            <a:schemeClr val="bg1"/>
           </a:solidFill>
           <a:ln w="19050" cmpd="sng">
             <a:solidFill>
@@ -6890,15 +5492,151 @@
           <a:lstStyle/>
           <a:p>
             <a:pPr algn="ctr"/>
-            <a:r>
-              <a:rPr lang="en-US" sz="1000" dirty="0" smtClean="0">
+            <a:endParaRPr lang="en-US" sz="1000" dirty="0" smtClean="0">
+              <a:solidFill>
+                <a:schemeClr val="tx1"/>
+              </a:solidFill>
+              <a:latin typeface="Helvetica"/>
+              <a:cs typeface="Helvetica"/>
+            </a:endParaRPr>
+          </a:p>
+        </p:txBody>
+      </p:sp>
+      <p:sp>
+        <p:nvSpPr>
+          <p:cNvPr id="105" name="Rectangle 104"/>
+          <p:cNvSpPr/>
+          <p:nvPr/>
+        </p:nvSpPr>
+        <p:spPr>
+          <a:xfrm>
+            <a:off x="4736217" y="4285507"/>
+            <a:ext cx="991473" cy="426052"/>
+          </a:xfrm>
+          <a:prstGeom prst="rect">
+            <a:avLst/>
+          </a:prstGeom>
+          <a:noFill/>
+          <a:ln w="19050" cmpd="sng">
+            <a:noFill/>
+          </a:ln>
+        </p:spPr>
+        <p:style>
+          <a:lnRef idx="1">
+            <a:schemeClr val="accent1"/>
+          </a:lnRef>
+          <a:fillRef idx="3">
+            <a:schemeClr val="accent1"/>
+          </a:fillRef>
+          <a:effectRef idx="2">
+            <a:schemeClr val="accent1"/>
+          </a:effectRef>
+          <a:fontRef idx="minor">
+            <a:schemeClr val="lt1"/>
+          </a:fontRef>
+        </p:style>
+        <p:txBody>
+          <a:bodyPr rtlCol="0" anchor="ctr"/>
+          <a:lstStyle/>
+          <a:p>
+            <a:pPr algn="ctr"/>
+            <a:r>
+              <a:rPr lang="en-US" sz="1100" dirty="0">
                 <a:solidFill>
                   <a:schemeClr val="tx1"/>
                 </a:solidFill>
                 <a:latin typeface="Helvetica"/>
                 <a:cs typeface="Helvetica"/>
               </a:rPr>
-              <a:t>1.0 Application</a:t>
+              <a:t>R</a:t>
+            </a:r>
+            <a:r>
+              <a:rPr lang="en-US" sz="1100" dirty="0" smtClean="0">
+                <a:solidFill>
+                  <a:schemeClr val="tx1"/>
+                </a:solidFill>
+                <a:latin typeface="Helvetica"/>
+                <a:cs typeface="Helvetica"/>
+              </a:rPr>
+              <a:t>ead</a:t>
+            </a:r>
+          </a:p>
+          <a:p>
+            <a:pPr algn="ctr"/>
+            <a:r>
+              <a:rPr lang="en-US" sz="1100" dirty="0" smtClean="0">
+                <a:solidFill>
+                  <a:schemeClr val="tx1"/>
+                </a:solidFill>
+                <a:latin typeface="Helvetica"/>
+                <a:cs typeface="Helvetica"/>
+              </a:rPr>
+              <a:t>Loop</a:t>
+            </a:r>
+          </a:p>
+        </p:txBody>
+      </p:sp>
+      <p:sp>
+        <p:nvSpPr>
+          <p:cNvPr id="106" name="Rectangle 105"/>
+          <p:cNvSpPr/>
+          <p:nvPr/>
+        </p:nvSpPr>
+        <p:spPr>
+          <a:xfrm>
+            <a:off x="6326019" y="4235982"/>
+            <a:ext cx="1038844" cy="525103"/>
+          </a:xfrm>
+          <a:prstGeom prst="rect">
+            <a:avLst/>
+          </a:prstGeom>
+          <a:solidFill>
+            <a:schemeClr val="accent3"/>
+          </a:solidFill>
+          <a:ln w="19050" cmpd="sng">
+            <a:solidFill>
+              <a:schemeClr val="tx1"/>
+            </a:solidFill>
+          </a:ln>
+        </p:spPr>
+        <p:style>
+          <a:lnRef idx="1">
+            <a:schemeClr val="accent1"/>
+          </a:lnRef>
+          <a:fillRef idx="3">
+            <a:schemeClr val="accent1"/>
+          </a:fillRef>
+          <a:effectRef idx="2">
+            <a:schemeClr val="accent1"/>
+          </a:effectRef>
+          <a:fontRef idx="minor">
+            <a:schemeClr val="lt1"/>
+          </a:fontRef>
+        </p:style>
+        <p:txBody>
+          <a:bodyPr rtlCol="0" anchor="ctr"/>
+          <a:lstStyle/>
+          <a:p>
+            <a:pPr algn="ctr"/>
+            <a:r>
+              <a:rPr lang="en-US" sz="1000" dirty="0">
+                <a:solidFill>
+                  <a:schemeClr val="tx1"/>
+                </a:solidFill>
+                <a:latin typeface="Helvetica"/>
+                <a:cs typeface="Helvetica"/>
+              </a:rPr>
+              <a:t>W</a:t>
+            </a:r>
+            <a:r>
+              <a:rPr lang="en-US" sz="1000" dirty="0">
+                <a:solidFill>
+                  <a:schemeClr val="tx1"/>
+                </a:solidFill>
+                <a:latin typeface="Helvetica"/>
+                <a:cs typeface="Helvetica"/>
+              </a:rPr>
+              <a:t>rite</a:t>
             </a:r>
             <a:endParaRPr lang="en-US" sz="1000" dirty="0">
               <a:solidFill>
@@ -6910,205 +5648,501 @@
           </a:p>
         </p:txBody>
       </p:sp>
-      <p:sp>
-        <p:nvSpPr>
-          <p:cNvPr id="122" name="Rectangle 121"/>
+      <p:cxnSp>
+        <p:nvCxnSpPr>
+          <p:cNvPr id="107" name="Straight Arrow Connector 106"/>
+          <p:cNvCxnSpPr>
+            <a:cxnSpLocks/>
+          </p:cNvCxnSpPr>
+          <p:nvPr/>
+        </p:nvCxnSpPr>
+        <p:spPr>
+          <a:xfrm flipV="1">
+            <a:off x="5669245" y="4494135"/>
+            <a:ext cx="462480" cy="8797"/>
+          </a:xfrm>
+          <a:prstGeom prst="straightConnector1">
+            <a:avLst/>
+          </a:prstGeom>
+          <a:ln w="19050" cmpd="sng">
+            <a:tailEnd type="arrow"/>
+          </a:ln>
+        </p:spPr>
+        <p:style>
+          <a:lnRef idx="2">
+            <a:schemeClr val="dk1"/>
+          </a:lnRef>
+          <a:fillRef idx="0">
+            <a:schemeClr val="dk1"/>
+          </a:fillRef>
+          <a:effectRef idx="1">
+            <a:schemeClr val="dk1"/>
+          </a:effectRef>
+          <a:fontRef idx="minor">
+            <a:schemeClr val="tx1"/>
+          </a:fontRef>
+        </p:style>
+      </p:cxnSp>
+      <p:cxnSp>
+        <p:nvCxnSpPr>
+          <p:cNvPr id="108" name="Straight Arrow Connector 107"/>
+          <p:cNvCxnSpPr>
+            <a:cxnSpLocks/>
+          </p:cNvCxnSpPr>
+          <p:nvPr/>
+        </p:nvCxnSpPr>
+        <p:spPr>
+          <a:xfrm flipV="1">
+            <a:off x="4381782" y="4494135"/>
+            <a:ext cx="462480" cy="8797"/>
+          </a:xfrm>
+          <a:prstGeom prst="straightConnector1">
+            <a:avLst/>
+          </a:prstGeom>
+          <a:ln w="19050" cmpd="sng">
+            <a:tailEnd type="arrow"/>
+          </a:ln>
+        </p:spPr>
+        <p:style>
+          <a:lnRef idx="2">
+            <a:schemeClr val="dk1"/>
+          </a:lnRef>
+          <a:fillRef idx="0">
+            <a:schemeClr val="dk1"/>
+          </a:fillRef>
+          <a:effectRef idx="1">
+            <a:schemeClr val="dk1"/>
+          </a:effectRef>
+          <a:fontRef idx="minor">
+            <a:schemeClr val="tx1"/>
+          </a:fontRef>
+        </p:style>
+      </p:cxnSp>
+      <p:grpSp>
+        <p:nvGrpSpPr>
+          <p:cNvPr id="2" name="Group 1"/>
+          <p:cNvGrpSpPr/>
+          <p:nvPr/>
+        </p:nvGrpSpPr>
+        <p:grpSpPr>
+          <a:xfrm>
+            <a:off x="7634570" y="3879896"/>
+            <a:ext cx="900000" cy="805475"/>
+            <a:chOff x="7634570" y="3873969"/>
+            <a:chExt cx="900000" cy="805475"/>
+          </a:xfrm>
+        </p:grpSpPr>
+        <p:sp>
+          <p:nvSpPr>
+            <p:cNvPr id="167" name="Rectangle 166"/>
+            <p:cNvSpPr/>
+            <p:nvPr/>
+          </p:nvSpPr>
+          <p:spPr>
+            <a:xfrm>
+              <a:off x="7662470" y="3873969"/>
+              <a:ext cx="693384" cy="311676"/>
+            </a:xfrm>
+            <a:prstGeom prst="rect">
+              <a:avLst/>
+            </a:prstGeom>
+            <a:noFill/>
+            <a:ln w="19050" cmpd="sng">
+              <a:noFill/>
+            </a:ln>
+          </p:spPr>
+          <p:style>
+            <a:lnRef idx="1">
+              <a:schemeClr val="accent1"/>
+            </a:lnRef>
+            <a:fillRef idx="3">
+              <a:schemeClr val="accent1"/>
+            </a:fillRef>
+            <a:effectRef idx="2">
+              <a:schemeClr val="accent1"/>
+            </a:effectRef>
+            <a:fontRef idx="minor">
+              <a:schemeClr val="lt1"/>
+            </a:fontRef>
+          </p:style>
+          <p:txBody>
+            <a:bodyPr rtlCol="0" anchor="ctr"/>
+            <a:lstStyle/>
+            <a:p>
+              <a:pPr algn="r"/>
+              <a:r>
+                <a:rPr lang="en-US" sz="1100" dirty="0" smtClean="0">
+                  <a:solidFill>
+                    <a:schemeClr val="tx1"/>
+                  </a:solidFill>
+                  <a:latin typeface="Helvetica"/>
+                  <a:cs typeface="Helvetica"/>
+                </a:rPr>
+                <a:t>Read</a:t>
+              </a:r>
+            </a:p>
+          </p:txBody>
+        </p:sp>
+        <p:cxnSp>
+          <p:nvCxnSpPr>
+            <p:cNvPr id="168" name="Straight Arrow Connector 167"/>
+            <p:cNvCxnSpPr>
+              <a:cxnSpLocks/>
+            </p:cNvCxnSpPr>
+            <p:nvPr/>
+          </p:nvCxnSpPr>
+          <p:spPr>
+            <a:xfrm flipV="1">
+              <a:off x="7634570" y="4679443"/>
+              <a:ext cx="900000" cy="1"/>
+            </a:xfrm>
+            <a:prstGeom prst="straightConnector1">
+              <a:avLst/>
+            </a:prstGeom>
+            <a:ln w="19050" cmpd="sng">
+              <a:headEnd type="arrow"/>
+              <a:tailEnd type="none"/>
+            </a:ln>
+          </p:spPr>
+          <p:style>
+            <a:lnRef idx="2">
+              <a:schemeClr val="dk1"/>
+            </a:lnRef>
+            <a:fillRef idx="0">
+              <a:schemeClr val="dk1"/>
+            </a:fillRef>
+            <a:effectRef idx="1">
+              <a:schemeClr val="dk1"/>
+            </a:effectRef>
+            <a:fontRef idx="minor">
+              <a:schemeClr val="tx1"/>
+            </a:fontRef>
+          </p:style>
+        </p:cxnSp>
+        <p:cxnSp>
+          <p:nvCxnSpPr>
+            <p:cNvPr id="110" name="Straight Arrow Connector 109"/>
+            <p:cNvCxnSpPr>
+              <a:cxnSpLocks/>
+            </p:cNvCxnSpPr>
+            <p:nvPr/>
+          </p:nvCxnSpPr>
+          <p:spPr>
+            <a:xfrm>
+              <a:off x="7634570" y="4220873"/>
+              <a:ext cx="900000" cy="1"/>
+            </a:xfrm>
+            <a:prstGeom prst="straightConnector1">
+              <a:avLst/>
+            </a:prstGeom>
+            <a:ln w="19050" cmpd="sng">
+              <a:tailEnd type="arrow"/>
+            </a:ln>
+          </p:spPr>
+          <p:style>
+            <a:lnRef idx="2">
+              <a:schemeClr val="dk1"/>
+            </a:lnRef>
+            <a:fillRef idx="0">
+              <a:schemeClr val="dk1"/>
+            </a:fillRef>
+            <a:effectRef idx="1">
+              <a:schemeClr val="dk1"/>
+            </a:effectRef>
+            <a:fontRef idx="minor">
+              <a:schemeClr val="tx1"/>
+            </a:fontRef>
+          </p:style>
+        </p:cxnSp>
+        <p:sp>
+          <p:nvSpPr>
+            <p:cNvPr id="111" name="Rectangle 110"/>
+            <p:cNvSpPr/>
+            <p:nvPr/>
+          </p:nvSpPr>
+          <p:spPr>
+            <a:xfrm>
+              <a:off x="7662470" y="4355067"/>
+              <a:ext cx="693384" cy="311676"/>
+            </a:xfrm>
+            <a:prstGeom prst="rect">
+              <a:avLst/>
+            </a:prstGeom>
+            <a:noFill/>
+            <a:ln w="19050" cmpd="sng">
+              <a:noFill/>
+            </a:ln>
+          </p:spPr>
+          <p:style>
+            <a:lnRef idx="1">
+              <a:schemeClr val="accent1"/>
+            </a:lnRef>
+            <a:fillRef idx="3">
+              <a:schemeClr val="accent1"/>
+            </a:fillRef>
+            <a:effectRef idx="2">
+              <a:schemeClr val="accent1"/>
+            </a:effectRef>
+            <a:fontRef idx="minor">
+              <a:schemeClr val="lt1"/>
+            </a:fontRef>
+          </p:style>
+          <p:txBody>
+            <a:bodyPr rtlCol="0" anchor="ctr"/>
+            <a:lstStyle/>
+            <a:p>
+              <a:pPr algn="r"/>
+              <a:r>
+                <a:rPr lang="en-US" sz="1100" dirty="0" smtClean="0">
+                  <a:solidFill>
+                    <a:schemeClr val="tx1"/>
+                  </a:solidFill>
+                  <a:latin typeface="Helvetica"/>
+                  <a:cs typeface="Helvetica"/>
+                </a:rPr>
+                <a:t>Write</a:t>
+              </a:r>
+            </a:p>
+          </p:txBody>
+        </p:sp>
+      </p:grpSp>
+      <p:cxnSp>
+        <p:nvCxnSpPr>
+          <p:cNvPr id="12" name="Elbow Connector 11"/>
+          <p:cNvCxnSpPr/>
+          <p:nvPr/>
+        </p:nvCxnSpPr>
+        <p:spPr>
+          <a:xfrm>
+            <a:off x="2311400" y="2853110"/>
+            <a:ext cx="720000" cy="720000"/>
+          </a:xfrm>
+          <a:prstGeom prst="bentConnector3">
+            <a:avLst/>
+          </a:prstGeom>
+          <a:ln>
+            <a:tailEnd type="arrow"/>
+          </a:ln>
+        </p:spPr>
+        <p:style>
+          <a:lnRef idx="2">
+            <a:schemeClr val="dk1"/>
+          </a:lnRef>
+          <a:fillRef idx="0">
+            <a:schemeClr val="dk1"/>
+          </a:fillRef>
+          <a:effectRef idx="1">
+            <a:schemeClr val="dk1"/>
+          </a:effectRef>
+          <a:fontRef idx="minor">
+            <a:schemeClr val="tx1"/>
+          </a:fontRef>
+        </p:style>
+      </p:cxnSp>
+      <p:grpSp>
+        <p:nvGrpSpPr>
+          <p:cNvPr id="4" name="Group 3"/>
+          <p:cNvGrpSpPr/>
+          <p:nvPr/>
+        </p:nvGrpSpPr>
+        <p:grpSpPr>
+          <a:xfrm>
+            <a:off x="645320" y="3879896"/>
+            <a:ext cx="2210800" cy="805475"/>
+            <a:chOff x="645320" y="3888692"/>
+            <a:chExt cx="2210800" cy="805475"/>
+          </a:xfrm>
+        </p:grpSpPr>
+        <p:sp>
+          <p:nvSpPr>
+            <p:cNvPr id="112" name="Rectangle 111"/>
+            <p:cNvSpPr/>
+            <p:nvPr/>
+          </p:nvSpPr>
+          <p:spPr>
+            <a:xfrm>
+              <a:off x="1219320" y="3888692"/>
+              <a:ext cx="693384" cy="311676"/>
+            </a:xfrm>
+            <a:prstGeom prst="rect">
+              <a:avLst/>
+            </a:prstGeom>
+            <a:noFill/>
+            <a:ln w="19050" cmpd="sng">
+              <a:noFill/>
+            </a:ln>
+          </p:spPr>
+          <p:style>
+            <a:lnRef idx="1">
+              <a:schemeClr val="accent1"/>
+            </a:lnRef>
+            <a:fillRef idx="3">
+              <a:schemeClr val="accent1"/>
+            </a:fillRef>
+            <a:effectRef idx="2">
+              <a:schemeClr val="accent1"/>
+            </a:effectRef>
+            <a:fontRef idx="minor">
+              <a:schemeClr val="lt1"/>
+            </a:fontRef>
+          </p:style>
+          <p:txBody>
+            <a:bodyPr rtlCol="0" anchor="ctr"/>
+            <a:lstStyle/>
+            <a:p>
+              <a:pPr algn="r"/>
+              <a:r>
+                <a:rPr lang="en-US" sz="1100" dirty="0" smtClean="0">
+                  <a:solidFill>
+                    <a:schemeClr val="tx1"/>
+                  </a:solidFill>
+                  <a:latin typeface="Helvetica"/>
+                  <a:cs typeface="Helvetica"/>
+                </a:rPr>
+                <a:t>Write</a:t>
+              </a:r>
+            </a:p>
+          </p:txBody>
+        </p:sp>
+        <p:cxnSp>
+          <p:nvCxnSpPr>
+            <p:cNvPr id="113" name="Straight Arrow Connector 112"/>
+            <p:cNvCxnSpPr>
+              <a:cxnSpLocks/>
+            </p:cNvCxnSpPr>
+            <p:nvPr/>
+          </p:nvCxnSpPr>
+          <p:spPr>
+            <a:xfrm flipV="1">
+              <a:off x="645320" y="4694166"/>
+              <a:ext cx="2160000" cy="1"/>
+            </a:xfrm>
+            <a:prstGeom prst="straightConnector1">
+              <a:avLst/>
+            </a:prstGeom>
+            <a:ln w="19050" cmpd="sng">
+              <a:headEnd type="arrow"/>
+              <a:tailEnd type="none"/>
+            </a:ln>
+          </p:spPr>
+          <p:style>
+            <a:lnRef idx="2">
+              <a:schemeClr val="dk1"/>
+            </a:lnRef>
+            <a:fillRef idx="0">
+              <a:schemeClr val="dk1"/>
+            </a:fillRef>
+            <a:effectRef idx="1">
+              <a:schemeClr val="dk1"/>
+            </a:effectRef>
+            <a:fontRef idx="minor">
+              <a:schemeClr val="tx1"/>
+            </a:fontRef>
+          </p:style>
+        </p:cxnSp>
+        <p:cxnSp>
+          <p:nvCxnSpPr>
+            <p:cNvPr id="114" name="Straight Arrow Connector 113"/>
+            <p:cNvCxnSpPr>
+              <a:cxnSpLocks/>
+            </p:cNvCxnSpPr>
+            <p:nvPr/>
+          </p:nvCxnSpPr>
+          <p:spPr>
+            <a:xfrm>
+              <a:off x="696120" y="4235596"/>
+              <a:ext cx="2160000" cy="1"/>
+            </a:xfrm>
+            <a:prstGeom prst="straightConnector1">
+              <a:avLst/>
+            </a:prstGeom>
+            <a:ln w="19050" cmpd="sng">
+              <a:tailEnd type="arrow"/>
+            </a:ln>
+          </p:spPr>
+          <p:style>
+            <a:lnRef idx="2">
+              <a:schemeClr val="dk1"/>
+            </a:lnRef>
+            <a:fillRef idx="0">
+              <a:schemeClr val="dk1"/>
+            </a:fillRef>
+            <a:effectRef idx="1">
+              <a:schemeClr val="dk1"/>
+            </a:effectRef>
+            <a:fontRef idx="minor">
+              <a:schemeClr val="tx1"/>
+            </a:fontRef>
+          </p:style>
+        </p:cxnSp>
+        <p:sp>
+          <p:nvSpPr>
+            <p:cNvPr id="118" name="Rectangle 117"/>
+            <p:cNvSpPr/>
+            <p:nvPr/>
+          </p:nvSpPr>
+          <p:spPr>
+            <a:xfrm>
+              <a:off x="1232020" y="4345892"/>
+              <a:ext cx="693384" cy="311676"/>
+            </a:xfrm>
+            <a:prstGeom prst="rect">
+              <a:avLst/>
+            </a:prstGeom>
+            <a:noFill/>
+            <a:ln w="19050" cmpd="sng">
+              <a:noFill/>
+            </a:ln>
+          </p:spPr>
+          <p:style>
+            <a:lnRef idx="1">
+              <a:schemeClr val="accent1"/>
+            </a:lnRef>
+            <a:fillRef idx="3">
+              <a:schemeClr val="accent1"/>
+            </a:fillRef>
+            <a:effectRef idx="2">
+              <a:schemeClr val="accent1"/>
+            </a:effectRef>
+            <a:fontRef idx="minor">
+              <a:schemeClr val="lt1"/>
+            </a:fontRef>
+          </p:style>
+          <p:txBody>
+            <a:bodyPr rtlCol="0" anchor="ctr"/>
+            <a:lstStyle/>
+            <a:p>
+              <a:pPr algn="r"/>
+              <a:r>
+                <a:rPr lang="en-US" sz="1100" dirty="0" smtClean="0">
+                  <a:solidFill>
+                    <a:schemeClr val="tx1"/>
+                  </a:solidFill>
+                  <a:latin typeface="Helvetica"/>
+                  <a:cs typeface="Helvetica"/>
+                </a:rPr>
+                <a:t>Read</a:t>
+              </a:r>
+            </a:p>
+          </p:txBody>
+        </p:sp>
+      </p:grpSp>
+      <p:sp>
+        <p:nvSpPr>
+          <p:cNvPr id="120" name="Left Brace 119"/>
           <p:cNvSpPr/>
           <p:nvPr/>
         </p:nvSpPr>
         <p:spPr>
-          <a:xfrm>
-            <a:off x="5775519" y="4225997"/>
-            <a:ext cx="940561" cy="384137"/>
-          </a:xfrm>
-          <a:prstGeom prst="rect">
-            <a:avLst/>
-          </a:prstGeom>
-          <a:solidFill>
-            <a:schemeClr val="accent2"/>
-          </a:solidFill>
-          <a:ln w="19050" cmpd="sng">
-            <a:solidFill>
-              <a:schemeClr val="tx1"/>
-            </a:solidFill>
-          </a:ln>
-        </p:spPr>
-        <p:style>
-          <a:lnRef idx="1">
-            <a:schemeClr val="accent1"/>
-          </a:lnRef>
-          <a:fillRef idx="3">
-            <a:schemeClr val="accent1"/>
-          </a:fillRef>
-          <a:effectRef idx="2">
-            <a:schemeClr val="accent1"/>
-          </a:effectRef>
-          <a:fontRef idx="minor">
-            <a:schemeClr val="lt1"/>
-          </a:fontRef>
-        </p:style>
-        <p:txBody>
-          <a:bodyPr rtlCol="0" anchor="ctr"/>
-          <a:lstStyle/>
-          <a:p>
-            <a:pPr algn="ctr"/>
-            <a:r>
-              <a:rPr lang="en-US" sz="1000" dirty="0" smtClean="0">
-                <a:solidFill>
-                  <a:schemeClr val="tx1"/>
-                </a:solidFill>
-                <a:latin typeface="Helvetica"/>
-                <a:cs typeface="Helvetica"/>
-              </a:rPr>
-              <a:t>1.0 Application</a:t>
-            </a:r>
-            <a:endParaRPr lang="en-US" sz="1000" dirty="0">
-              <a:solidFill>
-                <a:schemeClr val="tx1"/>
-              </a:solidFill>
-              <a:latin typeface="Helvetica"/>
-              <a:cs typeface="Helvetica"/>
-            </a:endParaRPr>
-          </a:p>
-        </p:txBody>
-      </p:sp>
-      <p:sp>
-        <p:nvSpPr>
-          <p:cNvPr id="132" name="Rectangle 131"/>
-          <p:cNvSpPr/>
-          <p:nvPr/>
-        </p:nvSpPr>
-        <p:spPr>
-          <a:xfrm>
-            <a:off x="5770732" y="2249551"/>
-            <a:ext cx="940561" cy="384137"/>
-          </a:xfrm>
-          <a:prstGeom prst="rect">
-            <a:avLst/>
-          </a:prstGeom>
-          <a:solidFill>
-            <a:schemeClr val="accent3"/>
-          </a:solidFill>
-          <a:ln w="19050" cmpd="sng">
-            <a:solidFill>
-              <a:schemeClr val="tx1"/>
-            </a:solidFill>
-          </a:ln>
-        </p:spPr>
-        <p:style>
-          <a:lnRef idx="1">
-            <a:schemeClr val="accent1"/>
-          </a:lnRef>
-          <a:fillRef idx="3">
-            <a:schemeClr val="accent1"/>
-          </a:fillRef>
-          <a:effectRef idx="2">
-            <a:schemeClr val="accent1"/>
-          </a:effectRef>
-          <a:fontRef idx="minor">
-            <a:schemeClr val="lt1"/>
-          </a:fontRef>
-        </p:style>
-        <p:txBody>
-          <a:bodyPr rtlCol="0" anchor="ctr"/>
-          <a:lstStyle/>
-          <a:p>
-            <a:pPr algn="ctr"/>
-            <a:r>
-              <a:rPr lang="en-US" sz="1000" dirty="0" smtClean="0">
-                <a:solidFill>
-                  <a:schemeClr val="tx1"/>
-                </a:solidFill>
-                <a:latin typeface="Helvetica"/>
-                <a:cs typeface="Helvetica"/>
-              </a:rPr>
-              <a:t>1.1 Application</a:t>
-            </a:r>
-            <a:endParaRPr lang="en-US" sz="1000" dirty="0">
-              <a:solidFill>
-                <a:schemeClr val="tx1"/>
-              </a:solidFill>
-              <a:latin typeface="Helvetica"/>
-              <a:cs typeface="Helvetica"/>
-            </a:endParaRPr>
-          </a:p>
-        </p:txBody>
-      </p:sp>
-      <p:sp>
-        <p:nvSpPr>
-          <p:cNvPr id="129" name="Rectangle 128"/>
-          <p:cNvSpPr/>
-          <p:nvPr/>
-        </p:nvSpPr>
-        <p:spPr>
-          <a:xfrm>
-            <a:off x="5770732" y="796088"/>
-            <a:ext cx="940561" cy="384137"/>
-          </a:xfrm>
-          <a:prstGeom prst="rect">
-            <a:avLst/>
-          </a:prstGeom>
-          <a:solidFill>
-            <a:schemeClr val="accent3"/>
-          </a:solidFill>
-          <a:ln w="19050" cmpd="sng">
-            <a:solidFill>
-              <a:schemeClr val="tx1"/>
-            </a:solidFill>
-          </a:ln>
-        </p:spPr>
-        <p:style>
-          <a:lnRef idx="1">
-            <a:schemeClr val="accent1"/>
-          </a:lnRef>
-          <a:fillRef idx="3">
-            <a:schemeClr val="accent1"/>
-          </a:fillRef>
-          <a:effectRef idx="2">
-            <a:schemeClr val="accent1"/>
-          </a:effectRef>
-          <a:fontRef idx="minor">
-            <a:schemeClr val="lt1"/>
-          </a:fontRef>
-        </p:style>
-        <p:txBody>
-          <a:bodyPr rtlCol="0" anchor="ctr"/>
-          <a:lstStyle/>
-          <a:p>
-            <a:pPr algn="ctr"/>
-            <a:r>
-              <a:rPr lang="en-US" sz="1000" dirty="0" smtClean="0">
-                <a:solidFill>
-                  <a:schemeClr val="tx1"/>
-                </a:solidFill>
-                <a:latin typeface="Helvetica"/>
-                <a:cs typeface="Helvetica"/>
-              </a:rPr>
-              <a:t>1.1 Application</a:t>
-            </a:r>
-            <a:endParaRPr lang="en-US" sz="1000" dirty="0">
-              <a:solidFill>
-                <a:schemeClr val="tx1"/>
-              </a:solidFill>
-              <a:latin typeface="Helvetica"/>
-              <a:cs typeface="Helvetica"/>
-            </a:endParaRPr>
-          </a:p>
-        </p:txBody>
-      </p:sp>
-      <p:sp>
-        <p:nvSpPr>
-          <p:cNvPr id="139" name="Rectangle 138"/>
-          <p:cNvSpPr/>
-          <p:nvPr/>
-        </p:nvSpPr>
-        <p:spPr>
-          <a:xfrm>
-            <a:off x="903624" y="4837951"/>
-            <a:ext cx="3753279" cy="803024"/>
-          </a:xfrm>
-          <a:prstGeom prst="rect">
-            <a:avLst/>
+          <a:xfrm rot="5400000">
+            <a:off x="4317681" y="-1873561"/>
+            <a:ext cx="391437" cy="6264000"/>
+          </a:xfrm>
+          <a:prstGeom prst="leftBrace">
+            <a:avLst>
+              <a:gd name="adj1" fmla="val 39261"/>
+              <a:gd name="adj2" fmla="val 49197"/>
+            </a:avLst>
           </a:prstGeom>
           <a:noFill/>
           <a:ln w="19050" cmpd="sng">
@@ -7132,34 +6166,78 @@
           </a:fontRef>
         </p:style>
         <p:txBody>
-          <a:bodyPr rtlCol="0" anchor="ctr" anchorCtr="0"/>
+          <a:bodyPr rtlCol="0" anchor="ctr"/>
           <a:lstStyle/>
           <a:p>
             <a:pPr algn="ctr"/>
-            <a:r>
-              <a:rPr lang="en-US" sz="1000" dirty="0" err="1" smtClean="0">
-                <a:solidFill>
-                  <a:schemeClr val="tx1"/>
-                </a:solidFill>
+            <a:endParaRPr lang="en-US" sz="1600">
+              <a:latin typeface="Helvetica"/>
+              <a:cs typeface="Helvetica"/>
+            </a:endParaRPr>
+          </a:p>
+        </p:txBody>
+      </p:sp>
+      <p:sp>
+        <p:nvSpPr>
+          <p:cNvPr id="121" name="TextBox 120"/>
+          <p:cNvSpPr txBox="1"/>
+          <p:nvPr/>
+        </p:nvSpPr>
+        <p:spPr>
+          <a:xfrm>
+            <a:off x="3079338" y="427546"/>
+            <a:ext cx="2965861" cy="584776"/>
+          </a:xfrm>
+          <a:prstGeom prst="rect">
+            <a:avLst/>
+          </a:prstGeom>
+          <a:noFill/>
+          <a:ln w="19050" cmpd="sng">
+            <a:noFill/>
+          </a:ln>
+        </p:spPr>
+        <p:txBody>
+          <a:bodyPr wrap="square" rtlCol="0">
+            <a:spAutoFit/>
+          </a:bodyPr>
+          <a:lstStyle/>
+          <a:p>
+            <a:pPr algn="ctr"/>
+            <a:r>
+              <a:rPr lang="en-US" sz="1600" dirty="0" smtClean="0">
                 <a:latin typeface="Helvetica"/>
                 <a:cs typeface="Helvetica"/>
               </a:rPr>
-              <a:t>CoreOS</a:t>
-            </a:r>
-            <a:endParaRPr lang="en-US" sz="1000" dirty="0">
-              <a:solidFill>
-                <a:schemeClr val="tx1"/>
-              </a:solidFill>
-              <a:latin typeface="Helvetica"/>
-              <a:cs typeface="Helvetica"/>
-            </a:endParaRPr>
+              <a:t>Load Balancing Proxy </a:t>
+            </a:r>
+            <a:r>
+              <a:rPr lang="en-US" sz="1600" dirty="0">
+                <a:latin typeface="Helvetica"/>
+                <a:cs typeface="Helvetica"/>
+              </a:rPr>
+              <a:t>W</a:t>
+            </a:r>
+            <a:r>
+              <a:rPr lang="en-US" sz="1600" dirty="0" smtClean="0">
+                <a:latin typeface="Helvetica"/>
+                <a:cs typeface="Helvetica"/>
+              </a:rPr>
+              <a:t>ith </a:t>
+            </a:r>
+            <a:r>
+              <a:rPr lang="en-US" sz="1600" dirty="0">
+                <a:latin typeface="Helvetica"/>
+                <a:cs typeface="Helvetica"/>
+              </a:rPr>
+              <a:t>Content Counting</a:t>
+            </a:r>
           </a:p>
         </p:txBody>
       </p:sp>
     </p:spTree>
     <p:extLst>
       <p:ext uri="{BB962C8B-B14F-4D97-AF65-F5344CB8AC3E}">
-        <p14:creationId xmlns:p14="http://schemas.microsoft.com/office/powerpoint/2010/main" val="3224814540"/>
+        <p14:creationId xmlns:p14="http://schemas.microsoft.com/office/powerpoint/2010/main" val="3730522394"/>
       </p:ext>
     </p:extLst>
   </p:cSld>
@@ -7195,20 +6273,20 @@
       </p:grpSpPr>
       <p:sp>
         <p:nvSpPr>
-          <p:cNvPr id="143" name="Rectangle 142"/>
+          <p:cNvPr id="86" name="Rectangle 85"/>
           <p:cNvSpPr/>
           <p:nvPr/>
         </p:nvSpPr>
         <p:spPr>
-          <a:xfrm rot="16200000">
-            <a:off x="-2028022" y="3723149"/>
-            <a:ext cx="4591948" cy="345750"/>
+          <a:xfrm>
+            <a:off x="5083423" y="3489702"/>
+            <a:ext cx="2276006" cy="3299060"/>
           </a:xfrm>
           <a:prstGeom prst="rect">
             <a:avLst/>
           </a:prstGeom>
           <a:solidFill>
-            <a:schemeClr val="accent6">
+            <a:schemeClr val="accent2">
               <a:lumMod val="20000"/>
               <a:lumOff val="80000"/>
             </a:schemeClr>
@@ -7234,21 +6312,21 @@
           </a:fontRef>
         </p:style>
         <p:txBody>
-          <a:bodyPr rtlCol="0" anchor="ctr"/>
+          <a:bodyPr rtlCol="0" anchor="t" anchorCtr="0"/>
           <a:lstStyle/>
           <a:p>
             <a:pPr algn="ctr"/>
             <a:r>
-              <a:rPr lang="en-US" sz="1100" dirty="0" smtClean="0">
+              <a:rPr lang="en-US" sz="1000" dirty="0" smtClean="0">
                 <a:solidFill>
                   <a:schemeClr val="tx1"/>
                 </a:solidFill>
                 <a:latin typeface="Helvetica"/>
                 <a:cs typeface="Helvetica"/>
               </a:rPr>
-              <a:t>Client</a:t>
-            </a:r>
-            <a:endParaRPr lang="en-US" sz="1100" dirty="0">
+              <a:t>Version 1.0 Cluster</a:t>
+            </a:r>
+            <a:endParaRPr lang="en-US" sz="1000" dirty="0">
               <a:solidFill>
                 <a:schemeClr val="tx1"/>
               </a:solidFill>
@@ -7260,265 +6338,14 @@
       </p:sp>
       <p:sp>
         <p:nvSpPr>
-          <p:cNvPr id="149" name="Rectangle 148"/>
+          <p:cNvPr id="126" name="Rectangle 125"/>
           <p:cNvSpPr/>
           <p:nvPr/>
         </p:nvSpPr>
         <p:spPr>
           <a:xfrm>
-            <a:off x="440827" y="2311159"/>
-            <a:ext cx="853689" cy="311676"/>
-          </a:xfrm>
-          <a:prstGeom prst="rect">
-            <a:avLst/>
-          </a:prstGeom>
-          <a:noFill/>
-          <a:ln w="19050" cmpd="sng">
-            <a:noFill/>
-          </a:ln>
-        </p:spPr>
-        <p:style>
-          <a:lnRef idx="1">
-            <a:schemeClr val="accent1"/>
-          </a:lnRef>
-          <a:fillRef idx="3">
-            <a:schemeClr val="accent1"/>
-          </a:fillRef>
-          <a:effectRef idx="2">
-            <a:schemeClr val="accent1"/>
-          </a:effectRef>
-          <a:fontRef idx="minor">
-            <a:schemeClr val="lt1"/>
-          </a:fontRef>
-        </p:style>
-        <p:txBody>
-          <a:bodyPr rtlCol="0" anchor="ctr"/>
-          <a:lstStyle/>
-          <a:p>
-            <a:r>
-              <a:rPr lang="en-US" sz="1100" dirty="0" smtClean="0">
-                <a:solidFill>
-                  <a:schemeClr val="tx1"/>
-                </a:solidFill>
-                <a:latin typeface="Helvetica"/>
-                <a:cs typeface="Helvetica"/>
-              </a:rPr>
-              <a:t>Connect</a:t>
-            </a:r>
-            <a:endParaRPr lang="en-US" sz="1100" dirty="0" smtClean="0">
-              <a:solidFill>
-                <a:schemeClr val="tx1"/>
-              </a:solidFill>
-              <a:latin typeface="Helvetica"/>
-              <a:cs typeface="Helvetica"/>
-            </a:endParaRPr>
-          </a:p>
-        </p:txBody>
-      </p:sp>
-      <p:cxnSp>
-        <p:nvCxnSpPr>
-          <p:cNvPr id="150" name="Straight Arrow Connector 149"/>
-          <p:cNvCxnSpPr>
-            <a:cxnSpLocks/>
-          </p:cNvCxnSpPr>
-          <p:nvPr/>
-        </p:nvCxnSpPr>
-        <p:spPr>
-          <a:xfrm>
-            <a:off x="449990" y="2622835"/>
-            <a:ext cx="900000" cy="1"/>
-          </a:xfrm>
-          <a:prstGeom prst="straightConnector1">
-            <a:avLst/>
-          </a:prstGeom>
-          <a:ln w="19050" cmpd="sng">
-            <a:tailEnd type="arrow"/>
-          </a:ln>
-        </p:spPr>
-        <p:style>
-          <a:lnRef idx="2">
-            <a:schemeClr val="dk1"/>
-          </a:lnRef>
-          <a:fillRef idx="0">
-            <a:schemeClr val="dk1"/>
-          </a:fillRef>
-          <a:effectRef idx="1">
-            <a:schemeClr val="dk1"/>
-          </a:effectRef>
-          <a:fontRef idx="minor">
-            <a:schemeClr val="tx1"/>
-          </a:fontRef>
-        </p:style>
-      </p:cxnSp>
-      <p:sp>
-        <p:nvSpPr>
-          <p:cNvPr id="159" name="Rectangle 158"/>
-          <p:cNvSpPr/>
-          <p:nvPr/>
-        </p:nvSpPr>
-        <p:spPr>
-          <a:xfrm rot="16200000">
-            <a:off x="6569151" y="3719493"/>
-            <a:ext cx="4591948" cy="345750"/>
-          </a:xfrm>
-          <a:prstGeom prst="rect">
-            <a:avLst/>
-          </a:prstGeom>
-          <a:solidFill>
-            <a:schemeClr val="accent6">
-              <a:lumMod val="20000"/>
-              <a:lumOff val="80000"/>
-            </a:schemeClr>
-          </a:solidFill>
-          <a:ln w="19050" cmpd="sng">
-            <a:solidFill>
-              <a:schemeClr val="tx1"/>
-            </a:solidFill>
-          </a:ln>
-        </p:spPr>
-        <p:style>
-          <a:lnRef idx="1">
-            <a:schemeClr val="accent1"/>
-          </a:lnRef>
-          <a:fillRef idx="3">
-            <a:schemeClr val="accent1"/>
-          </a:fillRef>
-          <a:effectRef idx="2">
-            <a:schemeClr val="accent1"/>
-          </a:effectRef>
-          <a:fontRef idx="minor">
-            <a:schemeClr val="lt1"/>
-          </a:fontRef>
-        </p:style>
-        <p:txBody>
-          <a:bodyPr rtlCol="0" anchor="ctr"/>
-          <a:lstStyle/>
-          <a:p>
-            <a:pPr algn="ctr"/>
-            <a:r>
-              <a:rPr lang="en-US" sz="1100" dirty="0" smtClean="0">
-                <a:solidFill>
-                  <a:schemeClr val="tx1"/>
-                </a:solidFill>
-                <a:latin typeface="Helvetica"/>
-                <a:cs typeface="Helvetica"/>
-              </a:rPr>
-              <a:t>Cluster</a:t>
-            </a:r>
-            <a:endParaRPr lang="en-US" sz="1100" dirty="0">
-              <a:solidFill>
-                <a:schemeClr val="tx1"/>
-              </a:solidFill>
-              <a:latin typeface="Helvetica"/>
-              <a:cs typeface="Helvetica"/>
-            </a:endParaRPr>
-          </a:p>
-        </p:txBody>
-      </p:sp>
-      <p:sp>
-        <p:nvSpPr>
-          <p:cNvPr id="167" name="Rectangle 166"/>
-          <p:cNvSpPr/>
-          <p:nvPr/>
-        </p:nvSpPr>
-        <p:spPr>
-          <a:xfrm>
-            <a:off x="7649770" y="3708869"/>
-            <a:ext cx="693384" cy="311676"/>
-          </a:xfrm>
-          <a:prstGeom prst="rect">
-            <a:avLst/>
-          </a:prstGeom>
-          <a:noFill/>
-          <a:ln w="19050" cmpd="sng">
-            <a:noFill/>
-          </a:ln>
-        </p:spPr>
-        <p:style>
-          <a:lnRef idx="1">
-            <a:schemeClr val="accent1"/>
-          </a:lnRef>
-          <a:fillRef idx="3">
-            <a:schemeClr val="accent1"/>
-          </a:fillRef>
-          <a:effectRef idx="2">
-            <a:schemeClr val="accent1"/>
-          </a:effectRef>
-          <a:fontRef idx="minor">
-            <a:schemeClr val="lt1"/>
-          </a:fontRef>
-        </p:style>
-        <p:txBody>
-          <a:bodyPr rtlCol="0" anchor="ctr"/>
-          <a:lstStyle/>
-          <a:p>
-            <a:pPr algn="r"/>
-            <a:r>
-              <a:rPr lang="en-US" sz="1100" dirty="0" smtClean="0">
-                <a:solidFill>
-                  <a:schemeClr val="tx1"/>
-                </a:solidFill>
-                <a:latin typeface="Helvetica"/>
-                <a:cs typeface="Helvetica"/>
-              </a:rPr>
-              <a:t>Read</a:t>
-            </a:r>
-            <a:endParaRPr lang="en-US" sz="1100" dirty="0" smtClean="0">
-              <a:solidFill>
-                <a:schemeClr val="tx1"/>
-              </a:solidFill>
-              <a:latin typeface="Helvetica"/>
-              <a:cs typeface="Helvetica"/>
-            </a:endParaRPr>
-          </a:p>
-        </p:txBody>
-      </p:sp>
-      <p:cxnSp>
-        <p:nvCxnSpPr>
-          <p:cNvPr id="168" name="Straight Arrow Connector 167"/>
-          <p:cNvCxnSpPr>
-            <a:cxnSpLocks/>
-          </p:cNvCxnSpPr>
-          <p:nvPr/>
-        </p:nvCxnSpPr>
-        <p:spPr>
-          <a:xfrm flipV="1">
-            <a:off x="7621870" y="4514343"/>
-            <a:ext cx="900000" cy="1"/>
-          </a:xfrm>
-          <a:prstGeom prst="straightConnector1">
-            <a:avLst/>
-          </a:prstGeom>
-          <a:ln w="19050" cmpd="sng">
-            <a:headEnd type="arrow"/>
-            <a:tailEnd type="none"/>
-          </a:ln>
-        </p:spPr>
-        <p:style>
-          <a:lnRef idx="2">
-            <a:schemeClr val="dk1"/>
-          </a:lnRef>
-          <a:fillRef idx="0">
-            <a:schemeClr val="dk1"/>
-          </a:fillRef>
-          <a:effectRef idx="1">
-            <a:schemeClr val="dk1"/>
-          </a:effectRef>
-          <a:fontRef idx="minor">
-            <a:schemeClr val="tx1"/>
-          </a:fontRef>
-        </p:style>
-      </p:cxnSp>
-      <p:sp>
-        <p:nvSpPr>
-          <p:cNvPr id="99" name="Rectangle 98"/>
-          <p:cNvSpPr/>
-          <p:nvPr/>
-        </p:nvSpPr>
-        <p:spPr>
-          <a:xfrm>
-            <a:off x="3100219" y="3060700"/>
-            <a:ext cx="4424344" cy="2114667"/>
+            <a:off x="5078636" y="59793"/>
+            <a:ext cx="2276006" cy="3299060"/>
           </a:xfrm>
           <a:prstGeom prst="rect">
             <a:avLst/>
@@ -7551,6 +6378,16 @@
           <a:lstStyle/>
           <a:p>
             <a:pPr algn="ctr"/>
+            <a:r>
+              <a:rPr lang="en-US" sz="1000" dirty="0" smtClean="0">
+                <a:solidFill>
+                  <a:schemeClr val="tx1"/>
+                </a:solidFill>
+                <a:latin typeface="Helvetica"/>
+                <a:cs typeface="Helvetica"/>
+              </a:rPr>
+              <a:t>Version 1.1 Cluster</a:t>
+            </a:r>
             <a:endParaRPr lang="en-US" sz="1000" dirty="0">
               <a:solidFill>
                 <a:schemeClr val="tx1"/>
@@ -7563,14 +6400,302 @@
       </p:sp>
       <p:sp>
         <p:nvSpPr>
-          <p:cNvPr id="100" name="Rectangle 99"/>
+          <p:cNvPr id="117" name="Rectangle 116"/>
           <p:cNvSpPr/>
           <p:nvPr/>
         </p:nvSpPr>
         <p:spPr>
           <a:xfrm>
-            <a:off x="3239919" y="3775807"/>
-            <a:ext cx="1038844" cy="525103"/>
+            <a:off x="5590709" y="5530819"/>
+            <a:ext cx="1277771" cy="892848"/>
+          </a:xfrm>
+          <a:prstGeom prst="rect">
+            <a:avLst/>
+          </a:prstGeom>
+          <a:solidFill>
+            <a:schemeClr val="bg1"/>
+          </a:solidFill>
+          <a:ln w="19050" cmpd="sng">
+            <a:solidFill>
+              <a:schemeClr val="tx1"/>
+            </a:solidFill>
+          </a:ln>
+        </p:spPr>
+        <p:style>
+          <a:lnRef idx="1">
+            <a:schemeClr val="accent1"/>
+          </a:lnRef>
+          <a:fillRef idx="3">
+            <a:schemeClr val="accent1"/>
+          </a:fillRef>
+          <a:effectRef idx="2">
+            <a:schemeClr val="accent1"/>
+          </a:effectRef>
+          <a:fontRef idx="minor">
+            <a:schemeClr val="lt1"/>
+          </a:fontRef>
+        </p:style>
+        <p:txBody>
+          <a:bodyPr rtlCol="0" anchor="t" anchorCtr="0"/>
+          <a:lstStyle/>
+          <a:p>
+            <a:pPr algn="ctr"/>
+            <a:r>
+              <a:rPr lang="en-US" sz="1000" dirty="0" err="1" smtClean="0">
+                <a:solidFill>
+                  <a:schemeClr val="tx1"/>
+                </a:solidFill>
+                <a:latin typeface="Helvetica"/>
+                <a:cs typeface="Helvetica"/>
+              </a:rPr>
+              <a:t>Docker</a:t>
+            </a:r>
+            <a:r>
+              <a:rPr lang="en-US" sz="1000" dirty="0" smtClean="0">
+                <a:solidFill>
+                  <a:schemeClr val="tx1"/>
+                </a:solidFill>
+                <a:latin typeface="Helvetica"/>
+                <a:cs typeface="Helvetica"/>
+              </a:rPr>
+              <a:t> Container</a:t>
+            </a:r>
+            <a:endParaRPr lang="en-US" sz="1000" dirty="0">
+              <a:solidFill>
+                <a:schemeClr val="tx1"/>
+              </a:solidFill>
+              <a:latin typeface="Helvetica"/>
+              <a:cs typeface="Helvetica"/>
+            </a:endParaRPr>
+          </a:p>
+        </p:txBody>
+      </p:sp>
+      <p:sp>
+        <p:nvSpPr>
+          <p:cNvPr id="123" name="Rectangle 122"/>
+          <p:cNvSpPr/>
+          <p:nvPr/>
+        </p:nvSpPr>
+        <p:spPr>
+          <a:xfrm>
+            <a:off x="5590709" y="4077356"/>
+            <a:ext cx="1277771" cy="892848"/>
+          </a:xfrm>
+          <a:prstGeom prst="rect">
+            <a:avLst/>
+          </a:prstGeom>
+          <a:solidFill>
+            <a:schemeClr val="bg1"/>
+          </a:solidFill>
+          <a:ln w="19050" cmpd="sng">
+            <a:solidFill>
+              <a:schemeClr val="tx1"/>
+            </a:solidFill>
+          </a:ln>
+        </p:spPr>
+        <p:style>
+          <a:lnRef idx="1">
+            <a:schemeClr val="accent1"/>
+          </a:lnRef>
+          <a:fillRef idx="3">
+            <a:schemeClr val="accent1"/>
+          </a:fillRef>
+          <a:effectRef idx="2">
+            <a:schemeClr val="accent1"/>
+          </a:effectRef>
+          <a:fontRef idx="minor">
+            <a:schemeClr val="lt1"/>
+          </a:fontRef>
+        </p:style>
+        <p:txBody>
+          <a:bodyPr rtlCol="0" anchor="t" anchorCtr="0"/>
+          <a:lstStyle/>
+          <a:p>
+            <a:pPr algn="ctr"/>
+            <a:r>
+              <a:rPr lang="en-US" sz="1000" dirty="0" err="1" smtClean="0">
+                <a:solidFill>
+                  <a:schemeClr val="tx1"/>
+                </a:solidFill>
+                <a:latin typeface="Helvetica"/>
+                <a:cs typeface="Helvetica"/>
+              </a:rPr>
+              <a:t>Docker</a:t>
+            </a:r>
+            <a:r>
+              <a:rPr lang="en-US" sz="1000" dirty="0" smtClean="0">
+                <a:solidFill>
+                  <a:schemeClr val="tx1"/>
+                </a:solidFill>
+                <a:latin typeface="Helvetica"/>
+                <a:cs typeface="Helvetica"/>
+              </a:rPr>
+              <a:t> Container</a:t>
+            </a:r>
+            <a:endParaRPr lang="en-US" sz="1000" dirty="0">
+              <a:solidFill>
+                <a:schemeClr val="tx1"/>
+              </a:solidFill>
+              <a:latin typeface="Helvetica"/>
+              <a:cs typeface="Helvetica"/>
+            </a:endParaRPr>
+          </a:p>
+        </p:txBody>
+      </p:sp>
+      <p:sp>
+        <p:nvSpPr>
+          <p:cNvPr id="133" name="Rectangle 132"/>
+          <p:cNvSpPr/>
+          <p:nvPr/>
+        </p:nvSpPr>
+        <p:spPr>
+          <a:xfrm>
+            <a:off x="5585922" y="2100910"/>
+            <a:ext cx="1277771" cy="892848"/>
+          </a:xfrm>
+          <a:prstGeom prst="rect">
+            <a:avLst/>
+          </a:prstGeom>
+          <a:solidFill>
+            <a:schemeClr val="bg1"/>
+          </a:solidFill>
+          <a:ln w="19050" cmpd="sng">
+            <a:solidFill>
+              <a:schemeClr val="tx1"/>
+            </a:solidFill>
+          </a:ln>
+        </p:spPr>
+        <p:style>
+          <a:lnRef idx="1">
+            <a:schemeClr val="accent1"/>
+          </a:lnRef>
+          <a:fillRef idx="3">
+            <a:schemeClr val="accent1"/>
+          </a:fillRef>
+          <a:effectRef idx="2">
+            <a:schemeClr val="accent1"/>
+          </a:effectRef>
+          <a:fontRef idx="minor">
+            <a:schemeClr val="lt1"/>
+          </a:fontRef>
+        </p:style>
+        <p:txBody>
+          <a:bodyPr rtlCol="0" anchor="t" anchorCtr="0"/>
+          <a:lstStyle/>
+          <a:p>
+            <a:pPr algn="ctr"/>
+            <a:r>
+              <a:rPr lang="en-US" sz="1000" dirty="0" err="1" smtClean="0">
+                <a:solidFill>
+                  <a:schemeClr val="tx1"/>
+                </a:solidFill>
+                <a:latin typeface="Helvetica"/>
+                <a:cs typeface="Helvetica"/>
+              </a:rPr>
+              <a:t>Docker</a:t>
+            </a:r>
+            <a:r>
+              <a:rPr lang="en-US" sz="1000" dirty="0" smtClean="0">
+                <a:solidFill>
+                  <a:schemeClr val="tx1"/>
+                </a:solidFill>
+                <a:latin typeface="Helvetica"/>
+                <a:cs typeface="Helvetica"/>
+              </a:rPr>
+              <a:t> Container</a:t>
+            </a:r>
+            <a:endParaRPr lang="en-US" sz="1000" dirty="0">
+              <a:solidFill>
+                <a:schemeClr val="tx1"/>
+              </a:solidFill>
+              <a:latin typeface="Helvetica"/>
+              <a:cs typeface="Helvetica"/>
+            </a:endParaRPr>
+          </a:p>
+        </p:txBody>
+      </p:sp>
+      <p:sp>
+        <p:nvSpPr>
+          <p:cNvPr id="130" name="Rectangle 129"/>
+          <p:cNvSpPr/>
+          <p:nvPr/>
+        </p:nvSpPr>
+        <p:spPr>
+          <a:xfrm>
+            <a:off x="5585922" y="647447"/>
+            <a:ext cx="1277771" cy="892848"/>
+          </a:xfrm>
+          <a:prstGeom prst="rect">
+            <a:avLst/>
+          </a:prstGeom>
+          <a:solidFill>
+            <a:schemeClr val="bg1"/>
+          </a:solidFill>
+          <a:ln w="19050" cmpd="sng">
+            <a:solidFill>
+              <a:schemeClr val="tx1"/>
+            </a:solidFill>
+          </a:ln>
+        </p:spPr>
+        <p:style>
+          <a:lnRef idx="1">
+            <a:schemeClr val="accent1"/>
+          </a:lnRef>
+          <a:fillRef idx="3">
+            <a:schemeClr val="accent1"/>
+          </a:fillRef>
+          <a:effectRef idx="2">
+            <a:schemeClr val="accent1"/>
+          </a:effectRef>
+          <a:fontRef idx="minor">
+            <a:schemeClr val="lt1"/>
+          </a:fontRef>
+        </p:style>
+        <p:txBody>
+          <a:bodyPr rtlCol="0" anchor="t" anchorCtr="0"/>
+          <a:lstStyle/>
+          <a:p>
+            <a:pPr algn="ctr"/>
+            <a:r>
+              <a:rPr lang="en-US" sz="1000" dirty="0" err="1" smtClean="0">
+                <a:solidFill>
+                  <a:schemeClr val="tx1"/>
+                </a:solidFill>
+                <a:latin typeface="Helvetica"/>
+                <a:cs typeface="Helvetica"/>
+              </a:rPr>
+              <a:t>Docker</a:t>
+            </a:r>
+            <a:r>
+              <a:rPr lang="en-US" sz="1000" dirty="0" smtClean="0">
+                <a:solidFill>
+                  <a:schemeClr val="tx1"/>
+                </a:solidFill>
+                <a:latin typeface="Helvetica"/>
+                <a:cs typeface="Helvetica"/>
+              </a:rPr>
+              <a:t> Container</a:t>
+            </a:r>
+            <a:endParaRPr lang="en-US" sz="1000" dirty="0">
+              <a:solidFill>
+                <a:schemeClr val="tx1"/>
+              </a:solidFill>
+              <a:latin typeface="Helvetica"/>
+              <a:cs typeface="Helvetica"/>
+            </a:endParaRPr>
+          </a:p>
+        </p:txBody>
+      </p:sp>
+      <p:sp>
+        <p:nvSpPr>
+          <p:cNvPr id="2" name="Rectangle 1"/>
+          <p:cNvSpPr/>
+          <p:nvPr/>
+        </p:nvSpPr>
+        <p:spPr>
+          <a:xfrm>
+            <a:off x="1117672" y="3231942"/>
+            <a:ext cx="726513" cy="384137"/>
           </a:xfrm>
           <a:prstGeom prst="rect">
             <a:avLst/>
@@ -7607,26 +6732,16 @@
           <a:p>
             <a:pPr algn="ctr"/>
             <a:r>
-              <a:rPr lang="en-US" sz="1100" dirty="0" smtClean="0">
+              <a:rPr lang="en-US" sz="1000" dirty="0" smtClean="0">
                 <a:solidFill>
                   <a:schemeClr val="tx1"/>
                 </a:solidFill>
                 <a:latin typeface="Helvetica"/>
                 <a:cs typeface="Helvetica"/>
               </a:rPr>
-              <a:t>R</a:t>
-            </a:r>
-            <a:r>
-              <a:rPr lang="en-US" sz="1100" dirty="0" smtClean="0">
-                <a:solidFill>
-                  <a:schemeClr val="tx1"/>
-                </a:solidFill>
-                <a:latin typeface="Helvetica"/>
-                <a:cs typeface="Helvetica"/>
-              </a:rPr>
-              <a:t>outing</a:t>
-            </a:r>
-            <a:endParaRPr lang="en-US" sz="1100" dirty="0">
+              <a:t>upstream</a:t>
+            </a:r>
+            <a:endParaRPr lang="en-US" sz="1000" dirty="0">
               <a:solidFill>
                 <a:schemeClr val="tx1"/>
               </a:solidFill>
@@ -7638,285 +6753,14 @@
       </p:sp>
       <p:sp>
         <p:nvSpPr>
-          <p:cNvPr id="101" name="Circular Arrow 100"/>
+          <p:cNvPr id="3" name="Rectangle 2"/>
           <p:cNvSpPr/>
           <p:nvPr/>
         </p:nvSpPr>
         <p:spPr>
-          <a:xfrm rot="10800000">
-            <a:off x="1349991" y="1531567"/>
-            <a:ext cx="935999" cy="2196000"/>
-          </a:xfrm>
-          <a:prstGeom prst="circularArrow">
-            <a:avLst>
-              <a:gd name="adj1" fmla="val 12500"/>
-              <a:gd name="adj2" fmla="val 1142319"/>
-              <a:gd name="adj3" fmla="val 20457681"/>
-              <a:gd name="adj4" fmla="val 1198896"/>
-              <a:gd name="adj5" fmla="val 12500"/>
-            </a:avLst>
-          </a:prstGeom>
-          <a:noFill/>
-          <a:ln w="19050" cmpd="sng">
-            <a:solidFill>
-              <a:schemeClr val="tx1"/>
-            </a:solidFill>
-          </a:ln>
-        </p:spPr>
-        <p:style>
-          <a:lnRef idx="1">
-            <a:schemeClr val="accent1"/>
-          </a:lnRef>
-          <a:fillRef idx="3">
-            <a:schemeClr val="accent1"/>
-          </a:fillRef>
-          <a:effectRef idx="2">
-            <a:schemeClr val="accent1"/>
-          </a:effectRef>
-          <a:fontRef idx="minor">
-            <a:schemeClr val="lt1"/>
-          </a:fontRef>
-        </p:style>
-        <p:txBody>
-          <a:bodyPr rtlCol="0" anchor="ctr"/>
-          <a:lstStyle/>
-          <a:p>
-            <a:pPr algn="ctr"/>
-            <a:endParaRPr lang="en-US" sz="1000" dirty="0" smtClean="0">
-              <a:solidFill>
-                <a:schemeClr val="tx1"/>
-              </a:solidFill>
-              <a:latin typeface="Helvetica"/>
-              <a:cs typeface="Helvetica"/>
-            </a:endParaRPr>
-          </a:p>
-        </p:txBody>
-      </p:sp>
-      <p:sp>
-        <p:nvSpPr>
-          <p:cNvPr id="102" name="Rectangle 101"/>
-          <p:cNvSpPr/>
-          <p:nvPr/>
-        </p:nvSpPr>
-        <p:spPr>
-          <a:xfrm>
-            <a:off x="1294517" y="2345821"/>
-            <a:ext cx="991473" cy="426052"/>
-          </a:xfrm>
-          <a:prstGeom prst="rect">
-            <a:avLst/>
-          </a:prstGeom>
-          <a:noFill/>
-          <a:ln w="19050" cmpd="sng">
-            <a:noFill/>
-          </a:ln>
-        </p:spPr>
-        <p:style>
-          <a:lnRef idx="1">
-            <a:schemeClr val="accent1"/>
-          </a:lnRef>
-          <a:fillRef idx="3">
-            <a:schemeClr val="accent1"/>
-          </a:fillRef>
-          <a:effectRef idx="2">
-            <a:schemeClr val="accent1"/>
-          </a:effectRef>
-          <a:fontRef idx="minor">
-            <a:schemeClr val="lt1"/>
-          </a:fontRef>
-        </p:style>
-        <p:txBody>
-          <a:bodyPr rtlCol="0" anchor="ctr"/>
-          <a:lstStyle/>
-          <a:p>
-            <a:pPr algn="ctr"/>
-            <a:r>
-              <a:rPr lang="en-US" sz="1100" dirty="0" smtClean="0">
-                <a:solidFill>
-                  <a:schemeClr val="tx1"/>
-                </a:solidFill>
-                <a:latin typeface="Helvetica"/>
-                <a:cs typeface="Helvetica"/>
-              </a:rPr>
-              <a:t>Accept </a:t>
-            </a:r>
-            <a:endParaRPr lang="en-US" sz="1100" dirty="0" smtClean="0">
-              <a:solidFill>
-                <a:schemeClr val="tx1"/>
-              </a:solidFill>
-              <a:latin typeface="Helvetica"/>
-              <a:cs typeface="Helvetica"/>
-            </a:endParaRPr>
-          </a:p>
-          <a:p>
-            <a:pPr algn="ctr"/>
-            <a:r>
-              <a:rPr lang="en-US" sz="1100" dirty="0" smtClean="0">
-                <a:solidFill>
-                  <a:schemeClr val="tx1"/>
-                </a:solidFill>
-                <a:latin typeface="Helvetica"/>
-                <a:cs typeface="Helvetica"/>
-              </a:rPr>
-              <a:t>Loop</a:t>
-            </a:r>
-            <a:endParaRPr lang="en-US" sz="1100" dirty="0" smtClean="0">
-              <a:solidFill>
-                <a:schemeClr val="tx1"/>
-              </a:solidFill>
-              <a:latin typeface="Helvetica"/>
-              <a:cs typeface="Helvetica"/>
-            </a:endParaRPr>
-          </a:p>
-        </p:txBody>
-      </p:sp>
-      <p:sp>
-        <p:nvSpPr>
-          <p:cNvPr id="103" name="Circular Arrow 102"/>
-          <p:cNvSpPr/>
-          <p:nvPr/>
-        </p:nvSpPr>
-        <p:spPr>
-          <a:xfrm rot="10800000">
-            <a:off x="4842017" y="3166733"/>
-            <a:ext cx="792000" cy="1800000"/>
-          </a:xfrm>
-          <a:prstGeom prst="circularArrow">
-            <a:avLst>
-              <a:gd name="adj1" fmla="val 12500"/>
-              <a:gd name="adj2" fmla="val 1142319"/>
-              <a:gd name="adj3" fmla="val 20457681"/>
-              <a:gd name="adj4" fmla="val 1198896"/>
-              <a:gd name="adj5" fmla="val 12500"/>
-            </a:avLst>
-          </a:prstGeom>
-          <a:noFill/>
-          <a:ln w="19050" cmpd="sng">
-            <a:solidFill>
-              <a:schemeClr val="tx1"/>
-            </a:solidFill>
-          </a:ln>
-        </p:spPr>
-        <p:style>
-          <a:lnRef idx="1">
-            <a:schemeClr val="accent1"/>
-          </a:lnRef>
-          <a:fillRef idx="3">
-            <a:schemeClr val="accent1"/>
-          </a:fillRef>
-          <a:effectRef idx="2">
-            <a:schemeClr val="accent1"/>
-          </a:effectRef>
-          <a:fontRef idx="minor">
-            <a:schemeClr val="lt1"/>
-          </a:fontRef>
-        </p:style>
-        <p:txBody>
-          <a:bodyPr rtlCol="0" anchor="ctr"/>
-          <a:lstStyle/>
-          <a:p>
-            <a:pPr algn="ctr"/>
-            <a:endParaRPr lang="en-US" sz="1000" dirty="0" smtClean="0">
-              <a:solidFill>
-                <a:schemeClr val="tx1"/>
-              </a:solidFill>
-              <a:latin typeface="Helvetica"/>
-              <a:cs typeface="Helvetica"/>
-            </a:endParaRPr>
-          </a:p>
-        </p:txBody>
-      </p:sp>
-      <p:sp>
-        <p:nvSpPr>
-          <p:cNvPr id="105" name="Rectangle 104"/>
-          <p:cNvSpPr/>
-          <p:nvPr/>
-        </p:nvSpPr>
-        <p:spPr>
-          <a:xfrm>
-            <a:off x="4736217" y="3806321"/>
-            <a:ext cx="991473" cy="426052"/>
-          </a:xfrm>
-          <a:prstGeom prst="rect">
-            <a:avLst/>
-          </a:prstGeom>
-          <a:noFill/>
-          <a:ln w="19050" cmpd="sng">
-            <a:noFill/>
-          </a:ln>
-        </p:spPr>
-        <p:style>
-          <a:lnRef idx="1">
-            <a:schemeClr val="accent1"/>
-          </a:lnRef>
-          <a:fillRef idx="3">
-            <a:schemeClr val="accent1"/>
-          </a:fillRef>
-          <a:effectRef idx="2">
-            <a:schemeClr val="accent1"/>
-          </a:effectRef>
-          <a:fontRef idx="minor">
-            <a:schemeClr val="lt1"/>
-          </a:fontRef>
-        </p:style>
-        <p:txBody>
-          <a:bodyPr rtlCol="0" anchor="ctr"/>
-          <a:lstStyle/>
-          <a:p>
-            <a:pPr algn="ctr"/>
-            <a:r>
-              <a:rPr lang="en-US" sz="1100" dirty="0">
-                <a:solidFill>
-                  <a:schemeClr val="tx1"/>
-                </a:solidFill>
-                <a:latin typeface="Helvetica"/>
-                <a:cs typeface="Helvetica"/>
-              </a:rPr>
-              <a:t>R</a:t>
-            </a:r>
-            <a:r>
-              <a:rPr lang="en-US" sz="1100" dirty="0" smtClean="0">
-                <a:solidFill>
-                  <a:schemeClr val="tx1"/>
-                </a:solidFill>
-                <a:latin typeface="Helvetica"/>
-                <a:cs typeface="Helvetica"/>
-              </a:rPr>
-              <a:t>ead</a:t>
-            </a:r>
-          </a:p>
-          <a:p>
-            <a:pPr algn="ctr"/>
-            <a:r>
-              <a:rPr lang="en-US" sz="1100" dirty="0" smtClean="0">
-                <a:solidFill>
-                  <a:schemeClr val="tx1"/>
-                </a:solidFill>
-                <a:latin typeface="Helvetica"/>
-                <a:cs typeface="Helvetica"/>
-              </a:rPr>
-              <a:t>Loop</a:t>
-            </a:r>
-            <a:endParaRPr lang="en-US" sz="1100" dirty="0" smtClean="0">
-              <a:solidFill>
-                <a:schemeClr val="tx1"/>
-              </a:solidFill>
-              <a:latin typeface="Helvetica"/>
-              <a:cs typeface="Helvetica"/>
-            </a:endParaRPr>
-          </a:p>
-        </p:txBody>
-      </p:sp>
-      <p:sp>
-        <p:nvSpPr>
-          <p:cNvPr id="106" name="Rectangle 105"/>
-          <p:cNvSpPr/>
-          <p:nvPr/>
-        </p:nvSpPr>
-        <p:spPr>
-          <a:xfrm>
-            <a:off x="6326019" y="3775807"/>
-            <a:ext cx="1038844" cy="525103"/>
+          <a:xfrm>
+            <a:off x="2214280" y="3112926"/>
+            <a:ext cx="799124" cy="625280"/>
           </a:xfrm>
           <a:prstGeom prst="rect">
             <a:avLst/>
@@ -7953,26 +6797,39 @@
           <a:p>
             <a:pPr algn="ctr"/>
             <a:r>
-              <a:rPr lang="en-US" sz="1100" dirty="0">
+              <a:rPr lang="en-US" sz="1000" dirty="0">
                 <a:solidFill>
                   <a:schemeClr val="tx1"/>
                 </a:solidFill>
                 <a:latin typeface="Helvetica"/>
                 <a:cs typeface="Helvetica"/>
               </a:rPr>
-              <a:t>W</a:t>
-            </a:r>
-            <a:r>
-              <a:rPr lang="en-US" sz="1100" dirty="0" smtClean="0">
+              <a:t>r</a:t>
+            </a:r>
+            <a:r>
+              <a:rPr lang="en-US" sz="1000" dirty="0" smtClean="0">
                 <a:solidFill>
                   <a:schemeClr val="tx1"/>
                 </a:solidFill>
                 <a:latin typeface="Helvetica"/>
                 <a:cs typeface="Helvetica"/>
               </a:rPr>
-              <a:t>rite</a:t>
-            </a:r>
-            <a:endParaRPr lang="en-US" sz="1100" dirty="0">
+              <a:t>outing</a:t>
+            </a:r>
+          </a:p>
+          <a:p>
+            <a:pPr algn="ctr"/>
+            <a:r>
+              <a:rPr lang="en-US" sz="1000" dirty="0" smtClean="0">
+                <a:solidFill>
+                  <a:schemeClr val="tx1"/>
+                </a:solidFill>
+                <a:latin typeface="Helvetica"/>
+                <a:cs typeface="Helvetica"/>
+              </a:rPr>
+              <a:t>&amp; monitoring</a:t>
+            </a:r>
+            <a:endParaRPr lang="en-US" sz="1000" dirty="0">
               <a:solidFill>
                 <a:schemeClr val="tx1"/>
               </a:solidFill>
@@ -7982,128 +6839,30 @@
           </a:p>
         </p:txBody>
       </p:sp>
-      <p:cxnSp>
-        <p:nvCxnSpPr>
-          <p:cNvPr id="107" name="Straight Arrow Connector 106"/>
-          <p:cNvCxnSpPr>
-            <a:cxnSpLocks/>
-          </p:cNvCxnSpPr>
-          <p:nvPr/>
-        </p:nvCxnSpPr>
-        <p:spPr>
-          <a:xfrm flipV="1">
-            <a:off x="5669245" y="4064571"/>
-            <a:ext cx="462480" cy="8797"/>
-          </a:xfrm>
-          <a:prstGeom prst="straightConnector1">
-            <a:avLst/>
-          </a:prstGeom>
+      <p:sp>
+        <p:nvSpPr>
+          <p:cNvPr id="4" name="Rectangle 3"/>
+          <p:cNvSpPr/>
+          <p:nvPr/>
+        </p:nvSpPr>
+        <p:spPr>
+          <a:xfrm>
+            <a:off x="3472956" y="2288615"/>
+            <a:ext cx="940561" cy="384137"/>
+          </a:xfrm>
+          <a:prstGeom prst="rect">
+            <a:avLst/>
+          </a:prstGeom>
+          <a:solidFill>
+            <a:schemeClr val="accent5">
+              <a:lumMod val="20000"/>
+              <a:lumOff val="80000"/>
+            </a:schemeClr>
+          </a:solidFill>
           <a:ln w="19050" cmpd="sng">
-            <a:tailEnd type="arrow"/>
-          </a:ln>
-        </p:spPr>
-        <p:style>
-          <a:lnRef idx="2">
-            <a:schemeClr val="dk1"/>
-          </a:lnRef>
-          <a:fillRef idx="0">
-            <a:schemeClr val="dk1"/>
-          </a:fillRef>
-          <a:effectRef idx="1">
-            <a:schemeClr val="dk1"/>
-          </a:effectRef>
-          <a:fontRef idx="minor">
-            <a:schemeClr val="tx1"/>
-          </a:fontRef>
-        </p:style>
-      </p:cxnSp>
-      <p:cxnSp>
-        <p:nvCxnSpPr>
-          <p:cNvPr id="108" name="Straight Arrow Connector 107"/>
-          <p:cNvCxnSpPr>
-            <a:cxnSpLocks/>
-          </p:cNvCxnSpPr>
-          <p:nvPr/>
-        </p:nvCxnSpPr>
-        <p:spPr>
-          <a:xfrm flipV="1">
-            <a:off x="4381782" y="4055774"/>
-            <a:ext cx="462480" cy="8797"/>
-          </a:xfrm>
-          <a:prstGeom prst="straightConnector1">
-            <a:avLst/>
-          </a:prstGeom>
-          <a:ln w="19050" cmpd="sng">
-            <a:tailEnd type="arrow"/>
-          </a:ln>
-        </p:spPr>
-        <p:style>
-          <a:lnRef idx="2">
-            <a:schemeClr val="dk1"/>
-          </a:lnRef>
-          <a:fillRef idx="0">
-            <a:schemeClr val="dk1"/>
-          </a:fillRef>
-          <a:effectRef idx="1">
-            <a:schemeClr val="dk1"/>
-          </a:effectRef>
-          <a:fontRef idx="minor">
-            <a:schemeClr val="tx1"/>
-          </a:fontRef>
-        </p:style>
-      </p:cxnSp>
-      <p:cxnSp>
-        <p:nvCxnSpPr>
-          <p:cNvPr id="110" name="Straight Arrow Connector 109"/>
-          <p:cNvCxnSpPr>
-            <a:cxnSpLocks/>
-          </p:cNvCxnSpPr>
-          <p:nvPr/>
-        </p:nvCxnSpPr>
-        <p:spPr>
-          <a:xfrm>
-            <a:off x="7621870" y="4055773"/>
-            <a:ext cx="900000" cy="1"/>
-          </a:xfrm>
-          <a:prstGeom prst="straightConnector1">
-            <a:avLst/>
-          </a:prstGeom>
-          <a:ln w="19050" cmpd="sng">
-            <a:tailEnd type="arrow"/>
-          </a:ln>
-        </p:spPr>
-        <p:style>
-          <a:lnRef idx="2">
-            <a:schemeClr val="dk1"/>
-          </a:lnRef>
-          <a:fillRef idx="0">
-            <a:schemeClr val="dk1"/>
-          </a:fillRef>
-          <a:effectRef idx="1">
-            <a:schemeClr val="dk1"/>
-          </a:effectRef>
-          <a:fontRef idx="minor">
-            <a:schemeClr val="tx1"/>
-          </a:fontRef>
-        </p:style>
-      </p:cxnSp>
-      <p:sp>
-        <p:nvSpPr>
-          <p:cNvPr id="111" name="Rectangle 110"/>
-          <p:cNvSpPr/>
-          <p:nvPr/>
-        </p:nvSpPr>
-        <p:spPr>
-          <a:xfrm>
-            <a:off x="7649770" y="4189967"/>
-            <a:ext cx="693384" cy="311676"/>
-          </a:xfrm>
-          <a:prstGeom prst="rect">
-            <a:avLst/>
-          </a:prstGeom>
-          <a:noFill/>
-          <a:ln w="19050" cmpd="sng">
-            <a:noFill/>
+            <a:solidFill>
+              <a:schemeClr val="tx1"/>
+            </a:solidFill>
           </a:ln>
         </p:spPr>
         <p:style>
@@ -8124,18 +6883,18 @@
           <a:bodyPr rtlCol="0" anchor="ctr"/>
           <a:lstStyle/>
           <a:p>
-            <a:pPr algn="r"/>
-            <a:r>
-              <a:rPr lang="en-US" sz="1100" dirty="0" smtClean="0">
+            <a:pPr algn="ctr"/>
+            <a:r>
+              <a:rPr lang="en-US" sz="1000" dirty="0" smtClean="0">
                 <a:solidFill>
                   <a:schemeClr val="tx1"/>
                 </a:solidFill>
                 <a:latin typeface="Helvetica"/>
                 <a:cs typeface="Helvetica"/>
               </a:rPr>
-              <a:t>Write</a:t>
-            </a:r>
-            <a:endParaRPr lang="en-US" sz="1100" dirty="0" smtClean="0">
+              <a:t>downstream</a:t>
+            </a:r>
+            <a:endParaRPr lang="en-US" sz="1000" dirty="0">
               <a:solidFill>
                 <a:schemeClr val="tx1"/>
               </a:solidFill>
@@ -8145,56 +6904,30 @@
           </a:p>
         </p:txBody>
       </p:sp>
-      <p:cxnSp>
-        <p:nvCxnSpPr>
-          <p:cNvPr id="12" name="Elbow Connector 11"/>
-          <p:cNvCxnSpPr/>
-          <p:nvPr/>
-        </p:nvCxnSpPr>
-        <p:spPr>
-          <a:xfrm>
-            <a:off x="2311400" y="2853110"/>
-            <a:ext cx="720000" cy="720000"/>
-          </a:xfrm>
-          <a:prstGeom prst="bentConnector3">
-            <a:avLst/>
-          </a:prstGeom>
-          <a:ln>
-            <a:tailEnd type="arrow"/>
-          </a:ln>
-        </p:spPr>
-        <p:style>
-          <a:lnRef idx="2">
-            <a:schemeClr val="dk1"/>
-          </a:lnRef>
-          <a:fillRef idx="0">
-            <a:schemeClr val="dk1"/>
-          </a:fillRef>
-          <a:effectRef idx="1">
-            <a:schemeClr val="dk1"/>
-          </a:effectRef>
-          <a:fontRef idx="minor">
-            <a:schemeClr val="tx1"/>
-          </a:fontRef>
-        </p:style>
-      </p:cxnSp>
-      <p:sp>
-        <p:nvSpPr>
-          <p:cNvPr id="112" name="Rectangle 111"/>
+      <p:sp>
+        <p:nvSpPr>
+          <p:cNvPr id="5" name="Rectangle 4"/>
           <p:cNvSpPr/>
           <p:nvPr/>
         </p:nvSpPr>
         <p:spPr>
           <a:xfrm>
-            <a:off x="1219320" y="3888692"/>
-            <a:ext cx="693384" cy="311676"/>
+            <a:off x="3472956" y="2804748"/>
+            <a:ext cx="940561" cy="384137"/>
           </a:xfrm>
           <a:prstGeom prst="rect">
             <a:avLst/>
           </a:prstGeom>
-          <a:noFill/>
+          <a:solidFill>
+            <a:schemeClr val="accent5">
+              <a:lumMod val="20000"/>
+              <a:lumOff val="80000"/>
+            </a:schemeClr>
+          </a:solidFill>
           <a:ln w="19050" cmpd="sng">
-            <a:noFill/>
+            <a:solidFill>
+              <a:schemeClr val="tx1"/>
+            </a:solidFill>
           </a:ln>
         </p:spPr>
         <p:style>
@@ -8215,18 +6948,18 @@
           <a:bodyPr rtlCol="0" anchor="ctr"/>
           <a:lstStyle/>
           <a:p>
-            <a:pPr algn="r"/>
-            <a:r>
-              <a:rPr lang="en-US" sz="1100" dirty="0" smtClean="0">
+            <a:pPr algn="ctr"/>
+            <a:r>
+              <a:rPr lang="en-US" sz="1000" dirty="0" smtClean="0">
                 <a:solidFill>
                   <a:schemeClr val="tx1"/>
                 </a:solidFill>
                 <a:latin typeface="Helvetica"/>
                 <a:cs typeface="Helvetica"/>
               </a:rPr>
-              <a:t>Write</a:t>
-            </a:r>
-            <a:endParaRPr lang="en-US" sz="1100" dirty="0" smtClean="0">
+              <a:t>downstream</a:t>
+            </a:r>
+            <a:endParaRPr lang="en-US" sz="1000" dirty="0">
               <a:solidFill>
                 <a:schemeClr val="tx1"/>
               </a:solidFill>
@@ -8236,94 +6969,30 @@
           </a:p>
         </p:txBody>
       </p:sp>
-      <p:cxnSp>
-        <p:nvCxnSpPr>
-          <p:cNvPr id="113" name="Straight Arrow Connector 112"/>
-          <p:cNvCxnSpPr>
-            <a:cxnSpLocks/>
-          </p:cNvCxnSpPr>
-          <p:nvPr/>
-        </p:nvCxnSpPr>
-        <p:spPr>
-          <a:xfrm flipV="1">
-            <a:off x="645320" y="4694166"/>
-            <a:ext cx="2160000" cy="1"/>
-          </a:xfrm>
-          <a:prstGeom prst="straightConnector1">
-            <a:avLst/>
-          </a:prstGeom>
+      <p:sp>
+        <p:nvSpPr>
+          <p:cNvPr id="6" name="Rectangle 5"/>
+          <p:cNvSpPr/>
+          <p:nvPr/>
+        </p:nvSpPr>
+        <p:spPr>
+          <a:xfrm>
+            <a:off x="3472956" y="3665400"/>
+            <a:ext cx="940561" cy="384137"/>
+          </a:xfrm>
+          <a:prstGeom prst="rect">
+            <a:avLst/>
+          </a:prstGeom>
+          <a:solidFill>
+            <a:schemeClr val="accent5">
+              <a:lumMod val="20000"/>
+              <a:lumOff val="80000"/>
+            </a:schemeClr>
+          </a:solidFill>
           <a:ln w="19050" cmpd="sng">
-            <a:headEnd type="arrow"/>
-            <a:tailEnd type="none"/>
-          </a:ln>
-        </p:spPr>
-        <p:style>
-          <a:lnRef idx="2">
-            <a:schemeClr val="dk1"/>
-          </a:lnRef>
-          <a:fillRef idx="0">
-            <a:schemeClr val="dk1"/>
-          </a:fillRef>
-          <a:effectRef idx="1">
-            <a:schemeClr val="dk1"/>
-          </a:effectRef>
-          <a:fontRef idx="minor">
-            <a:schemeClr val="tx1"/>
-          </a:fontRef>
-        </p:style>
-      </p:cxnSp>
-      <p:cxnSp>
-        <p:nvCxnSpPr>
-          <p:cNvPr id="114" name="Straight Arrow Connector 113"/>
-          <p:cNvCxnSpPr>
-            <a:cxnSpLocks/>
-          </p:cNvCxnSpPr>
-          <p:nvPr/>
-        </p:nvCxnSpPr>
-        <p:spPr>
-          <a:xfrm>
-            <a:off x="696120" y="4235596"/>
-            <a:ext cx="2160000" cy="1"/>
-          </a:xfrm>
-          <a:prstGeom prst="straightConnector1">
-            <a:avLst/>
-          </a:prstGeom>
-          <a:ln w="19050" cmpd="sng">
-            <a:tailEnd type="arrow"/>
-          </a:ln>
-        </p:spPr>
-        <p:style>
-          <a:lnRef idx="2">
-            <a:schemeClr val="dk1"/>
-          </a:lnRef>
-          <a:fillRef idx="0">
-            <a:schemeClr val="dk1"/>
-          </a:fillRef>
-          <a:effectRef idx="1">
-            <a:schemeClr val="dk1"/>
-          </a:effectRef>
-          <a:fontRef idx="minor">
-            <a:schemeClr val="tx1"/>
-          </a:fontRef>
-        </p:style>
-      </p:cxnSp>
-      <p:sp>
-        <p:nvSpPr>
-          <p:cNvPr id="118" name="Rectangle 117"/>
-          <p:cNvSpPr/>
-          <p:nvPr/>
-        </p:nvSpPr>
-        <p:spPr>
-          <a:xfrm>
-            <a:off x="1232020" y="4345892"/>
-            <a:ext cx="693384" cy="311676"/>
-          </a:xfrm>
-          <a:prstGeom prst="rect">
-            <a:avLst/>
-          </a:prstGeom>
-          <a:noFill/>
-          <a:ln w="19050" cmpd="sng">
-            <a:noFill/>
+            <a:solidFill>
+              <a:schemeClr val="tx1"/>
+            </a:solidFill>
           </a:ln>
         </p:spPr>
         <p:style>
@@ -8344,18 +7013,18 @@
           <a:bodyPr rtlCol="0" anchor="ctr"/>
           <a:lstStyle/>
           <a:p>
-            <a:pPr algn="r"/>
-            <a:r>
-              <a:rPr lang="en-US" sz="1100" dirty="0" smtClean="0">
+            <a:pPr algn="ctr"/>
+            <a:r>
+              <a:rPr lang="en-US" sz="1000" dirty="0" smtClean="0">
                 <a:solidFill>
                   <a:schemeClr val="tx1"/>
                 </a:solidFill>
                 <a:latin typeface="Helvetica"/>
                 <a:cs typeface="Helvetica"/>
               </a:rPr>
-              <a:t>Read</a:t>
-            </a:r>
-            <a:endParaRPr lang="en-US" sz="1100" dirty="0" smtClean="0">
+              <a:t>downstream</a:t>
+            </a:r>
+            <a:endParaRPr lang="en-US" sz="1000" dirty="0">
               <a:solidFill>
                 <a:schemeClr val="tx1"/>
               </a:solidFill>
@@ -8367,26 +7036,93 @@
       </p:sp>
       <p:sp>
         <p:nvSpPr>
-          <p:cNvPr id="120" name="Left Brace 119"/>
+          <p:cNvPr id="7" name="Rectangle 6"/>
           <p:cNvSpPr/>
           <p:nvPr/>
         </p:nvSpPr>
         <p:spPr>
-          <a:xfrm rot="5400000">
-            <a:off x="4317681" y="-1873561"/>
-            <a:ext cx="391437" cy="6264000"/>
-          </a:xfrm>
-          <a:prstGeom prst="leftBrace">
-            <a:avLst>
-              <a:gd name="adj1" fmla="val 39261"/>
-              <a:gd name="adj2" fmla="val 49197"/>
-            </a:avLst>
+          <a:xfrm>
+            <a:off x="3472956" y="4181533"/>
+            <a:ext cx="940561" cy="384137"/>
+          </a:xfrm>
+          <a:prstGeom prst="rect">
+            <a:avLst/>
+          </a:prstGeom>
+          <a:solidFill>
+            <a:schemeClr val="accent5">
+              <a:lumMod val="20000"/>
+              <a:lumOff val="80000"/>
+            </a:schemeClr>
+          </a:solidFill>
+          <a:ln w="19050" cmpd="sng">
+            <a:solidFill>
+              <a:schemeClr val="tx1"/>
+            </a:solidFill>
+          </a:ln>
+        </p:spPr>
+        <p:style>
+          <a:lnRef idx="1">
+            <a:schemeClr val="accent1"/>
+          </a:lnRef>
+          <a:fillRef idx="3">
+            <a:schemeClr val="accent1"/>
+          </a:fillRef>
+          <a:effectRef idx="2">
+            <a:schemeClr val="accent1"/>
+          </a:effectRef>
+          <a:fontRef idx="minor">
+            <a:schemeClr val="lt1"/>
+          </a:fontRef>
+        </p:style>
+        <p:txBody>
+          <a:bodyPr rtlCol="0" anchor="ctr"/>
+          <a:lstStyle/>
+          <a:p>
+            <a:pPr algn="ctr"/>
+            <a:r>
+              <a:rPr lang="en-US" sz="1000" dirty="0" smtClean="0">
+                <a:solidFill>
+                  <a:schemeClr val="tx1"/>
+                </a:solidFill>
+                <a:latin typeface="Helvetica"/>
+                <a:cs typeface="Helvetica"/>
+              </a:rPr>
+              <a:t>downstream</a:t>
+            </a:r>
+            <a:endParaRPr lang="en-US" sz="1000" dirty="0">
+              <a:solidFill>
+                <a:schemeClr val="tx1"/>
+              </a:solidFill>
+              <a:latin typeface="Helvetica"/>
+              <a:cs typeface="Helvetica"/>
+            </a:endParaRPr>
+          </a:p>
+        </p:txBody>
+      </p:sp>
+      <p:cxnSp>
+        <p:nvCxnSpPr>
+          <p:cNvPr id="13" name="Straight Arrow Connector 12"/>
+          <p:cNvCxnSpPr>
+            <a:stCxn id="4" idx="3"/>
+            <a:endCxn id="129" idx="1"/>
+          </p:cNvCxnSpPr>
+          <p:nvPr/>
+        </p:nvCxnSpPr>
+        <p:spPr>
+          <a:xfrm flipV="1">
+            <a:off x="4413517" y="1163787"/>
+            <a:ext cx="1357215" cy="1316897"/>
+          </a:xfrm>
+          <a:prstGeom prst="straightConnector1">
+            <a:avLst/>
           </a:prstGeom>
           <a:noFill/>
           <a:ln w="19050" cmpd="sng">
             <a:solidFill>
               <a:schemeClr val="tx1"/>
             </a:solidFill>
+            <a:headEnd type="arrow"/>
+            <a:tailEnd type="arrow"/>
           </a:ln>
         </p:spPr>
         <p:style>
@@ -8403,12 +7139,430 @@
             <a:schemeClr val="lt1"/>
           </a:fontRef>
         </p:style>
+      </p:cxnSp>
+      <p:cxnSp>
+        <p:nvCxnSpPr>
+          <p:cNvPr id="15" name="Straight Arrow Connector 14"/>
+          <p:cNvCxnSpPr>
+            <a:stCxn id="5" idx="3"/>
+            <a:endCxn id="132" idx="1"/>
+          </p:cNvCxnSpPr>
+          <p:nvPr/>
+        </p:nvCxnSpPr>
+        <p:spPr>
+          <a:xfrm flipV="1">
+            <a:off x="4413517" y="2617250"/>
+            <a:ext cx="1357215" cy="379567"/>
+          </a:xfrm>
+          <a:prstGeom prst="straightConnector1">
+            <a:avLst/>
+          </a:prstGeom>
+          <a:noFill/>
+          <a:ln w="19050" cmpd="sng">
+            <a:solidFill>
+              <a:schemeClr val="tx1"/>
+            </a:solidFill>
+            <a:headEnd type="arrow"/>
+            <a:tailEnd type="arrow"/>
+          </a:ln>
+        </p:spPr>
+        <p:style>
+          <a:lnRef idx="1">
+            <a:schemeClr val="accent1"/>
+          </a:lnRef>
+          <a:fillRef idx="3">
+            <a:schemeClr val="accent1"/>
+          </a:fillRef>
+          <a:effectRef idx="2">
+            <a:schemeClr val="accent1"/>
+          </a:effectRef>
+          <a:fontRef idx="minor">
+            <a:schemeClr val="lt1"/>
+          </a:fontRef>
+        </p:style>
+      </p:cxnSp>
+      <p:cxnSp>
+        <p:nvCxnSpPr>
+          <p:cNvPr id="20" name="Straight Arrow Connector 19"/>
+          <p:cNvCxnSpPr>
+            <a:stCxn id="6" idx="3"/>
+            <a:endCxn id="122" idx="1"/>
+          </p:cNvCxnSpPr>
+          <p:nvPr/>
+        </p:nvCxnSpPr>
+        <p:spPr>
+          <a:xfrm>
+            <a:off x="4413517" y="3857469"/>
+            <a:ext cx="1362002" cy="736227"/>
+          </a:xfrm>
+          <a:prstGeom prst="straightConnector1">
+            <a:avLst/>
+          </a:prstGeom>
+          <a:noFill/>
+          <a:ln w="19050" cmpd="sng">
+            <a:solidFill>
+              <a:schemeClr val="tx1"/>
+            </a:solidFill>
+            <a:headEnd type="arrow"/>
+            <a:tailEnd type="arrow"/>
+          </a:ln>
+        </p:spPr>
+        <p:style>
+          <a:lnRef idx="1">
+            <a:schemeClr val="accent1"/>
+          </a:lnRef>
+          <a:fillRef idx="3">
+            <a:schemeClr val="accent1"/>
+          </a:fillRef>
+          <a:effectRef idx="2">
+            <a:schemeClr val="accent1"/>
+          </a:effectRef>
+          <a:fontRef idx="minor">
+            <a:schemeClr val="lt1"/>
+          </a:fontRef>
+        </p:style>
+      </p:cxnSp>
+      <p:cxnSp>
+        <p:nvCxnSpPr>
+          <p:cNvPr id="23" name="Straight Arrow Connector 22"/>
+          <p:cNvCxnSpPr>
+            <a:stCxn id="7" idx="3"/>
+            <a:endCxn id="116" idx="1"/>
+          </p:cNvCxnSpPr>
+          <p:nvPr/>
+        </p:nvCxnSpPr>
+        <p:spPr>
+          <a:xfrm>
+            <a:off x="4413517" y="4373602"/>
+            <a:ext cx="1362002" cy="1673557"/>
+          </a:xfrm>
+          <a:prstGeom prst="straightConnector1">
+            <a:avLst/>
+          </a:prstGeom>
+          <a:noFill/>
+          <a:ln w="19050" cmpd="sng">
+            <a:solidFill>
+              <a:schemeClr val="tx1"/>
+            </a:solidFill>
+            <a:headEnd type="arrow"/>
+            <a:tailEnd type="arrow"/>
+          </a:ln>
+        </p:spPr>
+        <p:style>
+          <a:lnRef idx="1">
+            <a:schemeClr val="accent1"/>
+          </a:lnRef>
+          <a:fillRef idx="3">
+            <a:schemeClr val="accent1"/>
+          </a:fillRef>
+          <a:effectRef idx="2">
+            <a:schemeClr val="accent1"/>
+          </a:effectRef>
+          <a:fontRef idx="minor">
+            <a:schemeClr val="lt1"/>
+          </a:fontRef>
+        </p:style>
+      </p:cxnSp>
+      <p:cxnSp>
+        <p:nvCxnSpPr>
+          <p:cNvPr id="26" name="Straight Arrow Connector 25"/>
+          <p:cNvCxnSpPr>
+            <a:stCxn id="3" idx="3"/>
+            <a:endCxn id="4" idx="1"/>
+          </p:cNvCxnSpPr>
+          <p:nvPr/>
+        </p:nvCxnSpPr>
+        <p:spPr>
+          <a:xfrm flipV="1">
+            <a:off x="3013405" y="2480684"/>
+            <a:ext cx="459551" cy="944883"/>
+          </a:xfrm>
+          <a:prstGeom prst="straightConnector1">
+            <a:avLst/>
+          </a:prstGeom>
+          <a:noFill/>
+          <a:ln w="19050" cmpd="sng">
+            <a:solidFill>
+              <a:schemeClr val="tx1"/>
+            </a:solidFill>
+            <a:headEnd type="arrow"/>
+            <a:tailEnd type="arrow"/>
+          </a:ln>
+        </p:spPr>
+        <p:style>
+          <a:lnRef idx="1">
+            <a:schemeClr val="accent1"/>
+          </a:lnRef>
+          <a:fillRef idx="3">
+            <a:schemeClr val="accent1"/>
+          </a:fillRef>
+          <a:effectRef idx="2">
+            <a:schemeClr val="accent1"/>
+          </a:effectRef>
+          <a:fontRef idx="minor">
+            <a:schemeClr val="lt1"/>
+          </a:fontRef>
+        </p:style>
+      </p:cxnSp>
+      <p:cxnSp>
+        <p:nvCxnSpPr>
+          <p:cNvPr id="29" name="Straight Arrow Connector 28"/>
+          <p:cNvCxnSpPr>
+            <a:stCxn id="3" idx="3"/>
+            <a:endCxn id="5" idx="1"/>
+          </p:cNvCxnSpPr>
+          <p:nvPr/>
+        </p:nvCxnSpPr>
+        <p:spPr>
+          <a:xfrm flipV="1">
+            <a:off x="3013405" y="2996817"/>
+            <a:ext cx="459551" cy="428750"/>
+          </a:xfrm>
+          <a:prstGeom prst="straightConnector1">
+            <a:avLst/>
+          </a:prstGeom>
+          <a:noFill/>
+          <a:ln w="19050" cmpd="sng">
+            <a:solidFill>
+              <a:schemeClr val="tx1"/>
+            </a:solidFill>
+            <a:headEnd type="arrow"/>
+            <a:tailEnd type="arrow"/>
+          </a:ln>
+        </p:spPr>
+        <p:style>
+          <a:lnRef idx="1">
+            <a:schemeClr val="accent1"/>
+          </a:lnRef>
+          <a:fillRef idx="3">
+            <a:schemeClr val="accent1"/>
+          </a:fillRef>
+          <a:effectRef idx="2">
+            <a:schemeClr val="accent1"/>
+          </a:effectRef>
+          <a:fontRef idx="minor">
+            <a:schemeClr val="lt1"/>
+          </a:fontRef>
+        </p:style>
+      </p:cxnSp>
+      <p:cxnSp>
+        <p:nvCxnSpPr>
+          <p:cNvPr id="32" name="Straight Arrow Connector 31"/>
+          <p:cNvCxnSpPr>
+            <a:stCxn id="3" idx="3"/>
+            <a:endCxn id="6" idx="1"/>
+          </p:cNvCxnSpPr>
+          <p:nvPr/>
+        </p:nvCxnSpPr>
+        <p:spPr>
+          <a:xfrm>
+            <a:off x="3013405" y="3425567"/>
+            <a:ext cx="459551" cy="431902"/>
+          </a:xfrm>
+          <a:prstGeom prst="straightConnector1">
+            <a:avLst/>
+          </a:prstGeom>
+          <a:noFill/>
+          <a:ln w="19050" cmpd="sng">
+            <a:solidFill>
+              <a:schemeClr val="tx1"/>
+            </a:solidFill>
+            <a:headEnd type="arrow"/>
+            <a:tailEnd type="arrow"/>
+          </a:ln>
+        </p:spPr>
+        <p:style>
+          <a:lnRef idx="1">
+            <a:schemeClr val="accent1"/>
+          </a:lnRef>
+          <a:fillRef idx="3">
+            <a:schemeClr val="accent1"/>
+          </a:fillRef>
+          <a:effectRef idx="2">
+            <a:schemeClr val="accent1"/>
+          </a:effectRef>
+          <a:fontRef idx="minor">
+            <a:schemeClr val="lt1"/>
+          </a:fontRef>
+        </p:style>
+      </p:cxnSp>
+      <p:cxnSp>
+        <p:nvCxnSpPr>
+          <p:cNvPr id="35" name="Straight Arrow Connector 34"/>
+          <p:cNvCxnSpPr>
+            <a:stCxn id="3" idx="3"/>
+            <a:endCxn id="7" idx="1"/>
+          </p:cNvCxnSpPr>
+          <p:nvPr/>
+        </p:nvCxnSpPr>
+        <p:spPr>
+          <a:xfrm>
+            <a:off x="3013405" y="3425567"/>
+            <a:ext cx="459551" cy="948035"/>
+          </a:xfrm>
+          <a:prstGeom prst="straightConnector1">
+            <a:avLst/>
+          </a:prstGeom>
+          <a:noFill/>
+          <a:ln w="19050" cmpd="sng">
+            <a:solidFill>
+              <a:schemeClr val="tx1"/>
+            </a:solidFill>
+            <a:headEnd type="arrow"/>
+            <a:tailEnd type="arrow"/>
+          </a:ln>
+        </p:spPr>
+        <p:style>
+          <a:lnRef idx="1">
+            <a:schemeClr val="accent1"/>
+          </a:lnRef>
+          <a:fillRef idx="3">
+            <a:schemeClr val="accent1"/>
+          </a:fillRef>
+          <a:effectRef idx="2">
+            <a:schemeClr val="accent1"/>
+          </a:effectRef>
+          <a:fontRef idx="minor">
+            <a:schemeClr val="lt1"/>
+          </a:fontRef>
+        </p:style>
+      </p:cxnSp>
+      <p:cxnSp>
+        <p:nvCxnSpPr>
+          <p:cNvPr id="38" name="Straight Arrow Connector 37"/>
+          <p:cNvCxnSpPr>
+            <a:stCxn id="2" idx="3"/>
+            <a:endCxn id="3" idx="1"/>
+          </p:cNvCxnSpPr>
+          <p:nvPr/>
+        </p:nvCxnSpPr>
+        <p:spPr>
+          <a:xfrm>
+            <a:off x="1844185" y="3424011"/>
+            <a:ext cx="370096" cy="1556"/>
+          </a:xfrm>
+          <a:prstGeom prst="straightConnector1">
+            <a:avLst/>
+          </a:prstGeom>
+          <a:noFill/>
+          <a:ln w="19050" cmpd="sng">
+            <a:solidFill>
+              <a:schemeClr val="tx1"/>
+            </a:solidFill>
+            <a:headEnd type="arrow"/>
+            <a:tailEnd type="arrow"/>
+          </a:ln>
+        </p:spPr>
+        <p:style>
+          <a:lnRef idx="1">
+            <a:schemeClr val="accent1"/>
+          </a:lnRef>
+          <a:fillRef idx="3">
+            <a:schemeClr val="accent1"/>
+          </a:fillRef>
+          <a:effectRef idx="2">
+            <a:schemeClr val="accent1"/>
+          </a:effectRef>
+          <a:fontRef idx="minor">
+            <a:schemeClr val="lt1"/>
+          </a:fontRef>
+        </p:style>
+      </p:cxnSp>
+      <p:cxnSp>
+        <p:nvCxnSpPr>
+          <p:cNvPr id="51" name="Straight Arrow Connector 50"/>
+          <p:cNvCxnSpPr>
+            <a:stCxn id="73" idx="3"/>
+            <a:endCxn id="2" idx="1"/>
+          </p:cNvCxnSpPr>
+          <p:nvPr/>
+        </p:nvCxnSpPr>
+        <p:spPr>
+          <a:xfrm>
+            <a:off x="616035" y="3424011"/>
+            <a:ext cx="501637" cy="0"/>
+          </a:xfrm>
+          <a:prstGeom prst="straightConnector1">
+            <a:avLst/>
+          </a:prstGeom>
+          <a:noFill/>
+          <a:ln w="19050" cmpd="sng">
+            <a:solidFill>
+              <a:schemeClr val="tx1"/>
+            </a:solidFill>
+            <a:headEnd type="arrow"/>
+            <a:tailEnd type="arrow"/>
+          </a:ln>
+        </p:spPr>
+        <p:style>
+          <a:lnRef idx="1">
+            <a:schemeClr val="accent1"/>
+          </a:lnRef>
+          <a:fillRef idx="3">
+            <a:schemeClr val="accent1"/>
+          </a:fillRef>
+          <a:effectRef idx="2">
+            <a:schemeClr val="accent1"/>
+          </a:effectRef>
+          <a:fontRef idx="minor">
+            <a:schemeClr val="lt1"/>
+          </a:fontRef>
+        </p:style>
+      </p:cxnSp>
+      <p:sp>
+        <p:nvSpPr>
+          <p:cNvPr id="73" name="Rectangle 72"/>
+          <p:cNvSpPr/>
+          <p:nvPr/>
+        </p:nvSpPr>
+        <p:spPr>
+          <a:xfrm>
+            <a:off x="67139" y="3231942"/>
+            <a:ext cx="548896" cy="384137"/>
+          </a:xfrm>
+          <a:prstGeom prst="rect">
+            <a:avLst/>
+          </a:prstGeom>
+          <a:noFill/>
+          <a:ln w="19050" cmpd="sng">
+            <a:solidFill>
+              <a:schemeClr val="tx1"/>
+            </a:solidFill>
+          </a:ln>
+        </p:spPr>
+        <p:style>
+          <a:lnRef idx="1">
+            <a:schemeClr val="accent1"/>
+          </a:lnRef>
+          <a:fillRef idx="3">
+            <a:schemeClr val="accent1"/>
+          </a:fillRef>
+          <a:effectRef idx="2">
+            <a:schemeClr val="accent1"/>
+          </a:effectRef>
+          <a:fontRef idx="minor">
+            <a:schemeClr val="lt1"/>
+          </a:fontRef>
+        </p:style>
         <p:txBody>
           <a:bodyPr rtlCol="0" anchor="ctr"/>
           <a:lstStyle/>
           <a:p>
             <a:pPr algn="ctr"/>
-            <a:endParaRPr lang="en-US" sz="1600">
+            <a:r>
+              <a:rPr lang="en-US" sz="1000" dirty="0" smtClean="0">
+                <a:solidFill>
+                  <a:schemeClr val="tx1"/>
+                </a:solidFill>
+                <a:latin typeface="Helvetica"/>
+                <a:cs typeface="Helvetica"/>
+              </a:rPr>
+              <a:t>client</a:t>
+            </a:r>
+            <a:endParaRPr lang="en-US" sz="1000" dirty="0">
+              <a:solidFill>
+                <a:schemeClr val="tx1"/>
+              </a:solidFill>
               <a:latin typeface="Helvetica"/>
               <a:cs typeface="Helvetica"/>
             </a:endParaRPr>
@@ -8417,14 +7571,157 @@
       </p:sp>
       <p:sp>
         <p:nvSpPr>
-          <p:cNvPr id="121" name="TextBox 120"/>
-          <p:cNvSpPr txBox="1"/>
-          <p:nvPr/>
-        </p:nvSpPr>
-        <p:spPr>
-          <a:xfrm>
-            <a:off x="3079338" y="427546"/>
-            <a:ext cx="2965861" cy="584776"/>
+          <p:cNvPr id="80" name="Rectangle 79"/>
+          <p:cNvSpPr/>
+          <p:nvPr/>
+        </p:nvSpPr>
+        <p:spPr>
+          <a:xfrm>
+            <a:off x="903624" y="1857730"/>
+            <a:ext cx="3753279" cy="2870802"/>
+          </a:xfrm>
+          <a:prstGeom prst="rect">
+            <a:avLst/>
+          </a:prstGeom>
+          <a:noFill/>
+          <a:ln w="19050" cmpd="sng">
+            <a:solidFill>
+              <a:schemeClr val="tx1"/>
+            </a:solidFill>
+          </a:ln>
+        </p:spPr>
+        <p:style>
+          <a:lnRef idx="1">
+            <a:schemeClr val="accent1"/>
+          </a:lnRef>
+          <a:fillRef idx="3">
+            <a:schemeClr val="accent1"/>
+          </a:fillRef>
+          <a:effectRef idx="2">
+            <a:schemeClr val="accent1"/>
+          </a:effectRef>
+          <a:fontRef idx="minor">
+            <a:schemeClr val="lt1"/>
+          </a:fontRef>
+        </p:style>
+        <p:txBody>
+          <a:bodyPr rtlCol="0" anchor="t" anchorCtr="0"/>
+          <a:lstStyle/>
+          <a:p>
+            <a:pPr algn="ctr"/>
+            <a:r>
+              <a:rPr lang="en-US" sz="1000" dirty="0" smtClean="0">
+                <a:solidFill>
+                  <a:schemeClr val="tx1"/>
+                </a:solidFill>
+                <a:latin typeface="Helvetica"/>
+                <a:cs typeface="Helvetica"/>
+              </a:rPr>
+              <a:t>Content Switching Load Balancer</a:t>
+            </a:r>
+          </a:p>
+          <a:p>
+            <a:pPr algn="ctr"/>
+            <a:r>
+              <a:rPr lang="en-US" sz="1000" dirty="0" smtClean="0">
+                <a:solidFill>
+                  <a:schemeClr val="tx1"/>
+                </a:solidFill>
+                <a:latin typeface="Helvetica"/>
+                <a:cs typeface="Helvetica"/>
+              </a:rPr>
+              <a:t>(</a:t>
+            </a:r>
+            <a:r>
+              <a:rPr lang="en-US" sz="1000" dirty="0" err="1" smtClean="0">
+                <a:solidFill>
+                  <a:schemeClr val="tx1"/>
+                </a:solidFill>
+                <a:latin typeface="Helvetica"/>
+                <a:cs typeface="Helvetica"/>
+              </a:rPr>
+              <a:t>Docker</a:t>
+            </a:r>
+            <a:r>
+              <a:rPr lang="en-US" sz="1000" dirty="0" smtClean="0">
+                <a:solidFill>
+                  <a:schemeClr val="tx1"/>
+                </a:solidFill>
+                <a:latin typeface="Helvetica"/>
+                <a:cs typeface="Helvetica"/>
+              </a:rPr>
+              <a:t> Container)</a:t>
+            </a:r>
+            <a:endParaRPr lang="en-US" sz="1000" dirty="0">
+              <a:solidFill>
+                <a:schemeClr val="tx1"/>
+              </a:solidFill>
+              <a:latin typeface="Helvetica"/>
+              <a:cs typeface="Helvetica"/>
+            </a:endParaRPr>
+          </a:p>
+        </p:txBody>
+      </p:sp>
+      <p:sp>
+        <p:nvSpPr>
+          <p:cNvPr id="46" name="Curved Right Arrow 45"/>
+          <p:cNvSpPr/>
+          <p:nvPr/>
+        </p:nvSpPr>
+        <p:spPr>
+          <a:xfrm rot="10800000">
+            <a:off x="7509579" y="2090266"/>
+            <a:ext cx="841631" cy="2668022"/>
+          </a:xfrm>
+          <a:prstGeom prst="curvedRightArrow">
+            <a:avLst/>
+          </a:prstGeom>
+          <a:noFill/>
+          <a:ln w="19050" cmpd="sng">
+            <a:solidFill>
+              <a:schemeClr val="tx1"/>
+            </a:solidFill>
+          </a:ln>
+        </p:spPr>
+        <p:style>
+          <a:lnRef idx="1">
+            <a:schemeClr val="accent1"/>
+          </a:lnRef>
+          <a:fillRef idx="3">
+            <a:schemeClr val="accent1"/>
+          </a:fillRef>
+          <a:effectRef idx="2">
+            <a:schemeClr val="accent1"/>
+          </a:effectRef>
+          <a:fontRef idx="minor">
+            <a:schemeClr val="lt1"/>
+          </a:fontRef>
+        </p:style>
+        <p:txBody>
+          <a:bodyPr rtlCol="0" anchor="ctr"/>
+          <a:lstStyle/>
+          <a:p>
+            <a:pPr algn="ctr"/>
+            <a:endParaRPr lang="en-US" sz="1000" dirty="0" smtClean="0">
+              <a:solidFill>
+                <a:schemeClr val="tx1"/>
+              </a:solidFill>
+              <a:latin typeface="Helvetica"/>
+              <a:cs typeface="Helvetica"/>
+            </a:endParaRPr>
+          </a:p>
+        </p:txBody>
+      </p:sp>
+      <p:sp>
+        <p:nvSpPr>
+          <p:cNvPr id="96" name="Rectangle 95"/>
+          <p:cNvSpPr/>
+          <p:nvPr/>
+        </p:nvSpPr>
+        <p:spPr>
+          <a:xfrm>
+            <a:off x="8351210" y="3233440"/>
+            <a:ext cx="822647" cy="384137"/>
           </a:xfrm>
           <a:prstGeom prst="rect">
             <a:avLst/>
@@ -8434,65 +7731,309 @@
             <a:noFill/>
           </a:ln>
         </p:spPr>
-        <p:txBody>
-          <a:bodyPr wrap="square" rtlCol="0">
-            <a:spAutoFit/>
-          </a:bodyPr>
+        <p:style>
+          <a:lnRef idx="1">
+            <a:schemeClr val="accent1"/>
+          </a:lnRef>
+          <a:fillRef idx="3">
+            <a:schemeClr val="accent1"/>
+          </a:fillRef>
+          <a:effectRef idx="2">
+            <a:schemeClr val="accent1"/>
+          </a:effectRef>
+          <a:fontRef idx="minor">
+            <a:schemeClr val="lt1"/>
+          </a:fontRef>
+        </p:style>
+        <p:txBody>
+          <a:bodyPr rtlCol="0" anchor="ctr"/>
           <a:lstStyle/>
           <a:p>
             <a:pPr algn="ctr"/>
             <a:r>
-              <a:rPr lang="en-US" sz="1600" dirty="0" smtClean="0">
+              <a:rPr lang="en-US" sz="1000" dirty="0" smtClean="0">
+                <a:solidFill>
+                  <a:schemeClr val="tx1"/>
+                </a:solidFill>
                 <a:latin typeface="Helvetica"/>
                 <a:cs typeface="Helvetica"/>
               </a:rPr>
-              <a:t>Load Balancing Proxy </a:t>
-            </a:r>
-            <a:r>
-              <a:rPr lang="en-US" sz="1600" dirty="0">
+              <a:t>Application</a:t>
+            </a:r>
+          </a:p>
+          <a:p>
+            <a:pPr algn="ctr"/>
+            <a:r>
+              <a:rPr lang="en-US" sz="1000" dirty="0" smtClean="0">
+                <a:solidFill>
+                  <a:schemeClr val="tx1"/>
+                </a:solidFill>
                 <a:latin typeface="Helvetica"/>
                 <a:cs typeface="Helvetica"/>
               </a:rPr>
-              <a:t>W</a:t>
-            </a:r>
-            <a:r>
-              <a:rPr lang="en-US" sz="1600" dirty="0" smtClean="0">
+              <a:t>Update</a:t>
+            </a:r>
+          </a:p>
+        </p:txBody>
+      </p:sp>
+      <p:sp>
+        <p:nvSpPr>
+          <p:cNvPr id="116" name="Rectangle 115"/>
+          <p:cNvSpPr/>
+          <p:nvPr/>
+        </p:nvSpPr>
+        <p:spPr>
+          <a:xfrm>
+            <a:off x="5775519" y="5855090"/>
+            <a:ext cx="940561" cy="384137"/>
+          </a:xfrm>
+          <a:prstGeom prst="rect">
+            <a:avLst/>
+          </a:prstGeom>
+          <a:solidFill>
+            <a:schemeClr val="accent2"/>
+          </a:solidFill>
+          <a:ln w="19050" cmpd="sng">
+            <a:solidFill>
+              <a:schemeClr val="tx1"/>
+            </a:solidFill>
+          </a:ln>
+        </p:spPr>
+        <p:style>
+          <a:lnRef idx="1">
+            <a:schemeClr val="accent1"/>
+          </a:lnRef>
+          <a:fillRef idx="3">
+            <a:schemeClr val="accent1"/>
+          </a:fillRef>
+          <a:effectRef idx="2">
+            <a:schemeClr val="accent1"/>
+          </a:effectRef>
+          <a:fontRef idx="minor">
+            <a:schemeClr val="lt1"/>
+          </a:fontRef>
+        </p:style>
+        <p:txBody>
+          <a:bodyPr rtlCol="0" anchor="ctr"/>
+          <a:lstStyle/>
+          <a:p>
+            <a:pPr algn="ctr"/>
+            <a:r>
+              <a:rPr lang="en-US" sz="1000" dirty="0" smtClean="0">
+                <a:solidFill>
+                  <a:schemeClr val="tx1"/>
+                </a:solidFill>
                 <a:latin typeface="Helvetica"/>
                 <a:cs typeface="Helvetica"/>
               </a:rPr>
-              <a:t>ith </a:t>
-            </a:r>
-            <a:r>
-              <a:rPr lang="en-US" sz="1600" dirty="0">
+              <a:t>1.0 Application</a:t>
+            </a:r>
+            <a:endParaRPr lang="en-US" sz="1000" dirty="0">
+              <a:solidFill>
+                <a:schemeClr val="tx1"/>
+              </a:solidFill>
+              <a:latin typeface="Helvetica"/>
+              <a:cs typeface="Helvetica"/>
+            </a:endParaRPr>
+          </a:p>
+        </p:txBody>
+      </p:sp>
+      <p:sp>
+        <p:nvSpPr>
+          <p:cNvPr id="122" name="Rectangle 121"/>
+          <p:cNvSpPr/>
+          <p:nvPr/>
+        </p:nvSpPr>
+        <p:spPr>
+          <a:xfrm>
+            <a:off x="5775519" y="4401627"/>
+            <a:ext cx="940561" cy="384137"/>
+          </a:xfrm>
+          <a:prstGeom prst="rect">
+            <a:avLst/>
+          </a:prstGeom>
+          <a:solidFill>
+            <a:schemeClr val="accent2"/>
+          </a:solidFill>
+          <a:ln w="19050" cmpd="sng">
+            <a:solidFill>
+              <a:schemeClr val="tx1"/>
+            </a:solidFill>
+          </a:ln>
+        </p:spPr>
+        <p:style>
+          <a:lnRef idx="1">
+            <a:schemeClr val="accent1"/>
+          </a:lnRef>
+          <a:fillRef idx="3">
+            <a:schemeClr val="accent1"/>
+          </a:fillRef>
+          <a:effectRef idx="2">
+            <a:schemeClr val="accent1"/>
+          </a:effectRef>
+          <a:fontRef idx="minor">
+            <a:schemeClr val="lt1"/>
+          </a:fontRef>
+        </p:style>
+        <p:txBody>
+          <a:bodyPr rtlCol="0" anchor="ctr"/>
+          <a:lstStyle/>
+          <a:p>
+            <a:pPr algn="ctr"/>
+            <a:r>
+              <a:rPr lang="en-US" sz="1000" dirty="0" smtClean="0">
+                <a:solidFill>
+                  <a:schemeClr val="tx1"/>
+                </a:solidFill>
                 <a:latin typeface="Helvetica"/>
                 <a:cs typeface="Helvetica"/>
               </a:rPr>
-              <a:t>Content Counting</a:t>
-            </a:r>
-            <a:endParaRPr lang="en-US" sz="1600" dirty="0">
+              <a:t>1.0 Application</a:t>
+            </a:r>
+            <a:endParaRPr lang="en-US" sz="1000" dirty="0">
+              <a:solidFill>
+                <a:schemeClr val="tx1"/>
+              </a:solidFill>
               <a:latin typeface="Helvetica"/>
               <a:cs typeface="Helvetica"/>
             </a:endParaRPr>
           </a:p>
         </p:txBody>
       </p:sp>
+      <p:sp>
+        <p:nvSpPr>
+          <p:cNvPr id="132" name="Rectangle 131"/>
+          <p:cNvSpPr/>
+          <p:nvPr/>
+        </p:nvSpPr>
+        <p:spPr>
+          <a:xfrm>
+            <a:off x="5770732" y="2425181"/>
+            <a:ext cx="940561" cy="384137"/>
+          </a:xfrm>
+          <a:prstGeom prst="rect">
+            <a:avLst/>
+          </a:prstGeom>
+          <a:solidFill>
+            <a:schemeClr val="accent3"/>
+          </a:solidFill>
+          <a:ln w="19050" cmpd="sng">
+            <a:solidFill>
+              <a:schemeClr val="tx1"/>
+            </a:solidFill>
+          </a:ln>
+        </p:spPr>
+        <p:style>
+          <a:lnRef idx="1">
+            <a:schemeClr val="accent1"/>
+          </a:lnRef>
+          <a:fillRef idx="3">
+            <a:schemeClr val="accent1"/>
+          </a:fillRef>
+          <a:effectRef idx="2">
+            <a:schemeClr val="accent1"/>
+          </a:effectRef>
+          <a:fontRef idx="minor">
+            <a:schemeClr val="lt1"/>
+          </a:fontRef>
+        </p:style>
+        <p:txBody>
+          <a:bodyPr rtlCol="0" anchor="ctr"/>
+          <a:lstStyle/>
+          <a:p>
+            <a:pPr algn="ctr"/>
+            <a:r>
+              <a:rPr lang="en-US" sz="1000" dirty="0" smtClean="0">
+                <a:solidFill>
+                  <a:schemeClr val="tx1"/>
+                </a:solidFill>
+                <a:latin typeface="Helvetica"/>
+                <a:cs typeface="Helvetica"/>
+              </a:rPr>
+              <a:t>1.1 Application</a:t>
+            </a:r>
+            <a:endParaRPr lang="en-US" sz="1000" dirty="0">
+              <a:solidFill>
+                <a:schemeClr val="tx1"/>
+              </a:solidFill>
+              <a:latin typeface="Helvetica"/>
+              <a:cs typeface="Helvetica"/>
+            </a:endParaRPr>
+          </a:p>
+        </p:txBody>
+      </p:sp>
+      <p:sp>
+        <p:nvSpPr>
+          <p:cNvPr id="129" name="Rectangle 128"/>
+          <p:cNvSpPr/>
+          <p:nvPr/>
+        </p:nvSpPr>
+        <p:spPr>
+          <a:xfrm>
+            <a:off x="5770732" y="971718"/>
+            <a:ext cx="940561" cy="384137"/>
+          </a:xfrm>
+          <a:prstGeom prst="rect">
+            <a:avLst/>
+          </a:prstGeom>
+          <a:solidFill>
+            <a:schemeClr val="accent3"/>
+          </a:solidFill>
+          <a:ln w="19050" cmpd="sng">
+            <a:solidFill>
+              <a:schemeClr val="tx1"/>
+            </a:solidFill>
+          </a:ln>
+        </p:spPr>
+        <p:style>
+          <a:lnRef idx="1">
+            <a:schemeClr val="accent1"/>
+          </a:lnRef>
+          <a:fillRef idx="3">
+            <a:schemeClr val="accent1"/>
+          </a:fillRef>
+          <a:effectRef idx="2">
+            <a:schemeClr val="accent1"/>
+          </a:effectRef>
+          <a:fontRef idx="minor">
+            <a:schemeClr val="lt1"/>
+          </a:fontRef>
+        </p:style>
+        <p:txBody>
+          <a:bodyPr rtlCol="0" anchor="ctr"/>
+          <a:lstStyle/>
+          <a:p>
+            <a:pPr algn="ctr"/>
+            <a:r>
+              <a:rPr lang="en-US" sz="1000" dirty="0" smtClean="0">
+                <a:solidFill>
+                  <a:schemeClr val="tx1"/>
+                </a:solidFill>
+                <a:latin typeface="Helvetica"/>
+                <a:cs typeface="Helvetica"/>
+              </a:rPr>
+              <a:t>1.1 Application</a:t>
+            </a:r>
+            <a:endParaRPr lang="en-US" sz="1000" dirty="0">
+              <a:solidFill>
+                <a:schemeClr val="tx1"/>
+              </a:solidFill>
+              <a:latin typeface="Helvetica"/>
+              <a:cs typeface="Helvetica"/>
+            </a:endParaRPr>
+          </a:p>
+        </p:txBody>
+      </p:sp>
     </p:spTree>
     <p:extLst>
       <p:ext uri="{BB962C8B-B14F-4D97-AF65-F5344CB8AC3E}">
-        <p14:creationId xmlns:p14="http://schemas.microsoft.com/office/powerpoint/2010/main" val="3730522394"/>
+        <p14:creationId xmlns:p14="http://schemas.microsoft.com/office/powerpoint/2010/main" val="513649475"/>
       </p:ext>
     </p:extLst>
   </p:cSld>
   <p:clrMapOvr>
     <a:masterClrMapping/>
   </p:clrMapOvr>
-  <p:timing>
-    <p:tnLst>
-      <p:par>
-        <p:cTn xmlns:p14="http://schemas.microsoft.com/office/powerpoint/2010/main" id="1" dur="indefinite" restart="never" nodeType="tmRoot"/>
-      </p:par>
-    </p:tnLst>
-  </p:timing>
 </p:sld>
 </file>
 
@@ -8521,7 +8062,7 @@
         </p:nvSpPr>
         <p:spPr>
           <a:xfrm rot="16200000">
-            <a:off x="4653123" y="784690"/>
+            <a:off x="4653123" y="1025990"/>
             <a:ext cx="1249612" cy="5903682"/>
           </a:xfrm>
           <a:custGeom>
@@ -8558,7 +8099,9 @@
             </a:pathLst>
           </a:custGeom>
           <a:solidFill>
-            <a:schemeClr val="bg2"/>
+            <a:schemeClr val="bg2">
+              <a:alpha val="50000"/>
+            </a:schemeClr>
           </a:solidFill>
           <a:ln w="19050" cmpd="sng">
             <a:solidFill>
@@ -8604,7 +8147,7 @@
         </p:nvSpPr>
         <p:spPr>
           <a:xfrm>
-            <a:off x="2631043" y="2037261"/>
+            <a:off x="2631043" y="2278561"/>
             <a:ext cx="995213" cy="345750"/>
           </a:xfrm>
           <a:prstGeom prst="rect">
@@ -8669,7 +8212,7 @@
         </p:nvSpPr>
         <p:spPr>
           <a:xfrm rot="10800000">
-            <a:off x="1057989" y="1168610"/>
+            <a:off x="1057989" y="1409910"/>
             <a:ext cx="932660" cy="2164741"/>
           </a:xfrm>
           <a:prstGeom prst="circularArrow">
@@ -8725,7 +8268,7 @@
         </p:nvSpPr>
         <p:spPr>
           <a:xfrm>
-            <a:off x="1186121" y="2050771"/>
+            <a:off x="1186121" y="2292071"/>
             <a:ext cx="693384" cy="311676"/>
           </a:xfrm>
           <a:prstGeom prst="rect">
@@ -8776,7 +8319,7 @@
         </p:nvSpPr>
         <p:spPr>
           <a:xfrm>
-            <a:off x="6466756" y="3580693"/>
+            <a:off x="6466756" y="3821993"/>
             <a:ext cx="792770" cy="311676"/>
           </a:xfrm>
           <a:prstGeom prst="rect">
@@ -8838,7 +8381,7 @@
         </p:nvSpPr>
         <p:spPr>
           <a:xfrm>
-            <a:off x="2736084" y="3580693"/>
+            <a:off x="2736084" y="3821993"/>
             <a:ext cx="792770" cy="311676"/>
           </a:xfrm>
           <a:prstGeom prst="rect">
@@ -8900,7 +8443,7 @@
         </p:nvSpPr>
         <p:spPr>
           <a:xfrm>
-            <a:off x="5223199" y="3580693"/>
+            <a:off x="5223199" y="3821993"/>
             <a:ext cx="792770" cy="311676"/>
           </a:xfrm>
           <a:prstGeom prst="rect">
@@ -8962,7 +8505,7 @@
         </p:nvSpPr>
         <p:spPr>
           <a:xfrm>
-            <a:off x="3979643" y="3580693"/>
+            <a:off x="3979643" y="3821993"/>
             <a:ext cx="792770" cy="311676"/>
           </a:xfrm>
           <a:prstGeom prst="rect">
@@ -9027,7 +8570,7 @@
         </p:nvCxnSpPr>
         <p:spPr>
           <a:xfrm flipH="1" flipV="1">
-            <a:off x="4376028" y="3892369"/>
+            <a:off x="4376028" y="4133669"/>
             <a:ext cx="5945" cy="531390"/>
           </a:xfrm>
           <a:prstGeom prst="straightConnector1">
@@ -9068,7 +8611,7 @@
         </p:nvCxnSpPr>
         <p:spPr>
           <a:xfrm>
-            <a:off x="3128650" y="2383011"/>
+            <a:off x="3128650" y="2624311"/>
             <a:ext cx="0" cy="855489"/>
           </a:xfrm>
           <a:prstGeom prst="straightConnector1">
@@ -9104,7 +8647,7 @@
         </p:nvCxnSpPr>
         <p:spPr>
           <a:xfrm>
-            <a:off x="1990649" y="2210136"/>
+            <a:off x="1990649" y="2451436"/>
             <a:ext cx="640394" cy="0"/>
           </a:xfrm>
           <a:prstGeom prst="straightConnector1">
@@ -9137,7 +8680,7 @@
         </p:nvSpPr>
         <p:spPr>
           <a:xfrm>
-            <a:off x="3835400" y="4423759"/>
+            <a:off x="3835400" y="4665059"/>
             <a:ext cx="1093145" cy="345750"/>
           </a:xfrm>
           <a:prstGeom prst="rect">
@@ -9202,7 +8745,7 @@
         </p:nvSpPr>
         <p:spPr>
           <a:xfrm rot="5400000">
-            <a:off x="4127714" y="2615349"/>
+            <a:off x="4127714" y="2856649"/>
             <a:ext cx="1249612" cy="5903683"/>
           </a:xfrm>
           <a:custGeom>
@@ -9239,7 +8782,9 @@
             </a:pathLst>
           </a:custGeom>
           <a:solidFill>
-            <a:schemeClr val="bg2"/>
+            <a:schemeClr val="bg2">
+              <a:alpha val="50000"/>
+            </a:schemeClr>
           </a:solidFill>
           <a:ln w="19050" cmpd="sng">
             <a:solidFill>
@@ -9285,7 +8830,7 @@
         </p:nvSpPr>
         <p:spPr>
           <a:xfrm>
-            <a:off x="6461956" y="5425305"/>
+            <a:off x="6461956" y="5666605"/>
             <a:ext cx="792770" cy="311676"/>
           </a:xfrm>
           <a:prstGeom prst="rect">
@@ -9347,7 +8892,7 @@
         </p:nvSpPr>
         <p:spPr>
           <a:xfrm>
-            <a:off x="2731284" y="5425305"/>
+            <a:off x="2731284" y="5666605"/>
             <a:ext cx="792770" cy="311676"/>
           </a:xfrm>
           <a:prstGeom prst="rect">
@@ -9409,7 +8954,7 @@
         </p:nvSpPr>
         <p:spPr>
           <a:xfrm>
-            <a:off x="5218398" y="5425305"/>
+            <a:off x="5218398" y="5666605"/>
             <a:ext cx="792770" cy="311676"/>
           </a:xfrm>
           <a:prstGeom prst="rect">
@@ -9471,7 +9016,7 @@
         </p:nvSpPr>
         <p:spPr>
           <a:xfrm>
-            <a:off x="3974843" y="5425305"/>
+            <a:off x="3974843" y="5666605"/>
             <a:ext cx="792770" cy="311676"/>
           </a:xfrm>
           <a:prstGeom prst="rect">
@@ -9533,7 +9078,7 @@
         </p:nvCxnSpPr>
         <p:spPr>
           <a:xfrm rot="16200000" flipV="1">
-            <a:off x="4911426" y="4723777"/>
+            <a:off x="4911426" y="4965077"/>
             <a:ext cx="380016" cy="345130"/>
           </a:xfrm>
           <a:prstGeom prst="bentConnector3">
@@ -9573,7 +9118,7 @@
         </p:nvSpPr>
         <p:spPr>
           <a:xfrm rot="5400000">
-            <a:off x="3394212" y="2365480"/>
+            <a:off x="3394212" y="2606780"/>
             <a:ext cx="1971846" cy="440987"/>
           </a:xfrm>
           <a:prstGeom prst="rightArrow">
@@ -9630,7 +9175,7 @@
         </p:nvGrpSpPr>
         <p:grpSpPr>
           <a:xfrm>
-            <a:off x="3128650" y="308255"/>
+            <a:off x="3128650" y="549555"/>
             <a:ext cx="2450778" cy="1291794"/>
             <a:chOff x="3203508" y="1267193"/>
             <a:chExt cx="2256434" cy="1393169"/>
@@ -9915,7 +9460,7 @@
         </p:nvCxnSpPr>
         <p:spPr>
           <a:xfrm>
-            <a:off x="3528854" y="3736532"/>
+            <a:off x="3528854" y="3977832"/>
             <a:ext cx="450788" cy="0"/>
           </a:xfrm>
           <a:prstGeom prst="straightConnector1">
@@ -9952,7 +9497,7 @@
         </p:nvCxnSpPr>
         <p:spPr>
           <a:xfrm>
-            <a:off x="4772413" y="3736532"/>
+            <a:off x="4772413" y="3977832"/>
             <a:ext cx="450786" cy="0"/>
           </a:xfrm>
           <a:prstGeom prst="straightConnector1">
@@ -9988,7 +9533,7 @@
         </p:nvCxnSpPr>
         <p:spPr>
           <a:xfrm>
-            <a:off x="6015970" y="3736532"/>
+            <a:off x="6015970" y="3977832"/>
             <a:ext cx="450786" cy="0"/>
           </a:xfrm>
           <a:prstGeom prst="straightConnector1">
@@ -10025,7 +9570,7 @@
         </p:nvCxnSpPr>
         <p:spPr>
           <a:xfrm flipH="1">
-            <a:off x="3524054" y="5581143"/>
+            <a:off x="3524054" y="5822443"/>
             <a:ext cx="450788" cy="0"/>
           </a:xfrm>
           <a:prstGeom prst="straightConnector1">
@@ -10061,7 +9606,7 @@
         </p:nvCxnSpPr>
         <p:spPr>
           <a:xfrm flipH="1">
-            <a:off x="4772413" y="5581143"/>
+            <a:off x="4772413" y="5822443"/>
             <a:ext cx="445985" cy="0"/>
           </a:xfrm>
           <a:prstGeom prst="straightConnector1">
@@ -10097,7 +9642,7 @@
         </p:nvCxnSpPr>
         <p:spPr>
           <a:xfrm flipH="1">
-            <a:off x="6015970" y="5581143"/>
+            <a:off x="6015970" y="5822443"/>
             <a:ext cx="445986" cy="0"/>
           </a:xfrm>
           <a:prstGeom prst="straightConnector1">
@@ -10130,7 +9675,7 @@
         </p:nvSpPr>
         <p:spPr>
           <a:xfrm rot="16200000">
-            <a:off x="-2028022" y="3723149"/>
+            <a:off x="-2028022" y="3964449"/>
             <a:ext cx="4591948" cy="345750"/>
           </a:xfrm>
           <a:prstGeom prst="rect">
@@ -10197,7 +9742,7 @@
         </p:nvCxnSpPr>
         <p:spPr>
           <a:xfrm>
-            <a:off x="440828" y="2210136"/>
+            <a:off x="440828" y="2451436"/>
             <a:ext cx="617160" cy="0"/>
           </a:xfrm>
           <a:prstGeom prst="straightConnector1">
@@ -10230,7 +9775,7 @@
         </p:nvSpPr>
         <p:spPr>
           <a:xfrm>
-            <a:off x="440828" y="1899505"/>
+            <a:off x="440828" y="2140805"/>
             <a:ext cx="693384" cy="311676"/>
           </a:xfrm>
           <a:prstGeom prst="rect">
@@ -10280,7 +9825,7 @@
         </p:nvSpPr>
         <p:spPr>
           <a:xfrm>
-            <a:off x="440828" y="3416059"/>
+            <a:off x="440828" y="3657359"/>
             <a:ext cx="693384" cy="311676"/>
           </a:xfrm>
           <a:prstGeom prst="rect">
@@ -10332,7 +9877,7 @@
         </p:nvCxnSpPr>
         <p:spPr>
           <a:xfrm>
-            <a:off x="440828" y="3736532"/>
+            <a:off x="440828" y="3977832"/>
             <a:ext cx="1885260" cy="1"/>
           </a:xfrm>
           <a:prstGeom prst="straightConnector1">
@@ -10367,7 +9912,7 @@
         </p:nvCxnSpPr>
         <p:spPr>
           <a:xfrm>
-            <a:off x="440828" y="5567632"/>
+            <a:off x="440828" y="5808932"/>
             <a:ext cx="1359850" cy="0"/>
           </a:xfrm>
           <a:prstGeom prst="straightConnector1">
@@ -10401,7 +9946,7 @@
         </p:nvSpPr>
         <p:spPr>
           <a:xfrm>
-            <a:off x="467086" y="5255956"/>
+            <a:off x="467086" y="5497256"/>
             <a:ext cx="693384" cy="311676"/>
           </a:xfrm>
           <a:prstGeom prst="rect">
@@ -10451,7 +9996,7 @@
         </p:nvSpPr>
         <p:spPr>
           <a:xfrm rot="16200000">
-            <a:off x="6569151" y="3719493"/>
+            <a:off x="6569151" y="3960793"/>
             <a:ext cx="4591948" cy="345750"/>
           </a:xfrm>
           <a:prstGeom prst="rect">
@@ -10518,7 +10063,7 @@
         </p:nvCxnSpPr>
         <p:spPr>
           <a:xfrm>
-            <a:off x="4940300" y="4545834"/>
+            <a:off x="4940300" y="4787134"/>
             <a:ext cx="3748775" cy="0"/>
           </a:xfrm>
           <a:prstGeom prst="straightConnector1">
@@ -10551,7 +10096,7 @@
         </p:nvSpPr>
         <p:spPr>
           <a:xfrm>
-            <a:off x="4886044" y="4241262"/>
+            <a:off x="4886044" y="4482562"/>
             <a:ext cx="693384" cy="311676"/>
           </a:xfrm>
           <a:prstGeom prst="rect">
@@ -10603,7 +10148,7 @@
         </p:nvCxnSpPr>
         <p:spPr>
           <a:xfrm flipV="1">
-            <a:off x="8229770" y="3727736"/>
+            <a:off x="8229770" y="3969036"/>
             <a:ext cx="462480" cy="8797"/>
           </a:xfrm>
           <a:prstGeom prst="straightConnector1">
@@ -10636,7 +10181,7 @@
         </p:nvSpPr>
         <p:spPr>
           <a:xfrm>
-            <a:off x="7998866" y="3412621"/>
+            <a:off x="7998866" y="3653921"/>
             <a:ext cx="693384" cy="311676"/>
           </a:xfrm>
           <a:prstGeom prst="rect">
@@ -10689,7 +10234,7 @@
         </p:nvCxnSpPr>
         <p:spPr>
           <a:xfrm flipV="1">
-            <a:off x="7704362" y="5581143"/>
+            <a:off x="7704362" y="5822443"/>
             <a:ext cx="978644" cy="1"/>
           </a:xfrm>
           <a:prstGeom prst="straightConnector1">
@@ -10723,7 +10268,7 @@
         </p:nvSpPr>
         <p:spPr>
           <a:xfrm>
-            <a:off x="7989622" y="5255956"/>
+            <a:off x="7989622" y="5497256"/>
             <a:ext cx="693384" cy="311676"/>
           </a:xfrm>
           <a:prstGeom prst="rect">
@@ -11065,21 +10610,24 @@
   <a:objectDefaults>
     <a:spDef>
       <a:spPr>
-        <a:noFill/>
-        <a:ln w="28575" cmpd="sng">
+        <a:solidFill>
+          <a:schemeClr val="bg2"/>
+        </a:solidFill>
+        <a:ln w="19050" cmpd="sng">
           <a:solidFill>
             <a:schemeClr val="tx1"/>
           </a:solidFill>
         </a:ln>
       </a:spPr>
-      <a:bodyPr rtlCol="0" anchor="ctr"/>
+      <a:bodyPr rtlCol="0" anchor="t" anchorCtr="0"/>
       <a:lstStyle>
         <a:defPPr algn="ctr">
-          <a:defRPr dirty="0" smtClean="0">
+          <a:defRPr sz="1000" dirty="0">
             <a:solidFill>
               <a:schemeClr val="tx1"/>
             </a:solidFill>
-            <a:latin typeface="Chalkboard SE"/>
+            <a:latin typeface="Helvetica"/>
+            <a:cs typeface="Helvetica"/>
           </a:defRPr>
         </a:defPPr>
       </a:lstStyle>

--- a/report/overview_diagrams.pptx
+++ b/report/overview_diagrams.pptx
@@ -9,6 +9,7 @@
     <p:sldId id="261" r:id="rId3"/>
     <p:sldId id="262" r:id="rId4"/>
     <p:sldId id="260" r:id="rId5"/>
+    <p:sldId id="263" r:id="rId6"/>
   </p:sldIdLst>
   <p:sldSz cx="9144000" cy="6858000" type="screen4x3"/>
   <p:notesSz cx="6858000" cy="9144000"/>
@@ -10328,6 +10329,66 @@
       </p:par>
     </p:tnLst>
   </p:timing>
+</p:sld>
+</file>
+
+<file path=ppt/slides/slide5.xml><?xml version="1.0" encoding="utf-8"?>
+<p:sld xmlns:a="http://schemas.openxmlformats.org/drawingml/2006/main" xmlns:r="http://schemas.openxmlformats.org/officeDocument/2006/relationships" xmlns:p="http://schemas.openxmlformats.org/presentationml/2006/main">
+  <p:cSld>
+    <p:spTree>
+      <p:nvGrpSpPr>
+        <p:cNvPr id="1" name=""/>
+        <p:cNvGrpSpPr/>
+        <p:nvPr/>
+      </p:nvGrpSpPr>
+      <p:grpSpPr>
+        <a:xfrm>
+          <a:off x="0" y="0"/>
+          <a:ext cx="0" cy="0"/>
+          <a:chOff x="0" y="0"/>
+          <a:chExt cx="0" cy="0"/>
+        </a:xfrm>
+      </p:grpSpPr>
+      <p:pic>
+        <p:nvPicPr>
+          <p:cNvPr id="2" name="Picture 1" descr="couchbase_cluster.png"/>
+          <p:cNvPicPr>
+            <a:picLocks noChangeAspect="1"/>
+          </p:cNvPicPr>
+          <p:nvPr/>
+        </p:nvPicPr>
+        <p:blipFill>
+          <a:blip r:embed="rId2">
+            <a:extLst>
+              <a:ext uri="{28A0092B-C50C-407E-A947-70E740481C1C}">
+                <a14:useLocalDpi xmlns:a14="http://schemas.microsoft.com/office/drawing/2010/main" val="0"/>
+              </a:ext>
+            </a:extLst>
+          </a:blip>
+          <a:stretch>
+            <a:fillRect/>
+          </a:stretch>
+        </p:blipFill>
+        <p:spPr>
+          <a:xfrm>
+            <a:off x="0" y="1282700"/>
+            <a:ext cx="9144000" cy="4275117"/>
+          </a:xfrm>
+          <a:prstGeom prst="rect">
+            <a:avLst/>
+          </a:prstGeom>
+        </p:spPr>
+      </p:pic>
+    </p:spTree>
+    <p:extLst>
+      <p:ext uri="{BB962C8B-B14F-4D97-AF65-F5344CB8AC3E}">
+        <p14:creationId xmlns:p14="http://schemas.microsoft.com/office/powerpoint/2010/main" val="2898682451"/>
+      </p:ext>
+    </p:extLst>
+  </p:cSld>
+  <p:clrMapOvr>
+    <a:masterClrMapping/>
+  </p:clrMapOvr>
 </p:sld>
 </file>
 
